--- a/spring11/slides11/slides12f.pptx
+++ b/spring11/slides11/slides12f.pptx
@@ -6787,11 +6787,7 @@
             </a:r>
             <a:r>
               <a:rPr lang="en-US" dirty="0" smtClean="0"/>
-              <a:t> </a:t>
-            </a:r>
-            <a:r>
-              <a:rPr lang="en-US" dirty="0" smtClean="0"/>
-              <a:t>12F.</a:t>
+              <a:t> 12F.</a:t>
             </a:r>
             <a:fld id="{7886A709-CED2-48A3-8616-B2655C008ECB}" type="slidenum">
               <a:rPr lang="en-US" smtClean="0"/>
@@ -6887,22 +6883,7 @@
                 <a:uFillTx/>
                 <a:latin typeface="Comic Sans MS" pitchFamily="66" charset="0"/>
               </a:rPr>
-              <a:t>Albert R Meyer,           </a:t>
-            </a:r>
-            <a:r>
-              <a:rPr kumimoji="0" lang="en-US" sz="1200" b="0" i="0" u="none" strike="noStrike" kern="1200" cap="none" spc="0" normalizeH="0" baseline="0" noProof="0" dirty="0" smtClean="0">
-                <a:ln>
-                  <a:noFill/>
-                </a:ln>
-                <a:solidFill>
-                  <a:schemeClr val="tx1"/>
-                </a:solidFill>
-                <a:effectLst/>
-                <a:uLnTx/>
-                <a:uFillTx/>
-                <a:latin typeface="Comic Sans MS" pitchFamily="66" charset="0"/>
-              </a:rPr>
-              <a:t> April 29, 2011</a:t>
+              <a:t>Albert R Meyer,            April 29, 2011</a:t>
             </a:r>
             <a:endParaRPr kumimoji="0" lang="en-US" sz="1200" b="0" i="0" u="none" strike="noStrike" kern="1200" cap="none" spc="0" normalizeH="0" baseline="0" noProof="0" dirty="0">
               <a:ln>
@@ -12663,112 +12644,6 @@
               </a:solidFill>
             </a:endParaRPr>
           </a:p>
-          <a:p>
-            <a:pPr marL="0" indent="0" eaLnBrk="1" hangingPunct="1"/>
-            <a:r>
-              <a:rPr lang="en-US" dirty="0" smtClean="0"/>
-              <a:t>(</a:t>
-            </a:r>
-            <a:r>
-              <a:rPr lang="en-US" dirty="0" smtClean="0">
-                <a:solidFill>
-                  <a:srgbClr val="006600"/>
-                </a:solidFill>
-              </a:rPr>
-              <a:t>Sanity check:</a:t>
-            </a:r>
-          </a:p>
-          <a:p>
-            <a:pPr marL="0" indent="0" algn="ctr" eaLnBrk="1" hangingPunct="1"/>
-            <a:r>
-              <a:rPr lang="en-US" dirty="0" smtClean="0"/>
-              <a:t> </a:t>
-            </a:r>
-            <a:r>
-              <a:rPr lang="en-US" dirty="0" smtClean="0">
-                <a:solidFill>
-                  <a:srgbClr val="3333FF"/>
-                </a:solidFill>
-              </a:rPr>
-              <a:t>I</a:t>
-            </a:r>
-            <a:r>
-              <a:rPr lang="en-US" baseline="-25000" dirty="0" smtClean="0">
-                <a:solidFill>
-                  <a:srgbClr val="3333FF"/>
-                </a:solidFill>
-              </a:rPr>
-              <a:t>A</a:t>
-            </a:r>
-            <a:r>
-              <a:rPr lang="en-US" baseline="-25000" dirty="0" smtClean="0"/>
-              <a:t>  </a:t>
-            </a:r>
-            <a:r>
-              <a:rPr lang="en-US" dirty="0" smtClean="0"/>
-              <a:t>and </a:t>
-            </a:r>
-            <a:r>
-              <a:rPr lang="en-US" dirty="0" smtClean="0">
-                <a:solidFill>
-                  <a:srgbClr val="3333FF"/>
-                </a:solidFill>
-              </a:rPr>
-              <a:t>I</a:t>
-            </a:r>
-            <a:r>
-              <a:rPr lang="en-US" baseline="-25000" dirty="0" smtClean="0">
-                <a:solidFill>
-                  <a:srgbClr val="3333FF"/>
-                </a:solidFill>
-              </a:rPr>
-              <a:t>B</a:t>
-            </a:r>
-            <a:r>
-              <a:rPr lang="en-US" baseline="-25000" dirty="0" smtClean="0"/>
-              <a:t>  </a:t>
-            </a:r>
-            <a:r>
-              <a:rPr lang="en-US" dirty="0" smtClean="0"/>
-              <a:t>are independent </a:t>
-            </a:r>
-            <a:r>
-              <a:rPr lang="en-US" dirty="0" err="1" smtClean="0"/>
-              <a:t>iff</a:t>
-            </a:r>
-            <a:endParaRPr lang="en-US" dirty="0" smtClean="0"/>
-          </a:p>
-          <a:p>
-            <a:pPr marL="0" indent="0" algn="ctr" eaLnBrk="1" hangingPunct="1"/>
-            <a:r>
-              <a:rPr lang="en-US" dirty="0" smtClean="0"/>
-              <a:t> </a:t>
-            </a:r>
-            <a:r>
-              <a:rPr lang="en-US" dirty="0" smtClean="0">
-                <a:solidFill>
-                  <a:srgbClr val="3333FF"/>
-                </a:solidFill>
-              </a:rPr>
-              <a:t>A</a:t>
-            </a:r>
-            <a:r>
-              <a:rPr lang="en-US" dirty="0" smtClean="0"/>
-              <a:t> and </a:t>
-            </a:r>
-            <a:r>
-              <a:rPr lang="en-US" dirty="0" smtClean="0">
-                <a:solidFill>
-                  <a:srgbClr val="3333FF"/>
-                </a:solidFill>
-              </a:rPr>
-              <a:t>B</a:t>
-            </a:r>
-            <a:r>
-              <a:rPr lang="en-US" dirty="0" smtClean="0"/>
-              <a:t> are independent.)</a:t>
-            </a:r>
-          </a:p>
         </p:txBody>
       </p:sp>
       <p:graphicFrame>
@@ -12782,12 +12657,12 @@
           </p:nvPr>
         </p:nvGraphicFramePr>
         <p:xfrm>
-          <a:off x="912457" y="1624013"/>
-          <a:ext cx="7278706" cy="1980833"/>
+          <a:off x="488821" y="1641417"/>
+          <a:ext cx="8137142" cy="1999250"/>
         </p:xfrm>
         <a:graphic>
           <a:graphicData uri="http://schemas.openxmlformats.org/presentationml/2006/ole">
-            <p:oleObj spid="_x0000_s486402" name="Equation" r:id="rId4" imgW="1866600" imgH="507960" progId="Equation.DSMT4">
+            <p:oleObj spid="_x0000_s486402" name="Equation" r:id="rId4" imgW="2171700" imgH="533400" progId="Equation.DSMT4">
               <p:embed/>
             </p:oleObj>
           </a:graphicData>
@@ -12821,6 +12696,26 @@
           </a:p>
         </p:txBody>
       </p:sp>
+      <p:graphicFrame>
+        <p:nvGraphicFramePr>
+          <p:cNvPr id="486405" name="Object 4"/>
+          <p:cNvGraphicFramePr>
+            <a:graphicFrameLocks noChangeAspect="1"/>
+          </p:cNvGraphicFramePr>
+          <p:nvPr/>
+        </p:nvGraphicFramePr>
+        <p:xfrm>
+          <a:off x="1263650" y="3922713"/>
+          <a:ext cx="6559550" cy="1722437"/>
+        </p:xfrm>
+        <a:graphic>
+          <a:graphicData uri="http://schemas.openxmlformats.org/presentationml/2006/ole">
+            <p:oleObj spid="_x0000_s486405" name="Equation" r:id="rId5" imgW="1308100" imgH="342900" progId="Equation.DSMT4">
+              <p:embed/>
+            </p:oleObj>
+          </a:graphicData>
+        </a:graphic>
+      </p:graphicFrame>
     </p:spTree>
   </p:cSld>
   <p:clrMapOvr>
@@ -12850,7 +12745,7 @@
                             </p:stCondLst>
                             <p:childTnLst>
                               <p:par>
-                                <p:cTn id="5" presetID="1" presetClass="entr" presetSubtype="0" fill="hold" nodeType="clickEffect">
+                                <p:cTn id="5" presetID="22" presetClass="entr" presetSubtype="8" fill="hold" nodeType="clickEffect">
                                   <p:stCondLst>
                                     <p:cond delay="0"/>
                                   </p:stCondLst>
@@ -12863,11 +12758,7 @@
                                           </p:stCondLst>
                                         </p:cTn>
                                         <p:tgtEl>
-                                          <p:spTgt spid="155651">
-                                            <p:txEl>
-                                              <p:pRg st="4" end="4"/>
-                                            </p:txEl>
-                                          </p:spTgt>
+                                          <p:spTgt spid="8194"/>
                                         </p:tgtEl>
                                         <p:attrNameLst>
                                           <p:attrName>style.visibility</p:attrName>
@@ -12877,28 +12768,50 @@
                                         <p:strVal val="visible"/>
                                       </p:to>
                                     </p:set>
+                                    <p:animEffect transition="in" filter="wipe(left)">
+                                      <p:cBhvr>
+                                        <p:cTn id="7" dur="500"/>
+                                        <p:tgtEl>
+                                          <p:spTgt spid="8194"/>
+                                        </p:tgtEl>
+                                      </p:cBhvr>
+                                    </p:animEffect>
                                   </p:childTnLst>
                                 </p:cTn>
                               </p:par>
+                            </p:childTnLst>
+                          </p:cTn>
+                        </p:par>
+                      </p:childTnLst>
+                    </p:cTn>
+                  </p:par>
+                  <p:par>
+                    <p:cTn id="8" fill="hold">
+                      <p:stCondLst>
+                        <p:cond delay="indefinite"/>
+                      </p:stCondLst>
+                      <p:childTnLst>
+                        <p:par>
+                          <p:cTn id="9" fill="hold">
+                            <p:stCondLst>
+                              <p:cond delay="0"/>
+                            </p:stCondLst>
+                            <p:childTnLst>
                               <p:par>
-                                <p:cTn id="7" presetID="1" presetClass="entr" presetSubtype="0" fill="hold" nodeType="withEffect">
+                                <p:cTn id="10" presetID="10" presetClass="entr" presetSubtype="0" fill="hold" nodeType="clickEffect">
                                   <p:stCondLst>
                                     <p:cond delay="0"/>
                                   </p:stCondLst>
                                   <p:childTnLst>
                                     <p:set>
                                       <p:cBhvr>
-                                        <p:cTn id="8" dur="1" fill="hold">
+                                        <p:cTn id="11" dur="1" fill="hold">
                                           <p:stCondLst>
                                             <p:cond delay="0"/>
                                           </p:stCondLst>
                                         </p:cTn>
                                         <p:tgtEl>
-                                          <p:spTgt spid="155651">
-                                            <p:txEl>
-                                              <p:pRg st="5" end="5"/>
-                                            </p:txEl>
-                                          </p:spTgt>
+                                          <p:spTgt spid="486405"/>
                                         </p:tgtEl>
                                         <p:attrNameLst>
                                           <p:attrName>style.visibility</p:attrName>
@@ -12908,37 +12821,14 @@
                                         <p:strVal val="visible"/>
                                       </p:to>
                                     </p:set>
-                                  </p:childTnLst>
-                                </p:cTn>
-                              </p:par>
-                              <p:par>
-                                <p:cTn id="9" presetID="1" presetClass="entr" presetSubtype="0" fill="hold" nodeType="withEffect">
-                                  <p:stCondLst>
-                                    <p:cond delay="0"/>
-                                  </p:stCondLst>
-                                  <p:childTnLst>
-                                    <p:set>
+                                    <p:animEffect transition="in" filter="fade">
                                       <p:cBhvr>
-                                        <p:cTn id="10" dur="1" fill="hold">
-                                          <p:stCondLst>
-                                            <p:cond delay="0"/>
-                                          </p:stCondLst>
-                                        </p:cTn>
+                                        <p:cTn id="12" dur="500"/>
                                         <p:tgtEl>
-                                          <p:spTgt spid="155651">
-                                            <p:txEl>
-                                              <p:pRg st="6" end="6"/>
-                                            </p:txEl>
-                                          </p:spTgt>
+                                          <p:spTgt spid="486405"/>
                                         </p:tgtEl>
-                                        <p:attrNameLst>
-                                          <p:attrName>style.visibility</p:attrName>
-                                        </p:attrNameLst>
                                       </p:cBhvr>
-                                      <p:to>
-                                        <p:strVal val="visible"/>
-                                      </p:to>
-                                    </p:set>
+                                    </p:animEffect>
                                   </p:childTnLst>
                                 </p:cTn>
                               </p:par>
@@ -13002,8 +12892,8 @@
         </p:nvSpPr>
         <p:spPr>
           <a:xfrm>
-            <a:off x="1295400" y="1295400"/>
-            <a:ext cx="6553200" cy="4572000"/>
+            <a:off x="633588" y="1276584"/>
+            <a:ext cx="7538156" cy="4621859"/>
           </a:xfrm>
         </p:spPr>
         <p:txBody>
@@ -13026,8 +12916,20 @@
               <a:t>I</a:t>
             </a:r>
             <a:r>
+              <a:rPr lang="en-US" sz="6000" baseline="-25000" dirty="0" smtClean="0">
+                <a:solidFill>
+                  <a:srgbClr val="0000FF"/>
+                </a:solidFill>
+              </a:rPr>
+              <a:t>A</a:t>
+            </a:r>
+            <a:r>
               <a:rPr lang="en-US" sz="6000" dirty="0" smtClean="0"/>
-              <a:t>] = </a:t>
+              <a:t>] </a:t>
+            </a:r>
+            <a:r>
+              <a:rPr lang="en-US" sz="6000" dirty="0" smtClean="0"/>
+              <a:t>= </a:t>
             </a:r>
             <a:r>
               <a:rPr lang="en-US" sz="6000" dirty="0" smtClean="0">
@@ -13054,7 +12956,31 @@
                   <a:srgbClr val="0000FF"/>
                 </a:solidFill>
               </a:rPr>
-              <a:t>I=1</a:t>
+              <a:t>I</a:t>
+            </a:r>
+            <a:r>
+              <a:rPr lang="en-US" sz="6000" baseline="-25000" dirty="0" smtClean="0">
+                <a:solidFill>
+                  <a:srgbClr val="0000FF"/>
+                </a:solidFill>
+              </a:rPr>
+              <a:t>A</a:t>
+            </a:r>
+            <a:r>
+              <a:rPr lang="en-US" sz="6000" dirty="0" smtClean="0">
+                <a:solidFill>
+                  <a:srgbClr val="0000FF"/>
+                </a:solidFill>
+              </a:rPr>
+              <a:t>=</a:t>
+            </a:r>
+            <a:r>
+              <a:rPr lang="en-US" sz="6000" dirty="0" smtClean="0">
+                <a:solidFill>
+                  <a:srgbClr val="0000FF"/>
+                </a:solidFill>
+              </a:rPr>
+              <a:t>1</a:t>
             </a:r>
             <a:r>
               <a:rPr lang="en-US" sz="6000" dirty="0" smtClean="0"/>
@@ -13087,7 +13013,16 @@
                 </a:solidFill>
                 <a:sym typeface="Euclid Symbol"/>
               </a:rPr>
-              <a:t>          0</a:t>
+              <a:t>         </a:t>
+            </a:r>
+            <a:r>
+              <a:rPr lang="en-US" sz="6000" dirty="0" smtClean="0">
+                <a:solidFill>
+                  <a:srgbClr val="0000FF"/>
+                </a:solidFill>
+                <a:sym typeface="Euclid Symbol"/>
+              </a:rPr>
+              <a:t>   0</a:t>
             </a:r>
             <a:r>
               <a:rPr lang="en-US" sz="6000" dirty="0" smtClean="0">
@@ -13105,7 +13040,31 @@
                   <a:srgbClr val="0000FF"/>
                 </a:solidFill>
               </a:rPr>
-              <a:t>I=0</a:t>
+              <a:t>I</a:t>
+            </a:r>
+            <a:r>
+              <a:rPr lang="en-US" sz="6000" baseline="-25000" dirty="0" smtClean="0">
+                <a:solidFill>
+                  <a:srgbClr val="0000FF"/>
+                </a:solidFill>
+              </a:rPr>
+              <a:t>A</a:t>
+            </a:r>
+            <a:r>
+              <a:rPr lang="en-US" sz="6000" dirty="0" smtClean="0">
+                <a:solidFill>
+                  <a:srgbClr val="0000FF"/>
+                </a:solidFill>
+              </a:rPr>
+              <a:t>=</a:t>
+            </a:r>
+            <a:r>
+              <a:rPr lang="en-US" sz="6000" dirty="0" smtClean="0">
+                <a:solidFill>
+                  <a:srgbClr val="0000FF"/>
+                </a:solidFill>
+              </a:rPr>
+              <a:t>0</a:t>
             </a:r>
             <a:r>
               <a:rPr lang="en-US" sz="6000" dirty="0" smtClean="0"/>
@@ -13118,7 +13077,11 @@
             </a:pPr>
             <a:r>
               <a:rPr lang="en-US" sz="6000" dirty="0" smtClean="0"/>
-              <a:t>        = </a:t>
+              <a:t>       </a:t>
+            </a:r>
+            <a:r>
+              <a:rPr lang="en-US" sz="6000" dirty="0" smtClean="0"/>
+              <a:t>  = </a:t>
             </a:r>
             <a:r>
               <a:rPr lang="en-US" sz="6000" dirty="0" err="1" smtClean="0"/>
@@ -13133,16 +13096,75 @@
               <a:t>I</a:t>
             </a:r>
             <a:r>
+              <a:rPr lang="en-US" sz="6000" baseline="-25000" dirty="0" err="1" smtClean="0">
+                <a:solidFill>
+                  <a:srgbClr val="0000FF"/>
+                </a:solidFill>
+              </a:rPr>
+              <a:t>A</a:t>
+            </a:r>
+            <a:r>
               <a:rPr lang="en-US" sz="6000" dirty="0" smtClean="0">
                 <a:solidFill>
                   <a:srgbClr val="0000FF"/>
                 </a:solidFill>
               </a:rPr>
-              <a:t>=1</a:t>
+              <a:t>=</a:t>
+            </a:r>
+            <a:r>
+              <a:rPr lang="en-US" sz="6000" dirty="0" smtClean="0">
+                <a:solidFill>
+                  <a:srgbClr val="0000FF"/>
+                </a:solidFill>
+              </a:rPr>
+              <a:t>1</a:t>
             </a:r>
             <a:r>
               <a:rPr lang="en-US" sz="6000" dirty="0" smtClean="0"/>
               <a:t>}</a:t>
+            </a:r>
+          </a:p>
+          <a:p>
+            <a:pPr>
+              <a:buNone/>
+            </a:pPr>
+            <a:r>
+              <a:rPr lang="en-US" sz="6000" dirty="0" smtClean="0"/>
+              <a:t>         </a:t>
+            </a:r>
+            <a:r>
+              <a:rPr lang="en-US" sz="6000" dirty="0" smtClean="0"/>
+              <a:t>= </a:t>
+            </a:r>
+            <a:r>
+              <a:rPr lang="en-US" sz="6000" dirty="0" err="1" smtClean="0"/>
+              <a:t>Pr</a:t>
+            </a:r>
+            <a:r>
+              <a:rPr lang="en-US" sz="6000" dirty="0" err="1" smtClean="0"/>
+              <a:t>{</a:t>
+            </a:r>
+            <a:r>
+              <a:rPr lang="en-US" sz="6000" dirty="0" err="1" smtClean="0">
+                <a:solidFill>
+                  <a:srgbClr val="0000FF"/>
+                </a:solidFill>
+              </a:rPr>
+              <a:t>A</a:t>
+            </a:r>
+            <a:r>
+              <a:rPr lang="en-US" sz="6000" dirty="0" smtClean="0"/>
+              <a:t>}</a:t>
+            </a:r>
+            <a:endParaRPr lang="en-US" sz="6000" dirty="0" smtClean="0"/>
+          </a:p>
+          <a:p>
+            <a:pPr>
+              <a:buNone/>
+            </a:pPr>
+            <a:r>
+              <a:rPr lang="en-US" sz="6000" dirty="0" smtClean="0"/>
+              <a:t>        </a:t>
             </a:r>
             <a:endParaRPr lang="en-US" sz="6000" dirty="0"/>
           </a:p>
@@ -13160,8 +13182,8 @@
         </p:nvSpPr>
         <p:spPr>
           <a:xfrm>
-            <a:off x="1143000" y="152400"/>
-            <a:ext cx="7543800" cy="1066800"/>
+            <a:off x="1086558" y="152399"/>
+            <a:ext cx="8001000" cy="1108193"/>
           </a:xfrm>
         </p:spPr>
         <p:txBody>
@@ -13189,21 +13211,34 @@
               </a:rPr>
               <a:t>I</a:t>
             </a:r>
+            <a:r>
+              <a:rPr lang="en-US" sz="4400" baseline="-25000" dirty="0" smtClean="0">
+                <a:solidFill>
+                  <a:srgbClr val="0000FF"/>
+                </a:solidFill>
+              </a:rPr>
+              <a:t>A</a:t>
+            </a:r>
+            <a:endParaRPr lang="en-US" sz="4400" dirty="0" smtClean="0">
+              <a:solidFill>
+                <a:srgbClr val="0000FF"/>
+              </a:solidFill>
+            </a:endParaRPr>
           </a:p>
         </p:txBody>
       </p:sp>
       <p:grpSp>
         <p:nvGrpSpPr>
-          <p:cNvPr id="2" name="Group 9"/>
+          <p:cNvPr id="10" name="Group 9"/>
           <p:cNvGrpSpPr/>
           <p:nvPr/>
         </p:nvGrpSpPr>
         <p:grpSpPr>
           <a:xfrm>
-            <a:off x="1295400" y="1219200"/>
-            <a:ext cx="5410200" cy="3505200"/>
-            <a:chOff x="1295400" y="1219200"/>
-            <a:chExt cx="5410200" cy="3505200"/>
+            <a:off x="536223" y="1326445"/>
+            <a:ext cx="5108221" cy="4534371"/>
+            <a:chOff x="536223" y="1326445"/>
+            <a:chExt cx="5108221" cy="4534371"/>
           </a:xfrm>
         </p:grpSpPr>
         <p:sp>
@@ -13214,8 +13249,8 @@
           </p:nvSpPr>
           <p:spPr bwMode="auto">
             <a:xfrm>
-              <a:off x="2971800" y="3505200"/>
-              <a:ext cx="3733800" cy="1219200"/>
+              <a:off x="2541271" y="4608404"/>
+              <a:ext cx="3103173" cy="1252412"/>
             </a:xfrm>
             <a:prstGeom prst="rect">
               <a:avLst/>
@@ -13277,8 +13312,8 @@
           </p:nvSpPr>
           <p:spPr bwMode="auto">
             <a:xfrm>
-              <a:off x="1295400" y="1219200"/>
-              <a:ext cx="1752600" cy="1143000"/>
+              <a:off x="536223" y="1326445"/>
+              <a:ext cx="2186414" cy="1194740"/>
             </a:xfrm>
             <a:prstGeom prst="rect">
               <a:avLst/>
@@ -13464,21 +13499,30 @@
                             </p:childTnLst>
                           </p:cTn>
                         </p:par>
+                      </p:childTnLst>
+                    </p:cTn>
+                  </p:par>
+                  <p:par>
+                    <p:cTn id="8" fill="hold">
+                      <p:stCondLst>
+                        <p:cond delay="indefinite"/>
+                      </p:stCondLst>
+                      <p:childTnLst>
                         <p:par>
-                          <p:cTn id="8" fill="hold">
+                          <p:cTn id="9" fill="hold">
                             <p:stCondLst>
-                              <p:cond delay="1000"/>
+                              <p:cond delay="0"/>
                             </p:stCondLst>
                             <p:childTnLst>
                               <p:par>
-                                <p:cTn id="9" presetID="22" presetClass="entr" presetSubtype="8" fill="hold" nodeType="afterEffect">
+                                <p:cTn id="10" presetID="22" presetClass="entr" presetSubtype="8" fill="hold" nodeType="clickEffect">
                                   <p:stCondLst>
                                     <p:cond delay="0"/>
                                   </p:stCondLst>
                                   <p:childTnLst>
                                     <p:set>
                                       <p:cBhvr>
-                                        <p:cTn id="10" dur="1" fill="hold">
+                                        <p:cTn id="11" dur="1" fill="hold">
                                           <p:stCondLst>
                                             <p:cond delay="0"/>
                                           </p:stCondLst>
@@ -13500,7 +13544,7 @@
                                     </p:set>
                                     <p:animEffect transition="in" filter="wipe(left)">
                                       <p:cBhvr>
-                                        <p:cTn id="11" dur="1000"/>
+                                        <p:cTn id="12" dur="1000"/>
                                         <p:tgtEl>
                                           <p:spTgt spid="3">
                                             <p:txEl>
@@ -13516,21 +13560,30 @@
                             </p:childTnLst>
                           </p:cTn>
                         </p:par>
+                      </p:childTnLst>
+                    </p:cTn>
+                  </p:par>
+                  <p:par>
+                    <p:cTn id="13" fill="hold">
+                      <p:stCondLst>
+                        <p:cond delay="indefinite"/>
+                      </p:stCondLst>
+                      <p:childTnLst>
                         <p:par>
-                          <p:cTn id="12" fill="hold">
+                          <p:cTn id="14" fill="hold">
                             <p:stCondLst>
-                              <p:cond delay="2000"/>
+                              <p:cond delay="0"/>
                             </p:stCondLst>
                             <p:childTnLst>
                               <p:par>
-                                <p:cTn id="13" presetID="9" presetClass="entr" presetSubtype="0" fill="hold" nodeType="afterEffect">
+                                <p:cTn id="15" presetID="9" presetClass="entr" presetSubtype="0" fill="hold" nodeType="clickEffect">
                                   <p:stCondLst>
                                     <p:cond delay="0"/>
                                   </p:stCondLst>
                                   <p:childTnLst>
                                     <p:set>
                                       <p:cBhvr>
-                                        <p:cTn id="14" dur="1" fill="hold">
+                                        <p:cTn id="16" dur="1" fill="hold">
                                           <p:stCondLst>
                                             <p:cond delay="0"/>
                                           </p:stCondLst>
@@ -13552,7 +13605,7 @@
                                     </p:set>
                                     <p:animEffect transition="in" filter="dissolve">
                                       <p:cBhvr>
-                                        <p:cTn id="15" dur="500"/>
+                                        <p:cTn id="17" dur="500"/>
                                         <p:tgtEl>
                                           <p:spTgt spid="3">
                                             <p:txEl>
@@ -13568,27 +13621,97 @@
                             </p:childTnLst>
                           </p:cTn>
                         </p:par>
+                      </p:childTnLst>
+                    </p:cTn>
+                  </p:par>
+                  <p:par>
+                    <p:cTn id="18" fill="hold">
+                      <p:stCondLst>
+                        <p:cond delay="indefinite"/>
+                      </p:stCondLst>
+                      <p:childTnLst>
                         <p:par>
-                          <p:cTn id="16" fill="hold">
+                          <p:cTn id="19" fill="hold">
                             <p:stCondLst>
-                              <p:cond delay="2500"/>
+                              <p:cond delay="0"/>
                             </p:stCondLst>
                             <p:childTnLst>
                               <p:par>
-                                <p:cTn id="17" presetID="15" presetClass="entr" presetSubtype="0" fill="hold" nodeType="afterEffect">
+                                <p:cTn id="20" presetID="9" presetClass="entr" presetSubtype="0" fill="hold" nodeType="clickEffect">
                                   <p:stCondLst>
                                     <p:cond delay="0"/>
                                   </p:stCondLst>
                                   <p:childTnLst>
                                     <p:set>
                                       <p:cBhvr>
-                                        <p:cTn id="18" dur="1" fill="hold">
+                                        <p:cTn id="21" dur="1" fill="hold">
                                           <p:stCondLst>
                                             <p:cond delay="0"/>
                                           </p:stCondLst>
                                         </p:cTn>
                                         <p:tgtEl>
-                                          <p:spTgt spid="2"/>
+                                          <p:spTgt spid="3">
+                                            <p:txEl>
+                                              <p:pRg st="3" end="3"/>
+                                            </p:txEl>
+                                          </p:spTgt>
+                                        </p:tgtEl>
+                                        <p:attrNameLst>
+                                          <p:attrName>style.visibility</p:attrName>
+                                        </p:attrNameLst>
+                                      </p:cBhvr>
+                                      <p:to>
+                                        <p:strVal val="visible"/>
+                                      </p:to>
+                                    </p:set>
+                                    <p:animEffect transition="in" filter="dissolve">
+                                      <p:cBhvr>
+                                        <p:cTn id="22" dur="500"/>
+                                        <p:tgtEl>
+                                          <p:spTgt spid="3">
+                                            <p:txEl>
+                                              <p:pRg st="3" end="3"/>
+                                            </p:txEl>
+                                          </p:spTgt>
+                                        </p:tgtEl>
+                                      </p:cBhvr>
+                                    </p:animEffect>
+                                  </p:childTnLst>
+                                </p:cTn>
+                              </p:par>
+                            </p:childTnLst>
+                          </p:cTn>
+                        </p:par>
+                      </p:childTnLst>
+                    </p:cTn>
+                  </p:par>
+                  <p:par>
+                    <p:cTn id="23" fill="hold">
+                      <p:stCondLst>
+                        <p:cond delay="indefinite"/>
+                      </p:stCondLst>
+                      <p:childTnLst>
+                        <p:par>
+                          <p:cTn id="24" fill="hold">
+                            <p:stCondLst>
+                              <p:cond delay="0"/>
+                            </p:stCondLst>
+                            <p:childTnLst>
+                              <p:par>
+                                <p:cTn id="25" presetID="15" presetClass="entr" presetSubtype="0" fill="hold" nodeType="clickEffect">
+                                  <p:stCondLst>
+                                    <p:cond delay="0"/>
+                                  </p:stCondLst>
+                                  <p:childTnLst>
+                                    <p:set>
+                                      <p:cBhvr>
+                                        <p:cTn id="26" dur="1" fill="hold">
+                                          <p:stCondLst>
+                                            <p:cond delay="0"/>
+                                          </p:stCondLst>
+                                        </p:cTn>
+                                        <p:tgtEl>
+                                          <p:spTgt spid="10"/>
                                         </p:tgtEl>
                                         <p:attrNameLst>
                                           <p:attrName>style.visibility</p:attrName>
@@ -13600,9 +13723,9 @@
                                     </p:set>
                                     <p:anim calcmode="lin" valueType="num">
                                       <p:cBhvr>
-                                        <p:cTn id="19" dur="1000" fill="hold"/>
+                                        <p:cTn id="27" dur="1000" fill="hold"/>
                                         <p:tgtEl>
-                                          <p:spTgt spid="2"/>
+                                          <p:spTgt spid="10"/>
                                         </p:tgtEl>
                                         <p:attrNameLst>
                                           <p:attrName>ppt_w</p:attrName>
@@ -13623,9 +13746,9 @@
                                     </p:anim>
                                     <p:anim calcmode="lin" valueType="num">
                                       <p:cBhvr>
-                                        <p:cTn id="20" dur="1000" fill="hold"/>
+                                        <p:cTn id="28" dur="1000" fill="hold"/>
                                         <p:tgtEl>
-                                          <p:spTgt spid="2"/>
+                                          <p:spTgt spid="10"/>
                                         </p:tgtEl>
                                         <p:attrNameLst>
                                           <p:attrName>ppt_h</p:attrName>
@@ -13646,9 +13769,9 @@
                                     </p:anim>
                                     <p:anim calcmode="lin" valueType="num">
                                       <p:cBhvr>
-                                        <p:cTn id="21" dur="1000" fill="hold"/>
+                                        <p:cTn id="29" dur="1000" fill="hold"/>
                                         <p:tgtEl>
-                                          <p:spTgt spid="2"/>
+                                          <p:spTgt spid="10"/>
                                         </p:tgtEl>
                                         <p:attrNameLst>
                                           <p:attrName>ppt_x</p:attrName>
@@ -13669,9 +13792,9 @@
                                     </p:anim>
                                     <p:anim calcmode="lin" valueType="num">
                                       <p:cBhvr>
-                                        <p:cTn id="22" dur="1000" fill="hold"/>
+                                        <p:cTn id="30" dur="1000" fill="hold"/>
                                         <p:tgtEl>
-                                          <p:spTgt spid="2"/>
+                                          <p:spTgt spid="10"/>
                                         </p:tgtEl>
                                         <p:attrNameLst>
                                           <p:attrName>ppt_y</p:attrName>
@@ -14586,8 +14709,8 @@
         </p:nvSpPr>
         <p:spPr>
           <a:xfrm>
-            <a:off x="543830" y="1295400"/>
-            <a:ext cx="8099418" cy="2123658"/>
+            <a:off x="268968" y="1295400"/>
+            <a:ext cx="8686818" cy="2123658"/>
           </a:xfrm>
           <a:prstGeom prst="rect">
             <a:avLst/>
@@ -14604,7 +14727,25 @@
               <a:rPr lang="en-US" sz="4400" i="0" dirty="0" smtClean="0">
                 <a:latin typeface="+mj-lt"/>
               </a:rPr>
-              <a:t>we know how to </a:t>
+              <a:t>we</a:t>
+            </a:r>
+            <a:r>
+              <a:rPr lang="en-US" sz="4400" i="0" dirty="0" smtClean="0">
+                <a:latin typeface="+mj-lt"/>
+              </a:rPr>
+              <a:t> could perturb </a:t>
+            </a:r>
+            <a:r>
+              <a:rPr lang="en-US" sz="4400" dirty="0" smtClean="0">
+                <a:latin typeface="+mj-lt"/>
+              </a:rPr>
+              <a:t>to</a:t>
+            </a:r>
+            <a:r>
+              <a:rPr lang="en-US" sz="4400" i="0" dirty="0" smtClean="0">
+                <a:latin typeface="+mj-lt"/>
+              </a:rPr>
+              <a:t> </a:t>
             </a:r>
             <a:r>
               <a:rPr lang="en-US" sz="4400" dirty="0" smtClean="0">
@@ -16333,12 +16474,12 @@
           <p:nvPr/>
         </p:nvGraphicFramePr>
         <p:xfrm>
-          <a:off x="452438" y="2863850"/>
-          <a:ext cx="8208962" cy="2451100"/>
+          <a:off x="420688" y="2863850"/>
+          <a:ext cx="8272462" cy="2451100"/>
         </p:xfrm>
         <a:graphic>
           <a:graphicData uri="http://schemas.openxmlformats.org/presentationml/2006/ole">
-            <p:oleObj spid="_x0000_s210946" name="Equation" r:id="rId4" imgW="1663700" imgH="495300" progId="Equation.DSMT4">
+            <p:oleObj spid="_x0000_s210946" name="Equation" r:id="rId4" imgW="1676400" imgH="495300" progId="Equation.DSMT4">
               <p:embed/>
             </p:oleObj>
           </a:graphicData>
@@ -22499,7 +22640,7 @@
             <a:r>
               <a:rPr lang="en-US" sz="5400" i="0" dirty="0" smtClean="0">
                 <a:solidFill>
-                  <a:srgbClr val="008000"/>
+                  <a:srgbClr val="0000FF"/>
                 </a:solidFill>
                 <a:latin typeface="+mj-lt"/>
               </a:rPr>
@@ -22533,7 +22674,7 @@
             <a:r>
               <a:rPr lang="en-US" sz="5400" i="0" dirty="0" smtClean="0">
                 <a:solidFill>
-                  <a:srgbClr val="008000"/>
+                  <a:srgbClr val="0000FF"/>
                 </a:solidFill>
                 <a:latin typeface="+mj-lt"/>
               </a:rPr>
@@ -28839,7 +28980,7 @@
                             </p:stCondLst>
                             <p:childTnLst>
                               <p:par>
-                                <p:cTn id="5" presetID="22" presetClass="entr" presetSubtype="1" fill="hold" nodeType="clickEffect">
+                                <p:cTn id="5" presetID="1" presetClass="entr" presetSubtype="0" fill="hold" grpId="0" nodeType="clickEffect">
                                   <p:stCondLst>
                                     <p:cond delay="0"/>
                                   </p:stCondLst>
@@ -28847,6 +28988,51 @@
                                     <p:set>
                                       <p:cBhvr>
                                         <p:cTn id="6" dur="1" fill="hold">
+                                          <p:stCondLst>
+                                            <p:cond delay="0"/>
+                                          </p:stCondLst>
+                                        </p:cTn>
+                                        <p:tgtEl>
+                                          <p:spTgt spid="6"/>
+                                        </p:tgtEl>
+                                        <p:attrNameLst>
+                                          <p:attrName>style.visibility</p:attrName>
+                                        </p:attrNameLst>
+                                      </p:cBhvr>
+                                      <p:to>
+                                        <p:strVal val="visible"/>
+                                      </p:to>
+                                    </p:set>
+                                  </p:childTnLst>
+                                </p:cTn>
+                              </p:par>
+                            </p:childTnLst>
+                          </p:cTn>
+                        </p:par>
+                      </p:childTnLst>
+                    </p:cTn>
+                  </p:par>
+                  <p:par>
+                    <p:cTn id="7" fill="hold">
+                      <p:stCondLst>
+                        <p:cond delay="indefinite"/>
+                      </p:stCondLst>
+                      <p:childTnLst>
+                        <p:par>
+                          <p:cTn id="8" fill="hold">
+                            <p:stCondLst>
+                              <p:cond delay="0"/>
+                            </p:stCondLst>
+                            <p:childTnLst>
+                              <p:par>
+                                <p:cTn id="9" presetID="22" presetClass="entr" presetSubtype="1" fill="hold" nodeType="clickEffect">
+                                  <p:stCondLst>
+                                    <p:cond delay="0"/>
+                                  </p:stCondLst>
+                                  <p:childTnLst>
+                                    <p:set>
+                                      <p:cBhvr>
+                                        <p:cTn id="10" dur="1" fill="hold">
                                           <p:stCondLst>
                                             <p:cond delay="0"/>
                                           </p:stCondLst>
@@ -28864,7 +29050,7 @@
                                     </p:set>
                                     <p:animEffect transition="in" filter="wipe(up)">
                                       <p:cBhvr>
-                                        <p:cTn id="7" dur="1000"/>
+                                        <p:cTn id="11" dur="1000"/>
                                         <p:tgtEl>
                                           <p:spTgt spid="198659"/>
                                         </p:tgtEl>
@@ -28880,26 +29066,26 @@
                     </p:cTn>
                   </p:par>
                   <p:par>
-                    <p:cTn id="8" fill="hold">
+                    <p:cTn id="12" fill="hold">
                       <p:stCondLst>
                         <p:cond delay="indefinite"/>
                       </p:stCondLst>
                       <p:childTnLst>
                         <p:par>
-                          <p:cTn id="9" fill="hold">
+                          <p:cTn id="13" fill="hold">
                             <p:stCondLst>
                               <p:cond delay="0"/>
                             </p:stCondLst>
                             <p:childTnLst>
                               <p:par>
-                                <p:cTn id="10" presetID="15" presetClass="entr" presetSubtype="0" fill="hold" nodeType="clickEffect">
+                                <p:cTn id="14" presetID="15" presetClass="entr" presetSubtype="0" fill="hold" nodeType="clickEffect">
                                   <p:stCondLst>
                                     <p:cond delay="0"/>
                                   </p:stCondLst>
                                   <p:childTnLst>
                                     <p:set>
                                       <p:cBhvr>
-                                        <p:cTn id="11" dur="1" fill="hold">
+                                        <p:cTn id="15" dur="1" fill="hold">
                                           <p:stCondLst>
                                             <p:cond delay="0"/>
                                           </p:stCondLst>
@@ -28917,7 +29103,7 @@
                                     </p:set>
                                     <p:anim calcmode="lin" valueType="num">
                                       <p:cBhvr>
-                                        <p:cTn id="12" dur="1000" fill="hold"/>
+                                        <p:cTn id="16" dur="1000" fill="hold"/>
                                         <p:tgtEl>
                                           <p:spTgt spid="12"/>
                                         </p:tgtEl>
@@ -28940,7 +29126,7 @@
                                     </p:anim>
                                     <p:anim calcmode="lin" valueType="num">
                                       <p:cBhvr>
-                                        <p:cTn id="13" dur="1000" fill="hold"/>
+                                        <p:cTn id="17" dur="1000" fill="hold"/>
                                         <p:tgtEl>
                                           <p:spTgt spid="12"/>
                                         </p:tgtEl>
@@ -28963,7 +29149,7 @@
                                     </p:anim>
                                     <p:anim calcmode="lin" valueType="num">
                                       <p:cBhvr>
-                                        <p:cTn id="14" dur="1000" fill="hold"/>
+                                        <p:cTn id="18" dur="1000" fill="hold"/>
                                         <p:tgtEl>
                                           <p:spTgt spid="12"/>
                                         </p:tgtEl>
@@ -28986,7 +29172,7 @@
                                     </p:anim>
                                     <p:anim calcmode="lin" valueType="num">
                                       <p:cBhvr>
-                                        <p:cTn id="15" dur="1000" fill="hold"/>
+                                        <p:cTn id="19" dur="1000" fill="hold"/>
                                         <p:tgtEl>
                                           <p:spTgt spid="12"/>
                                         </p:tgtEl>
@@ -29037,6 +29223,9 @@
         </p:cTn>
       </p:par>
     </p:tnLst>
+    <p:bldLst>
+      <p:bldP spid="6" grpId="0"/>
+    </p:bldLst>
   </p:timing>
 </p:sld>
 </file>

--- a/spring11/slides11/slides12f.pptx
+++ b/spring11/slides11/slides12f.pptx
@@ -5,10 +5,10 @@
     <p:sldMasterId id="2147483648" r:id="rId1"/>
   </p:sldMasterIdLst>
   <p:notesMasterIdLst>
-    <p:notesMasterId r:id="rId58"/>
+    <p:notesMasterId r:id="rId59"/>
   </p:notesMasterIdLst>
   <p:handoutMasterIdLst>
-    <p:handoutMasterId r:id="rId59"/>
+    <p:handoutMasterId r:id="rId60"/>
   </p:handoutMasterIdLst>
   <p:sldIdLst>
     <p:sldId id="302" r:id="rId2"/>
@@ -36,62 +36,63 @@
     <p:sldId id="324" r:id="rId24"/>
     <p:sldId id="325" r:id="rId25"/>
     <p:sldId id="356" r:id="rId26"/>
-    <p:sldId id="358" r:id="rId27"/>
+    <p:sldId id="365" r:id="rId27"/>
     <p:sldId id="326" r:id="rId28"/>
     <p:sldId id="327" r:id="rId29"/>
     <p:sldId id="357" r:id="rId30"/>
     <p:sldId id="329" r:id="rId31"/>
     <p:sldId id="331" r:id="rId32"/>
     <p:sldId id="332" r:id="rId33"/>
-    <p:sldId id="333" r:id="rId34"/>
-    <p:sldId id="334" r:id="rId35"/>
-    <p:sldId id="335" r:id="rId36"/>
-    <p:sldId id="336" r:id="rId37"/>
-    <p:sldId id="337" r:id="rId38"/>
-    <p:sldId id="338" r:id="rId39"/>
-    <p:sldId id="339" r:id="rId40"/>
-    <p:sldId id="363" r:id="rId41"/>
-    <p:sldId id="340" r:id="rId42"/>
-    <p:sldId id="341" r:id="rId43"/>
-    <p:sldId id="342" r:id="rId44"/>
-    <p:sldId id="343" r:id="rId45"/>
-    <p:sldId id="345" r:id="rId46"/>
-    <p:sldId id="346" r:id="rId47"/>
-    <p:sldId id="347" r:id="rId48"/>
-    <p:sldId id="348" r:id="rId49"/>
-    <p:sldId id="361" r:id="rId50"/>
-    <p:sldId id="349" r:id="rId51"/>
-    <p:sldId id="350" r:id="rId52"/>
-    <p:sldId id="352" r:id="rId53"/>
-    <p:sldId id="351" r:id="rId54"/>
-    <p:sldId id="353" r:id="rId55"/>
-    <p:sldId id="354" r:id="rId56"/>
-    <p:sldId id="285" r:id="rId57"/>
+    <p:sldId id="366" r:id="rId34"/>
+    <p:sldId id="333" r:id="rId35"/>
+    <p:sldId id="334" r:id="rId36"/>
+    <p:sldId id="335" r:id="rId37"/>
+    <p:sldId id="336" r:id="rId38"/>
+    <p:sldId id="337" r:id="rId39"/>
+    <p:sldId id="338" r:id="rId40"/>
+    <p:sldId id="339" r:id="rId41"/>
+    <p:sldId id="363" r:id="rId42"/>
+    <p:sldId id="340" r:id="rId43"/>
+    <p:sldId id="341" r:id="rId44"/>
+    <p:sldId id="342" r:id="rId45"/>
+    <p:sldId id="343" r:id="rId46"/>
+    <p:sldId id="345" r:id="rId47"/>
+    <p:sldId id="346" r:id="rId48"/>
+    <p:sldId id="347" r:id="rId49"/>
+    <p:sldId id="348" r:id="rId50"/>
+    <p:sldId id="361" r:id="rId51"/>
+    <p:sldId id="349" r:id="rId52"/>
+    <p:sldId id="350" r:id="rId53"/>
+    <p:sldId id="352" r:id="rId54"/>
+    <p:sldId id="351" r:id="rId55"/>
+    <p:sldId id="353" r:id="rId56"/>
+    <p:sldId id="354" r:id="rId57"/>
+    <p:sldId id="285" r:id="rId58"/>
   </p:sldIdLst>
   <p:sldSz cx="9144000" cy="6858000" type="screen4x3"/>
   <p:notesSz cx="7315200" cy="9601200"/>
   <p:embeddedFontLst>
     <p:embeddedFont>
       <p:font typeface="Comic Sans MS"/>
-      <p:regular r:id="rId60"/>
-      <p:bold r:id="rId61"/>
+      <p:regular r:id="rId61"/>
+      <p:bold r:id="rId62"/>
     </p:embeddedFont>
     <p:embeddedFont>
       <p:font typeface="Euclid Symbol" charset="2"/>
-      <p:regular r:id="rId62"/>
-      <p:bold r:id="rId63"/>
-      <p:italic r:id="rId64"/>
-      <p:boldItalic r:id="rId65"/>
+      <p:regular r:id="rId63"/>
+      <p:bold r:id="rId64"/>
+      <p:italic r:id="rId65"/>
+      <p:boldItalic r:id="rId66"/>
     </p:embeddedFont>
     <p:embeddedFont>
       <p:font typeface="Euclid Math One" charset="2"/>
-      <p:regular r:id="rId66"/>
-      <p:bold r:id="rId67"/>
+      <p:regular r:id="rId67"/>
+      <p:bold r:id="rId68"/>
     </p:embeddedFont>
     <p:embeddedFont>
       <p:font typeface="Euclid Extra" charset="2"/>
-      <p:regular r:id="rId68"/>
-      <p:bold r:id="rId69"/>
+      <p:regular r:id="rId69"/>
+      <p:bold r:id="rId70"/>
     </p:embeddedFont>
   </p:embeddedFontLst>
   <p:defaultTextStyle>
@@ -3228,64 +3229,63 @@
       </p:grpSpPr>
       <p:sp>
         <p:nvSpPr>
-          <p:cNvPr id="57346" name="Rectangle 7"/>
+          <p:cNvPr id="2" name="Slide Image Placeholder 1"/>
           <p:cNvSpPr>
-            <a:spLocks noGrp="1" noChangeArrowheads="1"/>
-          </p:cNvSpPr>
-          <p:nvPr>
-            <p:ph type="sldNum" sz="quarter" idx="5"/>
-          </p:nvPr>
-        </p:nvSpPr>
-        <p:spPr>
-          <a:noFill/>
-        </p:spPr>
-        <p:txBody>
-          <a:bodyPr/>
-          <a:lstStyle/>
-          <a:p>
-            <a:fld id="{7565D4D2-208B-4D6C-A324-34D49BC6D600}" type="slidenum">
-              <a:rPr lang="en-US" smtClean="0"/>
-              <a:pPr/>
-              <a:t>33</a:t>
-            </a:fld>
-            <a:endParaRPr lang="en-US" smtClean="0"/>
-          </a:p>
-        </p:txBody>
-      </p:sp>
-      <p:sp>
-        <p:nvSpPr>
-          <p:cNvPr id="57347" name="Rectangle 2"/>
-          <p:cNvSpPr>
-            <a:spLocks noGrp="1" noRot="1" noChangeAspect="1" noChangeArrowheads="1" noTextEdit="1"/>
+            <a:spLocks noGrp="1" noRot="1" noChangeAspect="1"/>
           </p:cNvSpPr>
           <p:nvPr>
             <p:ph type="sldImg"/>
           </p:nvPr>
         </p:nvSpPr>
-        <p:spPr>
-          <a:ln/>
-        </p:spPr>
-      </p:sp>
-      <p:sp>
-        <p:nvSpPr>
-          <p:cNvPr id="57348" name="Rectangle 3"/>
+        <p:spPr/>
+      </p:sp>
+      <p:sp>
+        <p:nvSpPr>
+          <p:cNvPr id="3" name="Notes Placeholder 2"/>
           <p:cNvSpPr>
-            <a:spLocks noGrp="1" noChangeArrowheads="1"/>
+            <a:spLocks noGrp="1"/>
           </p:cNvSpPr>
           <p:nvPr>
             <p:ph type="body" idx="1"/>
           </p:nvPr>
         </p:nvSpPr>
-        <p:spPr>
-          <a:noFill/>
-          <a:ln/>
-        </p:spPr>
+        <p:spPr/>
+        <p:txBody>
+          <a:bodyPr>
+            <a:normAutofit/>
+          </a:bodyPr>
+          <a:lstStyle/>
+          <a:p>
+            <a:endParaRPr lang="en-US"/>
+          </a:p>
+        </p:txBody>
+      </p:sp>
+      <p:sp>
+        <p:nvSpPr>
+          <p:cNvPr id="4" name="Slide Number Placeholder 3"/>
+          <p:cNvSpPr>
+            <a:spLocks noGrp="1"/>
+          </p:cNvSpPr>
+          <p:nvPr>
+            <p:ph type="sldNum" sz="quarter" idx="10"/>
+          </p:nvPr>
+        </p:nvSpPr>
+        <p:spPr/>
         <p:txBody>
           <a:bodyPr/>
           <a:lstStyle/>
           <a:p>
-            <a:pPr eaLnBrk="1" hangingPunct="1"/>
-            <a:endParaRPr lang="en-US" smtClean="0"/>
+            <a:pPr>
+              <a:defRPr/>
+            </a:pPr>
+            <a:fld id="{95AA6155-33F1-4AB1-B9CE-6460C2E01BD9}" type="slidenum">
+              <a:rPr lang="en-US" smtClean="0"/>
+              <a:pPr>
+                <a:defRPr/>
+              </a:pPr>
+              <a:t>33</a:t>
+            </a:fld>
+            <a:endParaRPr lang="en-US"/>
           </a:p>
         </p:txBody>
       </p:sp>
@@ -3932,7 +3932,7 @@
       </p:grpSpPr>
       <p:sp>
         <p:nvSpPr>
-          <p:cNvPr id="59394" name="Rectangle 7"/>
+          <p:cNvPr id="57346" name="Rectangle 7"/>
           <p:cNvSpPr>
             <a:spLocks noGrp="1" noChangeArrowheads="1"/>
           </p:cNvSpPr>
@@ -3947,7 +3947,7 @@
           <a:bodyPr/>
           <a:lstStyle/>
           <a:p>
-            <a:fld id="{DD7FFA06-5A9D-44C7-A273-B94A3BB1CCC6}" type="slidenum">
+            <a:fld id="{7565D4D2-208B-4D6C-A324-34D49BC6D600}" type="slidenum">
               <a:rPr lang="en-US" smtClean="0"/>
               <a:pPr/>
               <a:t>40</a:t>
@@ -3958,7 +3958,7 @@
       </p:sp>
       <p:sp>
         <p:nvSpPr>
-          <p:cNvPr id="59395" name="Rectangle 2"/>
+          <p:cNvPr id="57347" name="Rectangle 2"/>
           <p:cNvSpPr>
             <a:spLocks noGrp="1" noRot="1" noChangeAspect="1" noChangeArrowheads="1" noTextEdit="1"/>
           </p:cNvSpPr>
@@ -3972,7 +3972,7 @@
       </p:sp>
       <p:sp>
         <p:nvSpPr>
-          <p:cNvPr id="59396" name="Rectangle 3"/>
+          <p:cNvPr id="57348" name="Rectangle 3"/>
           <p:cNvSpPr>
             <a:spLocks noGrp="1" noChangeArrowheads="1"/>
           </p:cNvSpPr>
@@ -4020,63 +4020,64 @@
       </p:grpSpPr>
       <p:sp>
         <p:nvSpPr>
-          <p:cNvPr id="2" name="Slide Image Placeholder 1"/>
+          <p:cNvPr id="59394" name="Rectangle 7"/>
           <p:cNvSpPr>
-            <a:spLocks noGrp="1" noRot="1" noChangeAspect="1"/>
+            <a:spLocks noGrp="1" noChangeArrowheads="1"/>
+          </p:cNvSpPr>
+          <p:nvPr>
+            <p:ph type="sldNum" sz="quarter" idx="5"/>
+          </p:nvPr>
+        </p:nvSpPr>
+        <p:spPr>
+          <a:noFill/>
+        </p:spPr>
+        <p:txBody>
+          <a:bodyPr/>
+          <a:lstStyle/>
+          <a:p>
+            <a:fld id="{DD7FFA06-5A9D-44C7-A273-B94A3BB1CCC6}" type="slidenum">
+              <a:rPr lang="en-US" smtClean="0"/>
+              <a:pPr/>
+              <a:t>41</a:t>
+            </a:fld>
+            <a:endParaRPr lang="en-US" smtClean="0"/>
+          </a:p>
+        </p:txBody>
+      </p:sp>
+      <p:sp>
+        <p:nvSpPr>
+          <p:cNvPr id="59395" name="Rectangle 2"/>
+          <p:cNvSpPr>
+            <a:spLocks noGrp="1" noRot="1" noChangeAspect="1" noChangeArrowheads="1" noTextEdit="1"/>
           </p:cNvSpPr>
           <p:nvPr>
             <p:ph type="sldImg"/>
           </p:nvPr>
         </p:nvSpPr>
-        <p:spPr/>
-      </p:sp>
-      <p:sp>
-        <p:nvSpPr>
-          <p:cNvPr id="3" name="Notes Placeholder 2"/>
+        <p:spPr>
+          <a:ln/>
+        </p:spPr>
+      </p:sp>
+      <p:sp>
+        <p:nvSpPr>
+          <p:cNvPr id="59396" name="Rectangle 3"/>
           <p:cNvSpPr>
-            <a:spLocks noGrp="1"/>
+            <a:spLocks noGrp="1" noChangeArrowheads="1"/>
           </p:cNvSpPr>
           <p:nvPr>
             <p:ph type="body" idx="1"/>
           </p:nvPr>
         </p:nvSpPr>
-        <p:spPr/>
-        <p:txBody>
-          <a:bodyPr>
-            <a:normAutofit/>
-          </a:bodyPr>
-          <a:lstStyle/>
-          <a:p>
-            <a:endParaRPr lang="en-US"/>
-          </a:p>
-        </p:txBody>
-      </p:sp>
-      <p:sp>
-        <p:nvSpPr>
-          <p:cNvPr id="4" name="Slide Number Placeholder 3"/>
-          <p:cNvSpPr>
-            <a:spLocks noGrp="1"/>
-          </p:cNvSpPr>
-          <p:nvPr>
-            <p:ph type="sldNum" sz="quarter" idx="10"/>
-          </p:nvPr>
-        </p:nvSpPr>
-        <p:spPr/>
+        <p:spPr>
+          <a:noFill/>
+          <a:ln/>
+        </p:spPr>
         <p:txBody>
           <a:bodyPr/>
           <a:lstStyle/>
           <a:p>
-            <a:pPr>
-              <a:defRPr/>
-            </a:pPr>
-            <a:fld id="{95AA6155-33F1-4AB1-B9CE-6460C2E01BD9}" type="slidenum">
-              <a:rPr lang="en-US" smtClean="0"/>
-              <a:pPr>
-                <a:defRPr/>
-              </a:pPr>
-              <a:t>41</a:t>
-            </a:fld>
-            <a:endParaRPr lang="en-US"/>
+            <a:pPr eaLnBrk="1" hangingPunct="1"/>
+            <a:endParaRPr lang="en-US" smtClean="0"/>
           </a:p>
         </p:txBody>
       </p:sp>
@@ -4194,73 +4195,63 @@
       </p:grpSpPr>
       <p:sp>
         <p:nvSpPr>
-          <p:cNvPr id="61442" name="Rectangle 7"/>
+          <p:cNvPr id="2" name="Slide Image Placeholder 1"/>
           <p:cNvSpPr>
-            <a:spLocks noGrp="1" noChangeArrowheads="1"/>
-          </p:cNvSpPr>
-          <p:nvPr>
-            <p:ph type="sldNum" sz="quarter" idx="5"/>
-          </p:nvPr>
-        </p:nvSpPr>
-        <p:spPr>
-          <a:noFill/>
-        </p:spPr>
-        <p:txBody>
-          <a:bodyPr/>
-          <a:lstStyle/>
-          <a:p>
-            <a:fld id="{11D41461-3829-48DF-80FB-7D366BC2BABC}" type="slidenum">
-              <a:rPr lang="en-US" smtClean="0"/>
-              <a:pPr/>
-              <a:t>43</a:t>
-            </a:fld>
-            <a:endParaRPr lang="en-US" smtClean="0"/>
-          </a:p>
-        </p:txBody>
-      </p:sp>
-      <p:sp>
-        <p:nvSpPr>
-          <p:cNvPr id="61443" name="Rectangle 2"/>
-          <p:cNvSpPr>
-            <a:spLocks noGrp="1" noRot="1" noChangeAspect="1" noChangeArrowheads="1" noTextEdit="1"/>
+            <a:spLocks noGrp="1" noRot="1" noChangeAspect="1"/>
           </p:cNvSpPr>
           <p:nvPr>
             <p:ph type="sldImg"/>
           </p:nvPr>
         </p:nvSpPr>
-        <p:spPr>
-          <a:solidFill>
-            <a:srgbClr val="FFFFFF"/>
-          </a:solidFill>
-          <a:ln/>
-        </p:spPr>
-      </p:sp>
-      <p:sp>
-        <p:nvSpPr>
-          <p:cNvPr id="61444" name="Rectangle 3"/>
+        <p:spPr/>
+      </p:sp>
+      <p:sp>
+        <p:nvSpPr>
+          <p:cNvPr id="3" name="Notes Placeholder 2"/>
           <p:cNvSpPr>
-            <a:spLocks noGrp="1" noChangeArrowheads="1"/>
+            <a:spLocks noGrp="1"/>
           </p:cNvSpPr>
           <p:nvPr>
             <p:ph type="body" idx="1"/>
           </p:nvPr>
         </p:nvSpPr>
-        <p:spPr>
-          <a:solidFill>
-            <a:srgbClr val="FFFFFF"/>
-          </a:solidFill>
-          <a:ln>
-            <a:solidFill>
-              <a:srgbClr val="000000"/>
-            </a:solidFill>
-          </a:ln>
-        </p:spPr>
+        <p:spPr/>
+        <p:txBody>
+          <a:bodyPr>
+            <a:normAutofit/>
+          </a:bodyPr>
+          <a:lstStyle/>
+          <a:p>
+            <a:endParaRPr lang="en-US"/>
+          </a:p>
+        </p:txBody>
+      </p:sp>
+      <p:sp>
+        <p:nvSpPr>
+          <p:cNvPr id="4" name="Slide Number Placeholder 3"/>
+          <p:cNvSpPr>
+            <a:spLocks noGrp="1"/>
+          </p:cNvSpPr>
+          <p:nvPr>
+            <p:ph type="sldNum" sz="quarter" idx="10"/>
+          </p:nvPr>
+        </p:nvSpPr>
+        <p:spPr/>
         <p:txBody>
           <a:bodyPr/>
           <a:lstStyle/>
           <a:p>
-            <a:pPr eaLnBrk="1" hangingPunct="1"/>
-            <a:endParaRPr lang="en-US" smtClean="0"/>
+            <a:pPr>
+              <a:defRPr/>
+            </a:pPr>
+            <a:fld id="{95AA6155-33F1-4AB1-B9CE-6460C2E01BD9}" type="slidenum">
+              <a:rPr lang="en-US" smtClean="0"/>
+              <a:pPr>
+                <a:defRPr/>
+              </a:pPr>
+              <a:t>43</a:t>
+            </a:fld>
+            <a:endParaRPr lang="en-US"/>
           </a:p>
         </p:txBody>
       </p:sp>
@@ -4388,63 +4379,73 @@
       </p:grpSpPr>
       <p:sp>
         <p:nvSpPr>
-          <p:cNvPr id="2" name="Slide Image Placeholder 1"/>
+          <p:cNvPr id="61442" name="Rectangle 7"/>
           <p:cNvSpPr>
-            <a:spLocks noGrp="1" noRot="1" noChangeAspect="1"/>
+            <a:spLocks noGrp="1" noChangeArrowheads="1"/>
+          </p:cNvSpPr>
+          <p:nvPr>
+            <p:ph type="sldNum" sz="quarter" idx="5"/>
+          </p:nvPr>
+        </p:nvSpPr>
+        <p:spPr>
+          <a:noFill/>
+        </p:spPr>
+        <p:txBody>
+          <a:bodyPr/>
+          <a:lstStyle/>
+          <a:p>
+            <a:fld id="{11D41461-3829-48DF-80FB-7D366BC2BABC}" type="slidenum">
+              <a:rPr lang="en-US" smtClean="0"/>
+              <a:pPr/>
+              <a:t>45</a:t>
+            </a:fld>
+            <a:endParaRPr lang="en-US" smtClean="0"/>
+          </a:p>
+        </p:txBody>
+      </p:sp>
+      <p:sp>
+        <p:nvSpPr>
+          <p:cNvPr id="61443" name="Rectangle 2"/>
+          <p:cNvSpPr>
+            <a:spLocks noGrp="1" noRot="1" noChangeAspect="1" noChangeArrowheads="1" noTextEdit="1"/>
           </p:cNvSpPr>
           <p:nvPr>
             <p:ph type="sldImg"/>
           </p:nvPr>
         </p:nvSpPr>
-        <p:spPr/>
-      </p:sp>
-      <p:sp>
-        <p:nvSpPr>
-          <p:cNvPr id="3" name="Notes Placeholder 2"/>
+        <p:spPr>
+          <a:solidFill>
+            <a:srgbClr val="FFFFFF"/>
+          </a:solidFill>
+          <a:ln/>
+        </p:spPr>
+      </p:sp>
+      <p:sp>
+        <p:nvSpPr>
+          <p:cNvPr id="61444" name="Rectangle 3"/>
           <p:cNvSpPr>
-            <a:spLocks noGrp="1"/>
+            <a:spLocks noGrp="1" noChangeArrowheads="1"/>
           </p:cNvSpPr>
           <p:nvPr>
             <p:ph type="body" idx="1"/>
           </p:nvPr>
         </p:nvSpPr>
-        <p:spPr/>
-        <p:txBody>
-          <a:bodyPr>
-            <a:normAutofit/>
-          </a:bodyPr>
-          <a:lstStyle/>
-          <a:p>
-            <a:endParaRPr lang="en-US"/>
-          </a:p>
-        </p:txBody>
-      </p:sp>
-      <p:sp>
-        <p:nvSpPr>
-          <p:cNvPr id="4" name="Slide Number Placeholder 3"/>
-          <p:cNvSpPr>
-            <a:spLocks noGrp="1"/>
-          </p:cNvSpPr>
-          <p:nvPr>
-            <p:ph type="sldNum" sz="quarter" idx="10"/>
-          </p:nvPr>
-        </p:nvSpPr>
-        <p:spPr/>
+        <p:spPr>
+          <a:solidFill>
+            <a:srgbClr val="FFFFFF"/>
+          </a:solidFill>
+          <a:ln>
+            <a:solidFill>
+              <a:srgbClr val="000000"/>
+            </a:solidFill>
+          </a:ln>
+        </p:spPr>
         <p:txBody>
           <a:bodyPr/>
           <a:lstStyle/>
           <a:p>
-            <a:pPr>
-              <a:defRPr/>
-            </a:pPr>
-            <a:fld id="{95AA6155-33F1-4AB1-B9CE-6460C2E01BD9}" type="slidenum">
-              <a:rPr lang="en-US" smtClean="0"/>
-              <a:pPr>
-                <a:defRPr/>
-              </a:pPr>
-              <a:t>45</a:t>
-            </a:fld>
-            <a:endParaRPr lang="en-US"/>
+            <a:pPr eaLnBrk="1" hangingPunct="1"/>
+            <a:endParaRPr lang="en-US" smtClean="0"/>
           </a:p>
         </p:txBody>
       </p:sp>
@@ -4562,73 +4563,63 @@
       </p:grpSpPr>
       <p:sp>
         <p:nvSpPr>
-          <p:cNvPr id="62466" name="Rectangle 7"/>
+          <p:cNvPr id="2" name="Slide Image Placeholder 1"/>
           <p:cNvSpPr>
-            <a:spLocks noGrp="1" noChangeArrowheads="1"/>
-          </p:cNvSpPr>
-          <p:nvPr>
-            <p:ph type="sldNum" sz="quarter" idx="5"/>
-          </p:nvPr>
-        </p:nvSpPr>
-        <p:spPr>
-          <a:noFill/>
-        </p:spPr>
-        <p:txBody>
-          <a:bodyPr/>
-          <a:lstStyle/>
-          <a:p>
-            <a:fld id="{C6A956E4-DD51-498B-AD0B-E9FB2F35A500}" type="slidenum">
-              <a:rPr lang="en-US" smtClean="0"/>
-              <a:pPr/>
-              <a:t>47</a:t>
-            </a:fld>
-            <a:endParaRPr lang="en-US" smtClean="0"/>
-          </a:p>
-        </p:txBody>
-      </p:sp>
-      <p:sp>
-        <p:nvSpPr>
-          <p:cNvPr id="62467" name="Rectangle 2"/>
-          <p:cNvSpPr>
-            <a:spLocks noGrp="1" noRot="1" noChangeAspect="1" noChangeArrowheads="1" noTextEdit="1"/>
+            <a:spLocks noGrp="1" noRot="1" noChangeAspect="1"/>
           </p:cNvSpPr>
           <p:nvPr>
             <p:ph type="sldImg"/>
           </p:nvPr>
         </p:nvSpPr>
-        <p:spPr>
-          <a:solidFill>
-            <a:srgbClr val="FFFFFF"/>
-          </a:solidFill>
-          <a:ln/>
-        </p:spPr>
-      </p:sp>
-      <p:sp>
-        <p:nvSpPr>
-          <p:cNvPr id="62468" name="Rectangle 3"/>
+        <p:spPr/>
+      </p:sp>
+      <p:sp>
+        <p:nvSpPr>
+          <p:cNvPr id="3" name="Notes Placeholder 2"/>
           <p:cNvSpPr>
-            <a:spLocks noGrp="1" noChangeArrowheads="1"/>
+            <a:spLocks noGrp="1"/>
           </p:cNvSpPr>
           <p:nvPr>
             <p:ph type="body" idx="1"/>
           </p:nvPr>
         </p:nvSpPr>
-        <p:spPr>
-          <a:solidFill>
-            <a:srgbClr val="FFFFFF"/>
-          </a:solidFill>
-          <a:ln>
-            <a:solidFill>
-              <a:srgbClr val="000000"/>
-            </a:solidFill>
-          </a:ln>
-        </p:spPr>
+        <p:spPr/>
+        <p:txBody>
+          <a:bodyPr>
+            <a:normAutofit/>
+          </a:bodyPr>
+          <a:lstStyle/>
+          <a:p>
+            <a:endParaRPr lang="en-US"/>
+          </a:p>
+        </p:txBody>
+      </p:sp>
+      <p:sp>
+        <p:nvSpPr>
+          <p:cNvPr id="4" name="Slide Number Placeholder 3"/>
+          <p:cNvSpPr>
+            <a:spLocks noGrp="1"/>
+          </p:cNvSpPr>
+          <p:nvPr>
+            <p:ph type="sldNum" sz="quarter" idx="10"/>
+          </p:nvPr>
+        </p:nvSpPr>
+        <p:spPr/>
         <p:txBody>
           <a:bodyPr/>
           <a:lstStyle/>
           <a:p>
-            <a:pPr eaLnBrk="1" hangingPunct="1"/>
-            <a:endParaRPr lang="en-US" smtClean="0"/>
+            <a:pPr>
+              <a:defRPr/>
+            </a:pPr>
+            <a:fld id="{95AA6155-33F1-4AB1-B9CE-6460C2E01BD9}" type="slidenum">
+              <a:rPr lang="en-US" smtClean="0"/>
+              <a:pPr>
+                <a:defRPr/>
+              </a:pPr>
+              <a:t>47</a:t>
+            </a:fld>
+            <a:endParaRPr lang="en-US"/>
           </a:p>
         </p:txBody>
       </p:sp>
@@ -4659,7 +4650,7 @@
       </p:grpSpPr>
       <p:sp>
         <p:nvSpPr>
-          <p:cNvPr id="63490" name="Rectangle 7"/>
+          <p:cNvPr id="62466" name="Rectangle 7"/>
           <p:cNvSpPr>
             <a:spLocks noGrp="1" noChangeArrowheads="1"/>
           </p:cNvSpPr>
@@ -4674,7 +4665,7 @@
           <a:bodyPr/>
           <a:lstStyle/>
           <a:p>
-            <a:fld id="{392BE447-449A-4E02-ABD9-A6B64A6E95C8}" type="slidenum">
+            <a:fld id="{C6A956E4-DD51-498B-AD0B-E9FB2F35A500}" type="slidenum">
               <a:rPr lang="en-US" smtClean="0"/>
               <a:pPr/>
               <a:t>48</a:t>
@@ -4685,7 +4676,7 @@
       </p:sp>
       <p:sp>
         <p:nvSpPr>
-          <p:cNvPr id="63491" name="Rectangle 2"/>
+          <p:cNvPr id="62467" name="Rectangle 2"/>
           <p:cNvSpPr>
             <a:spLocks noGrp="1" noRot="1" noChangeAspect="1" noChangeArrowheads="1" noTextEdit="1"/>
           </p:cNvSpPr>
@@ -4702,7 +4693,7 @@
       </p:sp>
       <p:sp>
         <p:nvSpPr>
-          <p:cNvPr id="63492" name="Rectangle 3"/>
+          <p:cNvPr id="62468" name="Rectangle 3"/>
           <p:cNvSpPr>
             <a:spLocks noGrp="1" noChangeArrowheads="1"/>
           </p:cNvSpPr>
@@ -4941,7 +4932,7 @@
       </p:grpSpPr>
       <p:sp>
         <p:nvSpPr>
-          <p:cNvPr id="62466" name="Rectangle 7"/>
+          <p:cNvPr id="63490" name="Rectangle 7"/>
           <p:cNvSpPr>
             <a:spLocks noGrp="1" noChangeArrowheads="1"/>
           </p:cNvSpPr>
@@ -4956,7 +4947,7 @@
           <a:bodyPr/>
           <a:lstStyle/>
           <a:p>
-            <a:fld id="{C6A956E4-DD51-498B-AD0B-E9FB2F35A500}" type="slidenum">
+            <a:fld id="{392BE447-449A-4E02-ABD9-A6B64A6E95C8}" type="slidenum">
               <a:rPr lang="en-US" smtClean="0"/>
               <a:pPr/>
               <a:t>50</a:t>
@@ -4967,7 +4958,7 @@
       </p:sp>
       <p:sp>
         <p:nvSpPr>
-          <p:cNvPr id="62467" name="Rectangle 2"/>
+          <p:cNvPr id="63491" name="Rectangle 2"/>
           <p:cNvSpPr>
             <a:spLocks noGrp="1" noRot="1" noChangeAspect="1" noChangeArrowheads="1" noTextEdit="1"/>
           </p:cNvSpPr>
@@ -4984,7 +4975,7 @@
       </p:sp>
       <p:sp>
         <p:nvSpPr>
-          <p:cNvPr id="62468" name="Rectangle 3"/>
+          <p:cNvPr id="63492" name="Rectangle 3"/>
           <p:cNvSpPr>
             <a:spLocks noGrp="1" noChangeArrowheads="1"/>
           </p:cNvSpPr>
@@ -5038,7 +5029,7 @@
       </p:grpSpPr>
       <p:sp>
         <p:nvSpPr>
-          <p:cNvPr id="63490" name="Rectangle 7"/>
+          <p:cNvPr id="62466" name="Rectangle 7"/>
           <p:cNvSpPr>
             <a:spLocks noGrp="1" noChangeArrowheads="1"/>
           </p:cNvSpPr>
@@ -5053,7 +5044,7 @@
           <a:bodyPr/>
           <a:lstStyle/>
           <a:p>
-            <a:fld id="{392BE447-449A-4E02-ABD9-A6B64A6E95C8}" type="slidenum">
+            <a:fld id="{C6A956E4-DD51-498B-AD0B-E9FB2F35A500}" type="slidenum">
               <a:rPr lang="en-US" smtClean="0"/>
               <a:pPr/>
               <a:t>51</a:t>
@@ -5064,7 +5055,7 @@
       </p:sp>
       <p:sp>
         <p:nvSpPr>
-          <p:cNvPr id="63491" name="Rectangle 2"/>
+          <p:cNvPr id="62467" name="Rectangle 2"/>
           <p:cNvSpPr>
             <a:spLocks noGrp="1" noRot="1" noChangeAspect="1" noChangeArrowheads="1" noTextEdit="1"/>
           </p:cNvSpPr>
@@ -5081,7 +5072,7 @@
       </p:sp>
       <p:sp>
         <p:nvSpPr>
-          <p:cNvPr id="63492" name="Rectangle 3"/>
+          <p:cNvPr id="62468" name="Rectangle 3"/>
           <p:cNvSpPr>
             <a:spLocks noGrp="1" noChangeArrowheads="1"/>
           </p:cNvSpPr>
@@ -5329,7 +5320,7 @@
       </p:grpSpPr>
       <p:sp>
         <p:nvSpPr>
-          <p:cNvPr id="64514" name="Rectangle 7"/>
+          <p:cNvPr id="63490" name="Rectangle 7"/>
           <p:cNvSpPr>
             <a:spLocks noGrp="1" noChangeArrowheads="1"/>
           </p:cNvSpPr>
@@ -5344,7 +5335,7 @@
           <a:bodyPr/>
           <a:lstStyle/>
           <a:p>
-            <a:fld id="{9544F4BC-3F64-445A-BB97-C23C9D0169F7}" type="slidenum">
+            <a:fld id="{392BE447-449A-4E02-ABD9-A6B64A6E95C8}" type="slidenum">
               <a:rPr lang="en-US" smtClean="0"/>
               <a:pPr/>
               <a:t>54</a:t>
@@ -5355,7 +5346,7 @@
       </p:sp>
       <p:sp>
         <p:nvSpPr>
-          <p:cNvPr id="64515" name="Rectangle 2"/>
+          <p:cNvPr id="63491" name="Rectangle 2"/>
           <p:cNvSpPr>
             <a:spLocks noGrp="1" noRot="1" noChangeAspect="1" noChangeArrowheads="1" noTextEdit="1"/>
           </p:cNvSpPr>
@@ -5372,7 +5363,7 @@
       </p:sp>
       <p:sp>
         <p:nvSpPr>
-          <p:cNvPr id="64516" name="Rectangle 3"/>
+          <p:cNvPr id="63492" name="Rectangle 3"/>
           <p:cNvSpPr>
             <a:spLocks noGrp="1" noChangeArrowheads="1"/>
           </p:cNvSpPr>
@@ -5523,6 +5514,103 @@
       </p:grpSpPr>
       <p:sp>
         <p:nvSpPr>
+          <p:cNvPr id="64514" name="Rectangle 7"/>
+          <p:cNvSpPr>
+            <a:spLocks noGrp="1" noChangeArrowheads="1"/>
+          </p:cNvSpPr>
+          <p:nvPr>
+            <p:ph type="sldNum" sz="quarter" idx="5"/>
+          </p:nvPr>
+        </p:nvSpPr>
+        <p:spPr>
+          <a:noFill/>
+        </p:spPr>
+        <p:txBody>
+          <a:bodyPr/>
+          <a:lstStyle/>
+          <a:p>
+            <a:fld id="{9544F4BC-3F64-445A-BB97-C23C9D0169F7}" type="slidenum">
+              <a:rPr lang="en-US" smtClean="0"/>
+              <a:pPr/>
+              <a:t>56</a:t>
+            </a:fld>
+            <a:endParaRPr lang="en-US" smtClean="0"/>
+          </a:p>
+        </p:txBody>
+      </p:sp>
+      <p:sp>
+        <p:nvSpPr>
+          <p:cNvPr id="64515" name="Rectangle 2"/>
+          <p:cNvSpPr>
+            <a:spLocks noGrp="1" noRot="1" noChangeAspect="1" noChangeArrowheads="1" noTextEdit="1"/>
+          </p:cNvSpPr>
+          <p:nvPr>
+            <p:ph type="sldImg"/>
+          </p:nvPr>
+        </p:nvSpPr>
+        <p:spPr>
+          <a:solidFill>
+            <a:srgbClr val="FFFFFF"/>
+          </a:solidFill>
+          <a:ln/>
+        </p:spPr>
+      </p:sp>
+      <p:sp>
+        <p:nvSpPr>
+          <p:cNvPr id="64516" name="Rectangle 3"/>
+          <p:cNvSpPr>
+            <a:spLocks noGrp="1" noChangeArrowheads="1"/>
+          </p:cNvSpPr>
+          <p:nvPr>
+            <p:ph type="body" idx="1"/>
+          </p:nvPr>
+        </p:nvSpPr>
+        <p:spPr>
+          <a:solidFill>
+            <a:srgbClr val="FFFFFF"/>
+          </a:solidFill>
+          <a:ln>
+            <a:solidFill>
+              <a:srgbClr val="000000"/>
+            </a:solidFill>
+          </a:ln>
+        </p:spPr>
+        <p:txBody>
+          <a:bodyPr/>
+          <a:lstStyle/>
+          <a:p>
+            <a:pPr eaLnBrk="1" hangingPunct="1"/>
+            <a:endParaRPr lang="en-US" smtClean="0"/>
+          </a:p>
+        </p:txBody>
+      </p:sp>
+    </p:spTree>
+  </p:cSld>
+  <p:clrMapOvr>
+    <a:masterClrMapping/>
+  </p:clrMapOvr>
+</p:notes>
+</file>
+
+<file path=ppt/notesSlides/notesSlide57.xml><?xml version="1.0" encoding="utf-8"?>
+<p:notes xmlns:a="http://schemas.openxmlformats.org/drawingml/2006/main" xmlns:r="http://schemas.openxmlformats.org/officeDocument/2006/relationships" xmlns:mc="http://schemas.openxmlformats.org/markup-compatibility/2006" xmlns:mv="urn:schemas-microsoft-com:mac:vml" xmlns:p="http://schemas.openxmlformats.org/presentationml/2006/main" mc:Ignorable="mv" mc:PreserveAttributes="mv:*">
+  <p:cSld>
+    <p:spTree>
+      <p:nvGrpSpPr>
+        <p:cNvPr id="1" name=""/>
+        <p:cNvGrpSpPr/>
+        <p:nvPr/>
+      </p:nvGrpSpPr>
+      <p:grpSpPr>
+        <a:xfrm>
+          <a:off x="0" y="0"/>
+          <a:ext cx="0" cy="0"/>
+          <a:chOff x="0" y="0"/>
+          <a:chExt cx="0" cy="0"/>
+        </a:xfrm>
+      </p:grpSpPr>
+      <p:sp>
+        <p:nvSpPr>
           <p:cNvPr id="75778" name="Rectangle 7"/>
           <p:cNvSpPr>
             <a:spLocks noGrp="1" noChangeArrowheads="1"/>
@@ -5541,7 +5629,7 @@
             <a:fld id="{529753CE-C8AA-4191-95F4-567722EC1BFB}" type="slidenum">
               <a:rPr lang="en-US" smtClean="0"/>
               <a:pPr/>
-              <a:t>56</a:t>
+              <a:t>57</a:t>
             </a:fld>
             <a:endParaRPr lang="en-US" smtClean="0"/>
           </a:p>
@@ -6103,6 +6191,9 @@
   <p:clrMapOvr>
     <a:masterClrMapping/>
   </p:clrMapOvr>
+  <p:transition>
+    <p:fade/>
+  </p:transition>
 </p:sldLayout>
 </file>
 
@@ -6275,6 +6366,9 @@
   <p:clrMapOvr>
     <a:masterClrMapping/>
   </p:clrMapOvr>
+  <p:transition>
+    <p:fade/>
+  </p:transition>
 </p:sldLayout>
 </file>
 
@@ -6438,6 +6532,9 @@
   <p:clrMapOvr>
     <a:masterClrMapping/>
   </p:clrMapOvr>
+  <p:transition>
+    <p:fade/>
+  </p:transition>
 </p:sldLayout>
 </file>
 
@@ -6531,6 +6628,9 @@
   <p:clrMapOvr>
     <a:masterClrMapping/>
   </p:clrMapOvr>
+  <p:transition>
+    <p:fade/>
+  </p:transition>
 </p:sldLayout>
 </file>
 
@@ -6597,6 +6697,9 @@
   <p:clrMapOvr>
     <a:masterClrMapping/>
   </p:clrMapOvr>
+  <p:transition>
+    <p:fade/>
+  </p:transition>
 </p:sldLayout>
 </file>
 
@@ -6934,6 +7037,9 @@
     <p:sldLayoutId id="2147483809" r:id="rId4"/>
     <p:sldLayoutId id="2147483810" r:id="rId5"/>
   </p:sldLayoutIdLst>
+  <p:transition>
+    <p:fade/>
+  </p:transition>
   <p:timing>
     <p:tnLst>
       <p:par>
@@ -7503,7 +7609,9 @@
   <p:clrMapOvr>
     <a:masterClrMapping/>
   </p:clrMapOvr>
-  <p:transition spd="slow"/>
+  <p:transition>
+    <p:fade/>
+  </p:transition>
   <p:timing>
     <p:tnLst>
       <p:par>
@@ -7869,6 +7977,9 @@
   <p:clrMapOvr>
     <a:masterClrMapping/>
   </p:clrMapOvr>
+  <p:transition>
+    <p:fade/>
+  </p:transition>
   <p:timing>
     <p:tnLst>
       <p:par>
@@ -8351,7 +8462,9 @@
   <p:clrMapOvr>
     <a:masterClrMapping/>
   </p:clrMapOvr>
-  <p:transition/>
+  <p:transition>
+    <p:fade/>
+  </p:transition>
   <p:timing>
     <p:tnLst>
       <p:par>
@@ -8797,6 +8910,7 @@
   <p:clrMapOvr>
     <a:masterClrMapping/>
   </p:clrMapOvr>
+  <p:transition/>
   <p:timing>
     <p:tnLst>
       <p:par>
@@ -9378,6 +9492,9 @@
   <p:clrMapOvr>
     <a:masterClrMapping/>
   </p:clrMapOvr>
+  <p:transition>
+    <p:fade/>
+  </p:transition>
   <p:timing>
     <p:tnLst>
       <p:par>
@@ -9711,7 +9828,7 @@
     <a:masterClrMapping/>
   </p:clrMapOvr>
   <p:transition spd="slow">
-    <p:fade/>
+    <p:fade thruBlk="1"/>
   </p:transition>
   <p:timing>
     <p:tnLst>
@@ -9815,7 +9932,7 @@
                                     </p:set>
                                     <p:animEffect transition="in" filter="dissolve">
                                       <p:cBhvr>
-                                        <p:cTn id="11" dur="500"/>
+                                        <p:cTn id="11" dur="1000"/>
                                         <p:tgtEl>
                                           <p:spTgt spid="16387">
                                             <p:txEl>
@@ -9858,7 +9975,7 @@
                                     </p:set>
                                     <p:animEffect transition="in" filter="dissolve">
                                       <p:cBhvr>
-                                        <p:cTn id="14" dur="500"/>
+                                        <p:cTn id="14" dur="1000"/>
                                         <p:tgtEl>
                                           <p:spTgt spid="16387">
                                             <p:txEl>
@@ -10445,9 +10562,7 @@
   <p:clrMapOvr>
     <a:masterClrMapping/>
   </p:clrMapOvr>
-  <p:transition>
-    <p:fade/>
-  </p:transition>
+  <p:transition spd="med"/>
   <p:timing>
     <p:tnLst>
       <p:par>
@@ -10472,7 +10587,7 @@
                             </p:stCondLst>
                             <p:childTnLst>
                               <p:par>
-                                <p:cTn id="5" presetID="22" presetClass="entr" presetSubtype="8" fill="hold" nodeType="afterEffect">
+                                <p:cTn id="5" presetID="22" presetClass="entr" presetSubtype="8" fill="hold" nodeType="withEffect">
                                   <p:stCondLst>
                                     <p:cond delay="0"/>
                                   </p:stCondLst>
@@ -10501,7 +10616,7 @@
                                     </p:set>
                                     <p:animEffect transition="in" filter="wipe(left)">
                                       <p:cBhvr>
-                                        <p:cTn id="7" dur="1000"/>
+                                        <p:cTn id="7" dur="500"/>
                                         <p:tgtEl>
                                           <p:spTgt spid="18436">
                                             <p:txEl>
@@ -10517,30 +10632,21 @@
                             </p:childTnLst>
                           </p:cTn>
                         </p:par>
-                      </p:childTnLst>
-                    </p:cTn>
-                  </p:par>
-                  <p:par>
-                    <p:cTn id="8" fill="hold">
-                      <p:stCondLst>
-                        <p:cond delay="indefinite"/>
-                      </p:stCondLst>
-                      <p:childTnLst>
                         <p:par>
-                          <p:cTn id="9" fill="hold">
+                          <p:cTn id="8" fill="hold">
                             <p:stCondLst>
-                              <p:cond delay="0"/>
+                              <p:cond delay="500"/>
                             </p:stCondLst>
                             <p:childTnLst>
                               <p:par>
-                                <p:cTn id="10" presetID="9" presetClass="entr" presetSubtype="0" fill="hold" grpId="0" nodeType="clickEffect">
+                                <p:cTn id="9" presetID="9" presetClass="entr" presetSubtype="0" fill="hold" grpId="0" nodeType="afterEffect">
                                   <p:stCondLst>
                                     <p:cond delay="0"/>
                                   </p:stCondLst>
                                   <p:childTnLst>
                                     <p:set>
                                       <p:cBhvr>
-                                        <p:cTn id="11" dur="1" fill="hold">
+                                        <p:cTn id="10" dur="1" fill="hold">
                                           <p:stCondLst>
                                             <p:cond delay="0"/>
                                           </p:stCondLst>
@@ -10558,7 +10664,7 @@
                                     </p:set>
                                     <p:animEffect transition="in" filter="dissolve">
                                       <p:cBhvr>
-                                        <p:cTn id="12" dur="500"/>
+                                        <p:cTn id="11" dur="500"/>
                                         <p:tgtEl>
                                           <p:spTgt spid="6"/>
                                         </p:tgtEl>
@@ -10574,26 +10680,26 @@
                     </p:cTn>
                   </p:par>
                   <p:par>
-                    <p:cTn id="13" fill="hold">
+                    <p:cTn id="12" fill="hold">
                       <p:stCondLst>
                         <p:cond delay="indefinite"/>
                       </p:stCondLst>
                       <p:childTnLst>
                         <p:par>
-                          <p:cTn id="14" fill="hold">
+                          <p:cTn id="13" fill="hold">
                             <p:stCondLst>
                               <p:cond delay="0"/>
                             </p:stCondLst>
                             <p:childTnLst>
                               <p:par>
-                                <p:cTn id="15" presetID="9" presetClass="entr" presetSubtype="0" fill="hold" nodeType="clickEffect">
+                                <p:cTn id="14" presetID="9" presetClass="entr" presetSubtype="0" fill="hold" nodeType="clickEffect">
                                   <p:stCondLst>
                                     <p:cond delay="0"/>
                                   </p:stCondLst>
                                   <p:childTnLst>
                                     <p:set>
                                       <p:cBhvr>
-                                        <p:cTn id="16" dur="1" fill="hold">
+                                        <p:cTn id="15" dur="1" fill="hold">
                                           <p:stCondLst>
                                             <p:cond delay="0"/>
                                           </p:stCondLst>
@@ -10615,7 +10721,7 @@
                                     </p:set>
                                     <p:animEffect transition="in" filter="dissolve">
                                       <p:cBhvr>
-                                        <p:cTn id="17" dur="500"/>
+                                        <p:cTn id="16" dur="500"/>
                                         <p:tgtEl>
                                           <p:spTgt spid="18436">
                                             <p:txEl>
@@ -10632,20 +10738,20 @@
                           </p:cTn>
                         </p:par>
                         <p:par>
-                          <p:cTn id="18" fill="hold">
+                          <p:cTn id="17" fill="hold">
                             <p:stCondLst>
                               <p:cond delay="500"/>
                             </p:stCondLst>
                             <p:childTnLst>
                               <p:par>
-                                <p:cTn id="19" presetID="22" presetClass="entr" presetSubtype="8" fill="hold" nodeType="afterEffect">
+                                <p:cTn id="18" presetID="22" presetClass="entr" presetSubtype="8" fill="hold" nodeType="afterEffect">
                                   <p:stCondLst>
                                     <p:cond delay="0"/>
                                   </p:stCondLst>
                                   <p:childTnLst>
                                     <p:set>
                                       <p:cBhvr>
-                                        <p:cTn id="20" dur="1" fill="hold">
+                                        <p:cTn id="19" dur="1" fill="hold">
                                           <p:stCondLst>
                                             <p:cond delay="0"/>
                                           </p:stCondLst>
@@ -10663,7 +10769,7 @@
                                     </p:set>
                                     <p:animEffect transition="in" filter="wipe(left)">
                                       <p:cBhvr>
-                                        <p:cTn id="21" dur="500"/>
+                                        <p:cTn id="20" dur="500"/>
                                         <p:tgtEl>
                                           <p:spTgt spid="5"/>
                                         </p:tgtEl>
@@ -10731,8 +10837,8 @@
         </p:nvSpPr>
         <p:spPr>
           <a:xfrm>
-            <a:off x="685800" y="1295400"/>
-            <a:ext cx="7422412" cy="923330"/>
+            <a:off x="668282" y="1295400"/>
+            <a:ext cx="7846093" cy="923330"/>
           </a:xfrm>
           <a:prstGeom prst="rect">
             <a:avLst/>
@@ -10752,7 +10858,7 @@
               <a:rPr lang="en-US" sz="5400" i="0" dirty="0" smtClean="0">
                 <a:latin typeface="+mj-lt"/>
               </a:rPr>
-              <a:t>Alternative definition:</a:t>
+              <a:t>An equivalent definition</a:t>
             </a:r>
             <a:endParaRPr lang="en-US" sz="5400" i="0" dirty="0">
               <a:latin typeface="+mj-lt"/>
@@ -10984,7 +11090,7 @@
     <a:masterClrMapping/>
   </p:clrMapOvr>
   <p:transition>
-    <p:fade/>
+    <p:fade thruBlk="1"/>
   </p:transition>
   <p:timing>
     <p:tnLst>
@@ -11010,9 +11116,9 @@
                             </p:stCondLst>
                             <p:childTnLst>
                               <p:par>
-                                <p:cTn id="5" presetID="15" presetClass="entr" presetSubtype="0" fill="hold" grpId="0" nodeType="afterEffect">
+                                <p:cTn id="5" presetID="9" presetClass="entr" presetSubtype="0" fill="hold" grpId="0" nodeType="withEffect">
                                   <p:stCondLst>
-                                    <p:cond delay="500"/>
+                                    <p:cond delay="0"/>
                                   </p:stCondLst>
                                   <p:childTnLst>
                                     <p:set>
@@ -11033,98 +11139,14 @@
                                         <p:strVal val="visible"/>
                                       </p:to>
                                     </p:set>
-                                    <p:anim calcmode="lin" valueType="num">
+                                    <p:animEffect transition="in" filter="dissolve">
                                       <p:cBhvr>
-                                        <p:cTn id="7" dur="1000" fill="hold"/>
+                                        <p:cTn id="7" dur="500"/>
                                         <p:tgtEl>
                                           <p:spTgt spid="12"/>
                                         </p:tgtEl>
-                                        <p:attrNameLst>
-                                          <p:attrName>ppt_w</p:attrName>
-                                        </p:attrNameLst>
                                       </p:cBhvr>
-                                      <p:tavLst>
-                                        <p:tav tm="0">
-                                          <p:val>
-                                            <p:fltVal val="0"/>
-                                          </p:val>
-                                        </p:tav>
-                                        <p:tav tm="100000">
-                                          <p:val>
-                                            <p:strVal val="#ppt_w"/>
-                                          </p:val>
-                                        </p:tav>
-                                      </p:tavLst>
-                                    </p:anim>
-                                    <p:anim calcmode="lin" valueType="num">
-                                      <p:cBhvr>
-                                        <p:cTn id="8" dur="1000" fill="hold"/>
-                                        <p:tgtEl>
-                                          <p:spTgt spid="12"/>
-                                        </p:tgtEl>
-                                        <p:attrNameLst>
-                                          <p:attrName>ppt_h</p:attrName>
-                                        </p:attrNameLst>
-                                      </p:cBhvr>
-                                      <p:tavLst>
-                                        <p:tav tm="0">
-                                          <p:val>
-                                            <p:fltVal val="0"/>
-                                          </p:val>
-                                        </p:tav>
-                                        <p:tav tm="100000">
-                                          <p:val>
-                                            <p:strVal val="#ppt_h"/>
-                                          </p:val>
-                                        </p:tav>
-                                      </p:tavLst>
-                                    </p:anim>
-                                    <p:anim calcmode="lin" valueType="num">
-                                      <p:cBhvr>
-                                        <p:cTn id="9" dur="1000" fill="hold"/>
-                                        <p:tgtEl>
-                                          <p:spTgt spid="12"/>
-                                        </p:tgtEl>
-                                        <p:attrNameLst>
-                                          <p:attrName>ppt_x</p:attrName>
-                                        </p:attrNameLst>
-                                      </p:cBhvr>
-                                      <p:tavLst>
-                                        <p:tav tm="0" fmla="#ppt_x+(cos(-2*pi*(1-$))*-#ppt_x-sin(-2*pi*(1-$))*(1-#ppt_y))*(1-$)">
-                                          <p:val>
-                                            <p:fltVal val="0"/>
-                                          </p:val>
-                                        </p:tav>
-                                        <p:tav tm="100000">
-                                          <p:val>
-                                            <p:fltVal val="1"/>
-                                          </p:val>
-                                        </p:tav>
-                                      </p:tavLst>
-                                    </p:anim>
-                                    <p:anim calcmode="lin" valueType="num">
-                                      <p:cBhvr>
-                                        <p:cTn id="10" dur="1000" fill="hold"/>
-                                        <p:tgtEl>
-                                          <p:spTgt spid="12"/>
-                                        </p:tgtEl>
-                                        <p:attrNameLst>
-                                          <p:attrName>ppt_y</p:attrName>
-                                        </p:attrNameLst>
-                                      </p:cBhvr>
-                                      <p:tavLst>
-                                        <p:tav tm="0" fmla="#ppt_y+(sin(-2*pi*(1-$))*-#ppt_x+cos(-2*pi*(1-$))*(1-#ppt_y))*(1-$)">
-                                          <p:val>
-                                            <p:fltVal val="0"/>
-                                          </p:val>
-                                        </p:tav>
-                                        <p:tav tm="100000">
-                                          <p:val>
-                                            <p:fltVal val="1"/>
-                                          </p:val>
-                                        </p:tav>
-                                      </p:tavLst>
-                                    </p:anim>
+                                    </p:animEffect>
                                   </p:childTnLst>
                                 </p:cTn>
                               </p:par>
@@ -11135,26 +11157,26 @@
                     </p:cTn>
                   </p:par>
                   <p:par>
-                    <p:cTn id="11" fill="hold">
+                    <p:cTn id="8" fill="hold">
                       <p:stCondLst>
                         <p:cond delay="indefinite"/>
                       </p:stCondLst>
                       <p:childTnLst>
                         <p:par>
-                          <p:cTn id="12" fill="hold">
+                          <p:cTn id="9" fill="hold">
                             <p:stCondLst>
                               <p:cond delay="0"/>
                             </p:stCondLst>
                             <p:childTnLst>
                               <p:par>
-                                <p:cTn id="13" presetID="1" presetClass="entr" presetSubtype="0" fill="hold" grpId="0" nodeType="clickEffect">
+                                <p:cTn id="10" presetID="9" presetClass="entr" presetSubtype="0" fill="hold" grpId="0" nodeType="clickEffect">
                                   <p:stCondLst>
                                     <p:cond delay="0"/>
                                   </p:stCondLst>
                                   <p:childTnLst>
                                     <p:set>
                                       <p:cBhvr>
-                                        <p:cTn id="14" dur="1" fill="hold">
+                                        <p:cTn id="11" dur="1" fill="hold">
                                           <p:stCondLst>
                                             <p:cond delay="0"/>
                                           </p:stCondLst>
@@ -11170,6 +11192,14 @@
                                         <p:strVal val="visible"/>
                                       </p:to>
                                     </p:set>
+                                    <p:animEffect transition="in" filter="dissolve">
+                                      <p:cBhvr>
+                                        <p:cTn id="12" dur="500"/>
+                                        <p:tgtEl>
+                                          <p:spTgt spid="8"/>
+                                        </p:tgtEl>
+                                      </p:cBhvr>
+                                    </p:animEffect>
                                   </p:childTnLst>
                                 </p:cTn>
                               </p:par>
@@ -11339,7 +11369,9 @@
   <p:clrMapOvr>
     <a:masterClrMapping/>
   </p:clrMapOvr>
-  <p:transition/>
+  <p:transition>
+    <p:fade/>
+  </p:transition>
   <p:timing>
     <p:tnLst>
       <p:par>
@@ -11576,7 +11608,7 @@
     <a:masterClrMapping/>
   </p:clrMapOvr>
   <p:transition>
-    <p:fade thruBlk="1"/>
+    <p:fade/>
   </p:transition>
   <p:timing>
     <p:tnLst>
@@ -12167,7 +12199,9 @@
   <p:clrMapOvr>
     <a:masterClrMapping/>
   </p:clrMapOvr>
-  <p:transition/>
+  <p:transition>
+    <p:fade/>
+  </p:transition>
   <p:timing>
     <p:tnLst>
       <p:par>
@@ -12305,7 +12339,9 @@
   <p:clrMapOvr>
     <a:masterClrMapping/>
   </p:clrMapOvr>
-  <p:transition/>
+  <p:transition>
+    <p:fade/>
+  </p:transition>
   <p:timing>
     <p:tnLst>
       <p:par>
@@ -12503,7 +12539,7 @@
     <a:masterClrMapping/>
   </p:clrMapOvr>
   <p:transition>
-    <p:fade/>
+    <p:fade thruBlk="1"/>
   </p:transition>
   <p:timing>
     <p:tnLst>
@@ -12581,7 +12617,7 @@
         </p:nvSpPr>
         <p:spPr>
           <a:xfrm>
-            <a:off x="273532" y="877523"/>
+            <a:off x="282291" y="877523"/>
             <a:ext cx="8574088" cy="5413863"/>
           </a:xfrm>
         </p:spPr>
@@ -12925,11 +12961,11 @@
             </a:r>
             <a:r>
               <a:rPr lang="en-US" sz="6000" dirty="0" smtClean="0"/>
-              <a:t>] </a:t>
+              <a:t>]</a:t>
             </a:r>
             <a:r>
               <a:rPr lang="en-US" sz="6000" dirty="0" smtClean="0"/>
-              <a:t>= </a:t>
+              <a:t> ::= </a:t>
             </a:r>
             <a:r>
               <a:rPr lang="en-US" sz="6000" dirty="0" smtClean="0">
@@ -12972,15 +13008,7 @@
                   <a:srgbClr val="0000FF"/>
                 </a:solidFill>
               </a:rPr>
-              <a:t>=</a:t>
-            </a:r>
-            <a:r>
-              <a:rPr lang="en-US" sz="6000" dirty="0" smtClean="0">
-                <a:solidFill>
-                  <a:srgbClr val="0000FF"/>
-                </a:solidFill>
-              </a:rPr>
-              <a:t>1</a:t>
+              <a:t>=1</a:t>
             </a:r>
             <a:r>
               <a:rPr lang="en-US" sz="6000" dirty="0" smtClean="0"/>
@@ -13013,7 +13041,7 @@
                 </a:solidFill>
                 <a:sym typeface="Euclid Symbol"/>
               </a:rPr>
-              <a:t>         </a:t>
+              <a:t>           </a:t>
             </a:r>
             <a:r>
               <a:rPr lang="en-US" sz="6000" dirty="0" smtClean="0">
@@ -13056,15 +13084,7 @@
                   <a:srgbClr val="0000FF"/>
                 </a:solidFill>
               </a:rPr>
-              <a:t>=</a:t>
-            </a:r>
-            <a:r>
-              <a:rPr lang="en-US" sz="6000" dirty="0" smtClean="0">
-                <a:solidFill>
-                  <a:srgbClr val="0000FF"/>
-                </a:solidFill>
-              </a:rPr>
-              <a:t>0</a:t>
+              <a:t>=0</a:t>
             </a:r>
             <a:r>
               <a:rPr lang="en-US" sz="6000" dirty="0" smtClean="0"/>
@@ -13077,11 +13097,7 @@
             </a:pPr>
             <a:r>
               <a:rPr lang="en-US" sz="6000" dirty="0" smtClean="0"/>
-              <a:t>       </a:t>
-            </a:r>
-            <a:r>
-              <a:rPr lang="en-US" sz="6000" dirty="0" smtClean="0"/>
-              <a:t>  = </a:t>
+              <a:t>         = </a:t>
             </a:r>
             <a:r>
               <a:rPr lang="en-US" sz="6000" dirty="0" err="1" smtClean="0"/>
@@ -13109,15 +13125,7 @@
                   <a:srgbClr val="0000FF"/>
                 </a:solidFill>
               </a:rPr>
-              <a:t>=</a:t>
-            </a:r>
-            <a:r>
-              <a:rPr lang="en-US" sz="6000" dirty="0" smtClean="0">
-                <a:solidFill>
-                  <a:srgbClr val="0000FF"/>
-                </a:solidFill>
-              </a:rPr>
-              <a:t>1</a:t>
+              <a:t>=1</a:t>
             </a:r>
             <a:r>
               <a:rPr lang="en-US" sz="6000" dirty="0" smtClean="0"/>
@@ -13130,19 +13138,11 @@
             </a:pPr>
             <a:r>
               <a:rPr lang="en-US" sz="6000" dirty="0" smtClean="0"/>
-              <a:t>         </a:t>
-            </a:r>
-            <a:r>
-              <a:rPr lang="en-US" sz="6000" dirty="0" smtClean="0"/>
-              <a:t>= </a:t>
+              <a:t>         = </a:t>
             </a:r>
             <a:r>
               <a:rPr lang="en-US" sz="6000" dirty="0" err="1" smtClean="0"/>
-              <a:t>Pr</a:t>
-            </a:r>
-            <a:r>
-              <a:rPr lang="en-US" sz="6000" dirty="0" err="1" smtClean="0"/>
-              <a:t>{</a:t>
+              <a:t>Pr{</a:t>
             </a:r>
             <a:r>
               <a:rPr lang="en-US" sz="6000" dirty="0" err="1" smtClean="0">
@@ -13156,7 +13156,6 @@
               <a:rPr lang="en-US" sz="6000" dirty="0" smtClean="0"/>
               <a:t>}</a:t>
             </a:r>
-            <a:endParaRPr lang="en-US" sz="6000" dirty="0" smtClean="0"/>
           </a:p>
           <a:p>
             <a:pPr>
@@ -13483,7 +13482,7 @@
                                     </p:set>
                                     <p:animEffect transition="in" filter="wipe(left)">
                                       <p:cBhvr>
-                                        <p:cTn id="7" dur="1000"/>
+                                        <p:cTn id="7" dur="500"/>
                                         <p:tgtEl>
                                           <p:spTgt spid="3">
                                             <p:txEl>
@@ -13499,30 +13498,21 @@
                             </p:childTnLst>
                           </p:cTn>
                         </p:par>
-                      </p:childTnLst>
-                    </p:cTn>
-                  </p:par>
-                  <p:par>
-                    <p:cTn id="8" fill="hold">
-                      <p:stCondLst>
-                        <p:cond delay="indefinite"/>
-                      </p:stCondLst>
-                      <p:childTnLst>
                         <p:par>
-                          <p:cTn id="9" fill="hold">
+                          <p:cTn id="8" fill="hold">
                             <p:stCondLst>
-                              <p:cond delay="0"/>
+                              <p:cond delay="500"/>
                             </p:stCondLst>
                             <p:childTnLst>
                               <p:par>
-                                <p:cTn id="10" presetID="22" presetClass="entr" presetSubtype="8" fill="hold" nodeType="clickEffect">
+                                <p:cTn id="9" presetID="22" presetClass="entr" presetSubtype="8" fill="hold" nodeType="afterEffect">
                                   <p:stCondLst>
                                     <p:cond delay="0"/>
                                   </p:stCondLst>
                                   <p:childTnLst>
                                     <p:set>
                                       <p:cBhvr>
-                                        <p:cTn id="11" dur="1" fill="hold">
+                                        <p:cTn id="10" dur="1" fill="hold">
                                           <p:stCondLst>
                                             <p:cond delay="0"/>
                                           </p:stCondLst>
@@ -13544,7 +13534,7 @@
                                     </p:set>
                                     <p:animEffect transition="in" filter="wipe(left)">
                                       <p:cBhvr>
-                                        <p:cTn id="12" dur="1000"/>
+                                        <p:cTn id="11" dur="500"/>
                                         <p:tgtEl>
                                           <p:spTgt spid="3">
                                             <p:txEl>
@@ -13564,26 +13554,26 @@
                     </p:cTn>
                   </p:par>
                   <p:par>
-                    <p:cTn id="13" fill="hold">
+                    <p:cTn id="12" fill="hold">
                       <p:stCondLst>
                         <p:cond delay="indefinite"/>
                       </p:stCondLst>
                       <p:childTnLst>
                         <p:par>
-                          <p:cTn id="14" fill="hold">
+                          <p:cTn id="13" fill="hold">
                             <p:stCondLst>
                               <p:cond delay="0"/>
                             </p:stCondLst>
                             <p:childTnLst>
                               <p:par>
-                                <p:cTn id="15" presetID="9" presetClass="entr" presetSubtype="0" fill="hold" nodeType="clickEffect">
+                                <p:cTn id="14" presetID="9" presetClass="entr" presetSubtype="0" fill="hold" nodeType="clickEffect">
                                   <p:stCondLst>
                                     <p:cond delay="0"/>
                                   </p:stCondLst>
                                   <p:childTnLst>
                                     <p:set>
                                       <p:cBhvr>
-                                        <p:cTn id="16" dur="1" fill="hold">
+                                        <p:cTn id="15" dur="1" fill="hold">
                                           <p:stCondLst>
                                             <p:cond delay="0"/>
                                           </p:stCondLst>
@@ -13605,7 +13595,7 @@
                                     </p:set>
                                     <p:animEffect transition="in" filter="dissolve">
                                       <p:cBhvr>
-                                        <p:cTn id="17" dur="500"/>
+                                        <p:cTn id="16" dur="500"/>
                                         <p:tgtEl>
                                           <p:spTgt spid="3">
                                             <p:txEl>
@@ -13625,26 +13615,26 @@
                     </p:cTn>
                   </p:par>
                   <p:par>
-                    <p:cTn id="18" fill="hold">
+                    <p:cTn id="17" fill="hold">
                       <p:stCondLst>
                         <p:cond delay="indefinite"/>
                       </p:stCondLst>
                       <p:childTnLst>
                         <p:par>
-                          <p:cTn id="19" fill="hold">
+                          <p:cTn id="18" fill="hold">
                             <p:stCondLst>
                               <p:cond delay="0"/>
                             </p:stCondLst>
                             <p:childTnLst>
                               <p:par>
-                                <p:cTn id="20" presetID="9" presetClass="entr" presetSubtype="0" fill="hold" nodeType="clickEffect">
+                                <p:cTn id="19" presetID="9" presetClass="entr" presetSubtype="0" fill="hold" nodeType="clickEffect">
                                   <p:stCondLst>
                                     <p:cond delay="0"/>
                                   </p:stCondLst>
                                   <p:childTnLst>
                                     <p:set>
                                       <p:cBhvr>
-                                        <p:cTn id="21" dur="1" fill="hold">
+                                        <p:cTn id="20" dur="1" fill="hold">
                                           <p:stCondLst>
                                             <p:cond delay="0"/>
                                           </p:stCondLst>
@@ -13666,7 +13656,7 @@
                                     </p:set>
                                     <p:animEffect transition="in" filter="dissolve">
                                       <p:cBhvr>
-                                        <p:cTn id="22" dur="500"/>
+                                        <p:cTn id="21" dur="500"/>
                                         <p:tgtEl>
                                           <p:spTgt spid="3">
                                             <p:txEl>
@@ -13682,30 +13672,21 @@
                             </p:childTnLst>
                           </p:cTn>
                         </p:par>
-                      </p:childTnLst>
-                    </p:cTn>
-                  </p:par>
-                  <p:par>
-                    <p:cTn id="23" fill="hold">
-                      <p:stCondLst>
-                        <p:cond delay="indefinite"/>
-                      </p:stCondLst>
-                      <p:childTnLst>
                         <p:par>
-                          <p:cTn id="24" fill="hold">
+                          <p:cTn id="22" fill="hold">
                             <p:stCondLst>
-                              <p:cond delay="0"/>
+                              <p:cond delay="500"/>
                             </p:stCondLst>
                             <p:childTnLst>
                               <p:par>
-                                <p:cTn id="25" presetID="15" presetClass="entr" presetSubtype="0" fill="hold" nodeType="clickEffect">
+                                <p:cTn id="23" presetID="15" presetClass="entr" presetSubtype="0" fill="hold" nodeType="afterEffect">
                                   <p:stCondLst>
                                     <p:cond delay="0"/>
                                   </p:stCondLst>
                                   <p:childTnLst>
                                     <p:set>
                                       <p:cBhvr>
-                                        <p:cTn id="26" dur="1" fill="hold">
+                                        <p:cTn id="24" dur="1" fill="hold">
                                           <p:stCondLst>
                                             <p:cond delay="0"/>
                                           </p:stCondLst>
@@ -13723,7 +13704,7 @@
                                     </p:set>
                                     <p:anim calcmode="lin" valueType="num">
                                       <p:cBhvr>
-                                        <p:cTn id="27" dur="1000" fill="hold"/>
+                                        <p:cTn id="25" dur="1000" fill="hold"/>
                                         <p:tgtEl>
                                           <p:spTgt spid="10"/>
                                         </p:tgtEl>
@@ -13746,7 +13727,7 @@
                                     </p:anim>
                                     <p:anim calcmode="lin" valueType="num">
                                       <p:cBhvr>
-                                        <p:cTn id="28" dur="1000" fill="hold"/>
+                                        <p:cTn id="26" dur="1000" fill="hold"/>
                                         <p:tgtEl>
                                           <p:spTgt spid="10"/>
                                         </p:tgtEl>
@@ -13769,7 +13750,7 @@
                                     </p:anim>
                                     <p:anim calcmode="lin" valueType="num">
                                       <p:cBhvr>
-                                        <p:cTn id="29" dur="1000" fill="hold"/>
+                                        <p:cTn id="27" dur="1000" fill="hold"/>
                                         <p:tgtEl>
                                           <p:spTgt spid="10"/>
                                         </p:tgtEl>
@@ -13792,7 +13773,7 @@
                                     </p:anim>
                                     <p:anim calcmode="lin" valueType="num">
                                       <p:cBhvr>
-                                        <p:cTn id="30" dur="1000" fill="hold"/>
+                                        <p:cTn id="28" dur="1000" fill="hold"/>
                                         <p:tgtEl>
                                           <p:spTgt spid="10"/>
                                         </p:tgtEl>
@@ -13873,12 +13854,12 @@
           <p:nvPr/>
         </p:nvGraphicFramePr>
         <p:xfrm>
-          <a:off x="2930387" y="4683125"/>
-          <a:ext cx="4902200" cy="1760538"/>
+          <a:off x="3335626" y="4683125"/>
+          <a:ext cx="4775200" cy="1760538"/>
         </p:xfrm>
         <a:graphic>
           <a:graphicData uri="http://schemas.openxmlformats.org/presentationml/2006/ole">
-            <p:oleObj spid="_x0000_s196610" name="Equation" r:id="rId4" imgW="1485900" imgH="533400" progId="Equation.DSMT4">
+            <p:oleObj spid="_x0000_s196610" name="Equation" r:id="rId4" imgW="1447800" imgH="533400" progId="Equation.DSMT4">
               <p:embed/>
             </p:oleObj>
           </a:graphicData>
@@ -13996,12 +13977,12 @@
           <p:nvPr/>
         </p:nvGraphicFramePr>
         <p:xfrm>
-          <a:off x="1454150" y="3421063"/>
-          <a:ext cx="6289675" cy="1635125"/>
+          <a:off x="1328738" y="3421063"/>
+          <a:ext cx="6540500" cy="1635125"/>
         </p:xfrm>
         <a:graphic>
           <a:graphicData uri="http://schemas.openxmlformats.org/presentationml/2006/ole">
-            <p:oleObj spid="_x0000_s196611" name="Equation" r:id="rId5" imgW="1905000" imgH="495300" progId="Equation.DSMT4">
+            <p:oleObj spid="_x0000_s196611" name="Equation" r:id="rId5" imgW="1981200" imgH="495300" progId="Equation.DSMT4">
               <p:embed/>
             </p:oleObj>
           </a:graphicData>
@@ -14069,7 +14050,7 @@
   <p:clrMapOvr>
     <a:masterClrMapping/>
   </p:clrMapOvr>
-  <p:transition spd="med">
+  <p:transition spd="slow">
     <p:fade thruBlk="1"/>
   </p:transition>
   <p:timing>
@@ -14669,6 +14650,26 @@
           <a:chExt cx="0" cy="0"/>
         </a:xfrm>
       </p:grpSpPr>
+      <p:graphicFrame>
+        <p:nvGraphicFramePr>
+          <p:cNvPr id="5" name="Object 4"/>
+          <p:cNvGraphicFramePr>
+            <a:graphicFrameLocks noChangeAspect="1"/>
+          </p:cNvGraphicFramePr>
+          <p:nvPr/>
+        </p:nvGraphicFramePr>
+        <p:xfrm>
+          <a:off x="3335626" y="4683125"/>
+          <a:ext cx="4775200" cy="1760538"/>
+        </p:xfrm>
+        <a:graphic>
+          <a:graphicData uri="http://schemas.openxmlformats.org/presentationml/2006/ole">
+            <p:oleObj spid="_x0000_s560130" name="Equation" r:id="rId4" imgW="1447800" imgH="533400" progId="Equation.DSMT4">
+              <p:embed/>
+            </p:oleObj>
+          </a:graphicData>
+        </a:graphic>
+      </p:graphicFrame>
       <p:sp>
         <p:nvSpPr>
           <p:cNvPr id="4" name="Rectangle 2"/>
@@ -14701,86 +14702,26 @@
           </a:p>
         </p:txBody>
       </p:sp>
-      <p:sp>
-        <p:nvSpPr>
-          <p:cNvPr id="6" name="TextBox 5"/>
-          <p:cNvSpPr txBox="1"/>
+      <p:graphicFrame>
+        <p:nvGraphicFramePr>
+          <p:cNvPr id="188420" name="Object 2"/>
+          <p:cNvGraphicFramePr>
+            <a:graphicFrameLocks noChangeAspect="1"/>
+          </p:cNvGraphicFramePr>
           <p:nvPr/>
-        </p:nvSpPr>
-        <p:spPr>
-          <a:xfrm>
-            <a:off x="268968" y="1295400"/>
-            <a:ext cx="8686818" cy="2123658"/>
-          </a:xfrm>
-          <a:prstGeom prst="rect">
-            <a:avLst/>
-          </a:prstGeom>
-          <a:noFill/>
-        </p:spPr>
-        <p:txBody>
-          <a:bodyPr wrap="none" rtlCol="0">
-            <a:spAutoFit/>
-          </a:bodyPr>
-          <a:lstStyle/>
-          <a:p>
-            <a:r>
-              <a:rPr lang="en-US" sz="4400" i="0" dirty="0" smtClean="0">
-                <a:latin typeface="+mj-lt"/>
-              </a:rPr>
-              <a:t>we</a:t>
-            </a:r>
-            <a:r>
-              <a:rPr lang="en-US" sz="4400" i="0" dirty="0" smtClean="0">
-                <a:latin typeface="+mj-lt"/>
-              </a:rPr>
-              <a:t> could perturb </a:t>
-            </a:r>
-            <a:r>
-              <a:rPr lang="en-US" sz="4400" dirty="0" smtClean="0">
-                <a:latin typeface="+mj-lt"/>
-              </a:rPr>
-              <a:t>to</a:t>
-            </a:r>
-            <a:r>
-              <a:rPr lang="en-US" sz="4400" i="0" dirty="0" smtClean="0">
-                <a:latin typeface="+mj-lt"/>
-              </a:rPr>
-              <a:t> </a:t>
-            </a:r>
-            <a:r>
-              <a:rPr lang="en-US" sz="4400" dirty="0" smtClean="0">
-                <a:latin typeface="+mj-lt"/>
-              </a:rPr>
-              <a:t>get a closed</a:t>
-            </a:r>
-          </a:p>
-          <a:p>
-            <a:r>
-              <a:rPr lang="en-US" sz="4400" i="0" dirty="0" smtClean="0">
-                <a:latin typeface="+mj-lt"/>
-              </a:rPr>
-              <a:t>formula for this sum, </a:t>
-            </a:r>
-            <a:r>
-              <a:rPr lang="en-US" sz="4400" dirty="0" smtClean="0">
-                <a:latin typeface="+mj-lt"/>
-              </a:rPr>
-              <a:t>but we’ll</a:t>
-            </a:r>
-          </a:p>
-          <a:p>
-            <a:r>
-              <a:rPr lang="en-US" sz="4400" dirty="0" smtClean="0">
-                <a:latin typeface="+mj-lt"/>
-              </a:rPr>
-              <a:t>see simpler approaches soon. </a:t>
-            </a:r>
-            <a:endParaRPr lang="en-US" sz="4400" i="0" dirty="0" smtClean="0">
-              <a:latin typeface="+mj-lt"/>
-            </a:endParaRPr>
-          </a:p>
-        </p:txBody>
-      </p:sp>
+        </p:nvGraphicFramePr>
+        <p:xfrm>
+          <a:off x="1328738" y="3421063"/>
+          <a:ext cx="6540500" cy="1635125"/>
+        </p:xfrm>
+        <a:graphic>
+          <a:graphicData uri="http://schemas.openxmlformats.org/presentationml/2006/ole">
+            <p:oleObj spid="_x0000_s560131" name="Equation" r:id="rId5" imgW="1981200" imgH="495300" progId="Equation.DSMT4">
+              <p:embed/>
+            </p:oleObj>
+          </a:graphicData>
+        </a:graphic>
+      </p:graphicFrame>
       <p:sp>
         <p:nvSpPr>
           <p:cNvPr id="7" name="Slide Number Placeholder 3"/>
@@ -14838,52 +14779,98 @@
           </a:p>
         </p:txBody>
       </p:sp>
-      <p:graphicFrame>
-        <p:nvGraphicFramePr>
-          <p:cNvPr id="1027" name="Object 2"/>
-          <p:cNvGraphicFramePr>
-            <a:graphicFrameLocks noChangeAspect="1"/>
-          </p:cNvGraphicFramePr>
+      <p:sp>
+        <p:nvSpPr>
+          <p:cNvPr id="8" name="TextBox 7"/>
+          <p:cNvSpPr txBox="1"/>
           <p:nvPr/>
-        </p:nvGraphicFramePr>
-        <p:xfrm>
-          <a:off x="2930525" y="4683125"/>
-          <a:ext cx="4902200" cy="1760538"/>
-        </p:xfrm>
-        <a:graphic>
-          <a:graphicData uri="http://schemas.openxmlformats.org/presentationml/2006/ole">
-            <p:oleObj spid="_x0000_s1027" name="Equation" r:id="rId4" imgW="1485900" imgH="533400" progId="Equation.DSMT4">
-              <p:embed/>
-            </p:oleObj>
-          </a:graphicData>
-        </a:graphic>
-      </p:graphicFrame>
-      <p:graphicFrame>
-        <p:nvGraphicFramePr>
-          <p:cNvPr id="1028" name="Object 4"/>
-          <p:cNvGraphicFramePr>
-            <a:graphicFrameLocks noChangeAspect="1"/>
-          </p:cNvGraphicFramePr>
-          <p:nvPr/>
-        </p:nvGraphicFramePr>
-        <p:xfrm>
-          <a:off x="1454150" y="3421063"/>
-          <a:ext cx="6289675" cy="1635125"/>
-        </p:xfrm>
-        <a:graphic>
-          <a:graphicData uri="http://schemas.openxmlformats.org/presentationml/2006/ole">
-            <p:oleObj spid="_x0000_s1028" name="Equation" r:id="rId5" imgW="1905000" imgH="495300" progId="Equation.DSMT4">
-              <p:embed/>
-            </p:oleObj>
-          </a:graphicData>
-        </a:graphic>
-      </p:graphicFrame>
+        </p:nvSpPr>
+        <p:spPr>
+          <a:xfrm>
+            <a:off x="417872" y="1295400"/>
+            <a:ext cx="8279446" cy="2135188"/>
+          </a:xfrm>
+          <a:prstGeom prst="rect">
+            <a:avLst/>
+          </a:prstGeom>
+          <a:noFill/>
+        </p:spPr>
+        <p:txBody>
+          <a:bodyPr wrap="square" rtlCol="0">
+            <a:spAutoFit/>
+          </a:bodyPr>
+          <a:lstStyle/>
+          <a:p>
+            <a:r>
+              <a:rPr lang="en-US" sz="4400" i="0" dirty="0" smtClean="0">
+                <a:latin typeface="+mj-lt"/>
+              </a:rPr>
+              <a:t>Binomial </a:t>
+            </a:r>
+            <a:r>
+              <a:rPr lang="en-US" sz="4400" i="0" dirty="0" err="1" smtClean="0">
+                <a:latin typeface="+mj-lt"/>
+              </a:rPr>
+              <a:t>thm</a:t>
+            </a:r>
+            <a:r>
+              <a:rPr lang="en-US" sz="4400" i="0" dirty="0" smtClean="0">
+                <a:latin typeface="+mj-lt"/>
+              </a:rPr>
+              <a:t> &amp; differentiating</a:t>
+            </a:r>
+          </a:p>
+          <a:p>
+            <a:r>
+              <a:rPr lang="en-US" sz="4400" dirty="0" smtClean="0">
+                <a:latin typeface="+mj-lt"/>
+              </a:rPr>
+              <a:t>g</a:t>
+            </a:r>
+            <a:r>
+              <a:rPr lang="en-US" sz="4400" dirty="0" smtClean="0">
+                <a:latin typeface="+mj-lt"/>
+              </a:rPr>
+              <a:t>ives </a:t>
+            </a:r>
+            <a:r>
+              <a:rPr lang="en-US" sz="4400" dirty="0" smtClean="0">
+                <a:latin typeface="+mj-lt"/>
+              </a:rPr>
+              <a:t>a closed </a:t>
+            </a:r>
+            <a:r>
+              <a:rPr lang="en-US" sz="4400" i="0" dirty="0" smtClean="0">
+                <a:latin typeface="+mj-lt"/>
+              </a:rPr>
+              <a:t>formula, </a:t>
+            </a:r>
+            <a:r>
+              <a:rPr lang="en-US" sz="4400" dirty="0" smtClean="0">
+                <a:latin typeface="+mj-lt"/>
+              </a:rPr>
+              <a:t>but</a:t>
+            </a:r>
+          </a:p>
+          <a:p>
+            <a:r>
+              <a:rPr lang="en-US" sz="4400" dirty="0" smtClean="0">
+                <a:latin typeface="+mj-lt"/>
+              </a:rPr>
+              <a:t>simpler approach is coming </a:t>
+            </a:r>
+            <a:endParaRPr lang="en-US" sz="4400" i="0" dirty="0" smtClean="0">
+              <a:latin typeface="+mj-lt"/>
+            </a:endParaRPr>
+          </a:p>
+        </p:txBody>
+      </p:sp>
     </p:spTree>
   </p:cSld>
   <p:clrMapOvr>
     <a:masterClrMapping/>
   </p:clrMapOvr>
-  <p:transition>
+  <p:transition spd="med">
     <p:fade/>
   </p:transition>
   <p:timing>
@@ -15063,7 +15050,7 @@
     <a:masterClrMapping/>
   </p:clrMapOvr>
   <p:transition>
-    <p:cut/>
+    <p:fade/>
   </p:transition>
   <p:timing>
     <p:tnLst>
@@ -15342,7 +15329,7 @@
   <p:clrMapOvr>
     <a:masterClrMapping/>
   </p:clrMapOvr>
-  <p:transition spd="med">
+  <p:transition>
     <p:fade/>
   </p:transition>
   <p:timing>
@@ -16336,7 +16323,7 @@
   <p:clrMapOvr>
     <a:masterClrMapping/>
   </p:clrMapOvr>
-  <p:transition spd="med">
+  <p:transition>
     <p:fade/>
   </p:transition>
   <p:timing>
@@ -16576,8 +16563,8 @@
         </p:nvSpPr>
         <p:spPr>
           <a:xfrm>
-            <a:off x="533400" y="1219200"/>
-            <a:ext cx="6466835" cy="769441"/>
+            <a:off x="874751" y="1079061"/>
+            <a:ext cx="7394497" cy="769441"/>
           </a:xfrm>
           <a:prstGeom prst="rect">
             <a:avLst/>
@@ -16591,12 +16578,24 @@
           <a:lstStyle/>
           <a:p>
             <a:r>
+              <a:rPr lang="en-US" sz="3600" i="0" dirty="0" smtClean="0">
+                <a:latin typeface="+mj-lt"/>
+              </a:rPr>
+              <a:t>Def: </a:t>
+            </a:r>
+            <a:r>
               <a:rPr lang="en-US" sz="4400" i="0" dirty="0" smtClean="0">
+                <a:solidFill>
+                  <a:srgbClr val="9B2894"/>
+                </a:solidFill>
                 <a:latin typeface="+mj-lt"/>
               </a:rPr>
-              <a:t>conditional expectation:</a:t>
+              <a:t>conditional expectation</a:t>
             </a:r>
             <a:endParaRPr lang="en-US" sz="4400" i="0" dirty="0">
+              <a:solidFill>
+                <a:srgbClr val="9B2894"/>
+              </a:solidFill>
               <a:latin typeface="+mj-lt"/>
             </a:endParaRPr>
           </a:p>
@@ -16699,7 +16698,7 @@
     <a:masterClrMapping/>
   </p:clrMapOvr>
   <p:transition>
-    <p:fade thruBlk="1"/>
+    <p:fade/>
   </p:transition>
   <p:timing>
     <p:tnLst>
@@ -16841,7 +16840,7 @@
                                           </p:stCondLst>
                                         </p:cTn>
                                         <p:tgtEl>
-                                          <p:spTgt spid="8"/>
+                                          <p:spTgt spid="2"/>
                                         </p:tgtEl>
                                         <p:attrNameLst>
                                           <p:attrName>style.visibility</p:attrName>
@@ -16855,7 +16854,7 @@
                                       <p:cBhvr>
                                         <p:cTn id="17" dur="500"/>
                                         <p:tgtEl>
-                                          <p:spTgt spid="8"/>
+                                          <p:spTgt spid="2"/>
                                         </p:tgtEl>
                                       </p:cBhvr>
                                     </p:animEffect>
@@ -16865,30 +16864,21 @@
                             </p:childTnLst>
                           </p:cTn>
                         </p:par>
-                      </p:childTnLst>
-                    </p:cTn>
-                  </p:par>
-                  <p:par>
-                    <p:cTn id="18" fill="hold">
-                      <p:stCondLst>
-                        <p:cond delay="indefinite"/>
-                      </p:stCondLst>
-                      <p:childTnLst>
                         <p:par>
-                          <p:cTn id="19" fill="hold">
+                          <p:cTn id="18" fill="hold">
                             <p:stCondLst>
-                              <p:cond delay="0"/>
+                              <p:cond delay="500"/>
                             </p:stCondLst>
                             <p:childTnLst>
                               <p:par>
-                                <p:cTn id="20" presetID="15" presetClass="entr" presetSubtype="0" fill="hold" grpId="0" nodeType="clickEffect">
+                                <p:cTn id="19" presetID="15" presetClass="entr" presetSubtype="0" fill="hold" grpId="0" nodeType="afterEffect">
                                   <p:stCondLst>
                                     <p:cond delay="0"/>
                                   </p:stCondLst>
                                   <p:childTnLst>
                                     <p:set>
                                       <p:cBhvr>
-                                        <p:cTn id="21" dur="1" fill="hold">
+                                        <p:cTn id="20" dur="1" fill="hold">
                                           <p:stCondLst>
                                             <p:cond delay="0"/>
                                           </p:stCondLst>
@@ -16906,7 +16896,7 @@
                                     </p:set>
                                     <p:anim calcmode="lin" valueType="num">
                                       <p:cBhvr>
-                                        <p:cTn id="22" dur="1000" fill="hold"/>
+                                        <p:cTn id="21" dur="1000" fill="hold"/>
                                         <p:tgtEl>
                                           <p:spTgt spid="6"/>
                                         </p:tgtEl>
@@ -16929,7 +16919,7 @@
                                     </p:anim>
                                     <p:anim calcmode="lin" valueType="num">
                                       <p:cBhvr>
-                                        <p:cTn id="23" dur="1000" fill="hold"/>
+                                        <p:cTn id="22" dur="1000" fill="hold"/>
                                         <p:tgtEl>
                                           <p:spTgt spid="6"/>
                                         </p:tgtEl>
@@ -16952,7 +16942,7 @@
                                     </p:anim>
                                     <p:anim calcmode="lin" valueType="num">
                                       <p:cBhvr>
-                                        <p:cTn id="24" dur="1000" fill="hold"/>
+                                        <p:cTn id="23" dur="1000" fill="hold"/>
                                         <p:tgtEl>
                                           <p:spTgt spid="6"/>
                                         </p:tgtEl>
@@ -16975,7 +16965,7 @@
                                     </p:anim>
                                     <p:anim calcmode="lin" valueType="num">
                                       <p:cBhvr>
-                                        <p:cTn id="25" dur="1000" fill="hold"/>
+                                        <p:cTn id="24" dur="1000" fill="hold"/>
                                         <p:tgtEl>
                                           <p:spTgt spid="6"/>
                                         </p:tgtEl>
@@ -16999,21 +16989,39 @@
                                   </p:childTnLst>
                                 </p:cTn>
                               </p:par>
+                            </p:childTnLst>
+                          </p:cTn>
+                        </p:par>
+                      </p:childTnLst>
+                    </p:cTn>
+                  </p:par>
+                  <p:par>
+                    <p:cTn id="25" fill="hold">
+                      <p:stCondLst>
+                        <p:cond delay="indefinite"/>
+                      </p:stCondLst>
+                      <p:childTnLst>
+                        <p:par>
+                          <p:cTn id="26" fill="hold">
+                            <p:stCondLst>
+                              <p:cond delay="0"/>
+                            </p:stCondLst>
+                            <p:childTnLst>
                               <p:par>
-                                <p:cTn id="26" presetID="9" presetClass="entr" presetSubtype="0" fill="hold" grpId="0" nodeType="withEffect">
+                                <p:cTn id="27" presetID="9" presetClass="entr" presetSubtype="0" fill="hold" grpId="0" nodeType="clickEffect">
                                   <p:stCondLst>
                                     <p:cond delay="0"/>
                                   </p:stCondLst>
                                   <p:childTnLst>
                                     <p:set>
                                       <p:cBhvr>
-                                        <p:cTn id="27" dur="1" fill="hold">
+                                        <p:cTn id="28" dur="1" fill="hold">
                                           <p:stCondLst>
                                             <p:cond delay="0"/>
                                           </p:stCondLst>
                                         </p:cTn>
                                         <p:tgtEl>
-                                          <p:spTgt spid="2"/>
+                                          <p:spTgt spid="8"/>
                                         </p:tgtEl>
                                         <p:attrNameLst>
                                           <p:attrName>style.visibility</p:attrName>
@@ -17025,9 +17033,9 @@
                                     </p:set>
                                     <p:animEffect transition="in" filter="dissolve">
                                       <p:cBhvr>
-                                        <p:cTn id="28" dur="500"/>
+                                        <p:cTn id="29" dur="500"/>
                                         <p:tgtEl>
-                                          <p:spTgt spid="2"/>
+                                          <p:spTgt spid="8"/>
                                         </p:tgtEl>
                                       </p:cBhvr>
                                     </p:animEffect>
@@ -17270,8 +17278,21 @@
                   <a:srgbClr val="0000FF"/>
                 </a:solidFill>
               </a:rPr>
-              <a:t>e(n-1) + p</a:t>
-            </a:r>
+              <a:t>e(n-1</a:t>
+            </a:r>
+            <a:r>
+              <a:rPr lang="en-US" sz="4400" dirty="0" smtClean="0">
+                <a:solidFill>
+                  <a:srgbClr val="0000FF"/>
+                </a:solidFill>
+              </a:rPr>
+              <a:t>)+p</a:t>
+            </a:r>
+            <a:endParaRPr lang="en-US" sz="4400" dirty="0" smtClean="0">
+              <a:solidFill>
+                <a:srgbClr val="0000FF"/>
+              </a:solidFill>
+            </a:endParaRPr>
           </a:p>
           <a:p>
             <a:pPr algn="ctr">
@@ -17337,26 +17358,6 @@
           </a:graphicData>
         </a:graphic>
       </p:graphicFrame>
-      <p:graphicFrame>
-        <p:nvGraphicFramePr>
-          <p:cNvPr id="189445" name="Object 5"/>
-          <p:cNvGraphicFramePr>
-            <a:graphicFrameLocks noChangeAspect="1"/>
-          </p:cNvGraphicFramePr>
-          <p:nvPr/>
-        </p:nvGraphicFramePr>
-        <p:xfrm>
-          <a:off x="6477000" y="4745038"/>
-          <a:ext cx="2335212" cy="1122362"/>
-        </p:xfrm>
-        <a:graphic>
-          <a:graphicData uri="http://schemas.openxmlformats.org/presentationml/2006/ole">
-            <p:oleObj spid="_x0000_s212995" name="Equation" r:id="rId5" imgW="634680" imgH="304560" progId="Equation.DSMT4">
-              <p:embed/>
-            </p:oleObj>
-          </a:graphicData>
-        </a:graphic>
-      </p:graphicFrame>
       <p:sp>
         <p:nvSpPr>
           <p:cNvPr id="9" name="TextBox 8"/>
@@ -17365,8 +17366,8 @@
         </p:nvSpPr>
         <p:spPr>
           <a:xfrm>
-            <a:off x="5105400" y="4876800"/>
-            <a:ext cx="1292341" cy="830997"/>
+            <a:off x="4702486" y="4876800"/>
+            <a:ext cx="3155556" cy="769441"/>
           </a:xfrm>
           <a:prstGeom prst="rect">
             <a:avLst/>
@@ -17383,85 +17384,28 @@
               <a:rPr lang="en-US" sz="4400" i="0" dirty="0" smtClean="0">
                 <a:latin typeface="+mj-lt"/>
               </a:rPr>
-              <a:t>= </a:t>
-            </a:r>
-            <a:r>
-              <a:rPr lang="en-US" sz="4800" i="0" dirty="0" err="1" smtClean="0">
+              <a:t>=</a:t>
+            </a:r>
+            <a:r>
+              <a:rPr lang="en-US" sz="4400" i="0" dirty="0" smtClean="0">
+                <a:latin typeface="+mj-lt"/>
+              </a:rPr>
+              <a:t> </a:t>
+            </a:r>
+            <a:r>
+              <a:rPr lang="en-US" sz="4400" i="0" dirty="0" smtClean="0">
                 <a:solidFill>
                   <a:srgbClr val="0000FF"/>
                 </a:solidFill>
                 <a:latin typeface="+mj-lt"/>
               </a:rPr>
-              <a:t>np</a:t>
-            </a:r>
-            <a:endParaRPr lang="en-US" sz="4800" i="0" dirty="0" smtClean="0">
+              <a:t>e(n-2)+2p</a:t>
+            </a:r>
+            <a:endParaRPr lang="en-US" sz="4400" i="0" dirty="0" smtClean="0">
               <a:solidFill>
                 <a:srgbClr val="0000FF"/>
               </a:solidFill>
               <a:latin typeface="+mj-lt"/>
-            </a:endParaRPr>
-          </a:p>
-        </p:txBody>
-      </p:sp>
-      <p:sp>
-        <p:nvSpPr>
-          <p:cNvPr id="10" name="Rectangle 9"/>
-          <p:cNvSpPr/>
-          <p:nvPr/>
-        </p:nvSpPr>
-        <p:spPr bwMode="auto">
-          <a:xfrm>
-            <a:off x="5486400" y="4724400"/>
-            <a:ext cx="3352800" cy="1295400"/>
-          </a:xfrm>
-          <a:prstGeom prst="rect">
-            <a:avLst/>
-          </a:prstGeom>
-          <a:noFill/>
-          <a:ln w="28575" cap="flat" cmpd="sng" algn="ctr">
-            <a:solidFill>
-              <a:srgbClr val="FF00FF"/>
-            </a:solidFill>
-            <a:prstDash val="solid"/>
-            <a:round/>
-            <a:headEnd type="none" w="med" len="med"/>
-            <a:tailEnd type="arrow" w="lg" len="lg"/>
-          </a:ln>
-          <a:effectLst/>
-        </p:spPr>
-        <p:txBody>
-          <a:bodyPr vert="horz" wrap="square" lIns="91440" tIns="45720" rIns="91440" bIns="45720" numCol="1" rtlCol="0" anchor="t" anchorCtr="0" compatLnSpc="1">
-            <a:prstTxWarp prst="textNoShape">
-              <a:avLst/>
-            </a:prstTxWarp>
-          </a:bodyPr>
-          <a:lstStyle/>
-          <a:p>
-            <a:pPr marL="0" marR="0" indent="0" algn="l" defTabSz="914400" rtl="0" eaLnBrk="1" fontAlgn="base" latinLnBrk="0" hangingPunct="1">
-              <a:lnSpc>
-                <a:spcPct val="100000"/>
-              </a:lnSpc>
-              <a:spcBef>
-                <a:spcPct val="0"/>
-              </a:spcBef>
-              <a:spcAft>
-                <a:spcPct val="0"/>
-              </a:spcAft>
-              <a:buClrTx/>
-              <a:buSzTx/>
-              <a:buFontTx/>
-              <a:buNone/>
-              <a:tabLst/>
-            </a:pPr>
-            <a:endParaRPr kumimoji="0" lang="en-US" sz="3600" b="0" i="1" u="none" strike="noStrike" cap="none" normalizeH="0" baseline="0" smtClean="0">
-              <a:ln>
-                <a:noFill/>
-              </a:ln>
-              <a:solidFill>
-                <a:schemeClr val="tx1"/>
-              </a:solidFill>
-              <a:effectLst/>
-              <a:latin typeface="Times New Roman" pitchFamily="18" charset="0"/>
             </a:endParaRPr>
           </a:p>
         </p:txBody>
@@ -17523,13 +17467,51 @@
           </a:p>
         </p:txBody>
       </p:sp>
+      <p:sp>
+        <p:nvSpPr>
+          <p:cNvPr id="11" name="TextBox 10"/>
+          <p:cNvSpPr txBox="1"/>
+          <p:nvPr/>
+        </p:nvSpPr>
+        <p:spPr>
+          <a:xfrm>
+            <a:off x="7830207" y="4808475"/>
+            <a:ext cx="646331" cy="646331"/>
+          </a:xfrm>
+          <a:prstGeom prst="rect">
+            <a:avLst/>
+          </a:prstGeom>
+          <a:noFill/>
+        </p:spPr>
+        <p:txBody>
+          <a:bodyPr wrap="none" rtlCol="0">
+            <a:spAutoFit/>
+          </a:bodyPr>
+          <a:lstStyle/>
+          <a:p>
+            <a:r>
+              <a:rPr lang="en-US" sz="3600" dirty="0" smtClean="0">
+                <a:solidFill>
+                  <a:srgbClr val="0000FF"/>
+                </a:solidFill>
+              </a:rPr>
+              <a:t>…</a:t>
+            </a:r>
+            <a:endParaRPr lang="en-US" sz="3600" dirty="0">
+              <a:solidFill>
+                <a:srgbClr val="0000FF"/>
+              </a:solidFill>
+            </a:endParaRPr>
+          </a:p>
+        </p:txBody>
+      </p:sp>
     </p:spTree>
   </p:cSld>
   <p:clrMapOvr>
     <a:masterClrMapping/>
   </p:clrMapOvr>
   <p:transition>
-    <p:fade thruBlk="1"/>
+    <p:fade/>
   </p:transition>
   <p:timing>
     <p:tnLst>
@@ -17674,7 +17656,7 @@
                             </p:stCondLst>
                             <p:childTnLst>
                               <p:par>
-                                <p:cTn id="15" presetID="1" presetClass="entr" presetSubtype="0" fill="hold" nodeType="clickEffect">
+                                <p:cTn id="15" presetID="9" presetClass="entr" presetSubtype="0" fill="hold" nodeType="clickEffect">
                                   <p:stCondLst>
                                     <p:cond delay="0"/>
                                   </p:stCondLst>
@@ -17701,6 +17683,18 @@
                                         <p:strVal val="visible"/>
                                       </p:to>
                                     </p:set>
+                                    <p:animEffect transition="in" filter="dissolve">
+                                      <p:cBhvr>
+                                        <p:cTn id="17" dur="500"/>
+                                        <p:tgtEl>
+                                          <p:spTgt spid="3">
+                                            <p:txEl>
+                                              <p:pRg st="3" end="3"/>
+                                            </p:txEl>
+                                          </p:spTgt>
+                                        </p:tgtEl>
+                                      </p:cBhvr>
+                                    </p:animEffect>
                                   </p:childTnLst>
                                 </p:cTn>
                               </p:par>
@@ -17711,26 +17705,26 @@
                     </p:cTn>
                   </p:par>
                   <p:par>
-                    <p:cTn id="17" fill="hold">
+                    <p:cTn id="18" fill="hold">
                       <p:stCondLst>
                         <p:cond delay="indefinite"/>
                       </p:stCondLst>
                       <p:childTnLst>
                         <p:par>
-                          <p:cTn id="18" fill="hold">
+                          <p:cTn id="19" fill="hold">
                             <p:stCondLst>
                               <p:cond delay="0"/>
                             </p:stCondLst>
                             <p:childTnLst>
                               <p:par>
-                                <p:cTn id="19" presetID="9" presetClass="entr" presetSubtype="0" fill="hold" nodeType="clickEffect">
+                                <p:cTn id="20" presetID="22" presetClass="entr" presetSubtype="8" fill="hold" nodeType="clickEffect">
                                   <p:stCondLst>
                                     <p:cond delay="0"/>
                                   </p:stCondLst>
                                   <p:childTnLst>
                                     <p:set>
                                       <p:cBhvr>
-                                        <p:cTn id="20" dur="1" fill="hold">
+                                        <p:cTn id="21" dur="1" fill="hold">
                                           <p:stCondLst>
                                             <p:cond delay="0"/>
                                           </p:stCondLst>
@@ -17750,9 +17744,9 @@
                                         <p:strVal val="visible"/>
                                       </p:to>
                                     </p:set>
-                                    <p:animEffect transition="in" filter="dissolve">
+                                    <p:animEffect transition="in" filter="wipe(left)">
                                       <p:cBhvr>
-                                        <p:cTn id="21" dur="500"/>
+                                        <p:cTn id="22" dur="500"/>
                                         <p:tgtEl>
                                           <p:spTgt spid="3">
                                             <p:txEl>
@@ -17772,26 +17766,26 @@
                     </p:cTn>
                   </p:par>
                   <p:par>
-                    <p:cTn id="22" fill="hold">
+                    <p:cTn id="23" fill="hold">
                       <p:stCondLst>
                         <p:cond delay="indefinite"/>
                       </p:stCondLst>
                       <p:childTnLst>
                         <p:par>
-                          <p:cTn id="23" fill="hold">
+                          <p:cTn id="24" fill="hold">
                             <p:stCondLst>
                               <p:cond delay="0"/>
                             </p:stCondLst>
                             <p:childTnLst>
                               <p:par>
-                                <p:cTn id="24" presetID="9" presetClass="entr" presetSubtype="0" fill="hold" nodeType="clickEffect">
+                                <p:cTn id="25" presetID="9" presetClass="entr" presetSubtype="0" fill="hold" nodeType="clickEffect">
                                   <p:stCondLst>
                                     <p:cond delay="0"/>
                                   </p:stCondLst>
                                   <p:childTnLst>
                                     <p:set>
                                       <p:cBhvr>
-                                        <p:cTn id="25" dur="1" fill="hold">
+                                        <p:cTn id="26" dur="1" fill="hold">
                                           <p:stCondLst>
                                             <p:cond delay="0"/>
                                           </p:stCondLst>
@@ -17813,7 +17807,7 @@
                                     </p:set>
                                     <p:animEffect transition="in" filter="dissolve">
                                       <p:cBhvr>
-                                        <p:cTn id="26" dur="500"/>
+                                        <p:cTn id="27" dur="500"/>
                                         <p:tgtEl>
                                           <p:spTgt spid="3">
                                             <p:txEl>
@@ -17833,26 +17827,642 @@
                     </p:cTn>
                   </p:par>
                   <p:par>
-                    <p:cTn id="27" fill="hold">
+                    <p:cTn id="28" fill="hold">
                       <p:stCondLst>
                         <p:cond delay="indefinite"/>
                       </p:stCondLst>
                       <p:childTnLst>
                         <p:par>
-                          <p:cTn id="28" fill="hold">
+                          <p:cTn id="29" fill="hold">
                             <p:stCondLst>
                               <p:cond delay="0"/>
                             </p:stCondLst>
                             <p:childTnLst>
                               <p:par>
-                                <p:cTn id="29" presetID="15" presetClass="entr" presetSubtype="0" fill="hold" nodeType="clickEffect">
+                                <p:cTn id="30" presetID="22" presetClass="entr" presetSubtype="8" fill="hold" nodeType="clickEffect">
                                   <p:stCondLst>
                                     <p:cond delay="0"/>
                                   </p:stCondLst>
                                   <p:childTnLst>
                                     <p:set>
                                       <p:cBhvr>
-                                        <p:cTn id="30" dur="1" fill="hold">
+                                        <p:cTn id="31" dur="1" fill="hold">
+                                          <p:stCondLst>
+                                            <p:cond delay="0"/>
+                                          </p:stCondLst>
+                                        </p:cTn>
+                                        <p:tgtEl>
+                                          <p:spTgt spid="9">
+                                            <p:txEl>
+                                              <p:pRg st="0" end="0"/>
+                                            </p:txEl>
+                                          </p:spTgt>
+                                        </p:tgtEl>
+                                        <p:attrNameLst>
+                                          <p:attrName>style.visibility</p:attrName>
+                                        </p:attrNameLst>
+                                      </p:cBhvr>
+                                      <p:to>
+                                        <p:strVal val="visible"/>
+                                      </p:to>
+                                    </p:set>
+                                    <p:animEffect transition="in" filter="wipe(left)">
+                                      <p:cBhvr>
+                                        <p:cTn id="32" dur="500"/>
+                                        <p:tgtEl>
+                                          <p:spTgt spid="9">
+                                            <p:txEl>
+                                              <p:pRg st="0" end="0"/>
+                                            </p:txEl>
+                                          </p:spTgt>
+                                        </p:tgtEl>
+                                      </p:cBhvr>
+                                    </p:animEffect>
+                                  </p:childTnLst>
+                                </p:cTn>
+                              </p:par>
+                            </p:childTnLst>
+                          </p:cTn>
+                        </p:par>
+                        <p:par>
+                          <p:cTn id="33" fill="hold">
+                            <p:stCondLst>
+                              <p:cond delay="500"/>
+                            </p:stCondLst>
+                            <p:childTnLst>
+                              <p:par>
+                                <p:cTn id="34" presetID="22" presetClass="entr" presetSubtype="8" fill="hold" grpId="0" nodeType="afterEffect">
+                                  <p:stCondLst>
+                                    <p:cond delay="0"/>
+                                  </p:stCondLst>
+                                  <p:childTnLst>
+                                    <p:set>
+                                      <p:cBhvr>
+                                        <p:cTn id="35" dur="1" fill="hold">
+                                          <p:stCondLst>
+                                            <p:cond delay="0"/>
+                                          </p:stCondLst>
+                                        </p:cTn>
+                                        <p:tgtEl>
+                                          <p:spTgt spid="11"/>
+                                        </p:tgtEl>
+                                        <p:attrNameLst>
+                                          <p:attrName>style.visibility</p:attrName>
+                                        </p:attrNameLst>
+                                      </p:cBhvr>
+                                      <p:to>
+                                        <p:strVal val="visible"/>
+                                      </p:to>
+                                    </p:set>
+                                    <p:animEffect transition="in" filter="wipe(left)">
+                                      <p:cBhvr>
+                                        <p:cTn id="36" dur="500"/>
+                                        <p:tgtEl>
+                                          <p:spTgt spid="11"/>
+                                        </p:tgtEl>
+                                      </p:cBhvr>
+                                    </p:animEffect>
+                                  </p:childTnLst>
+                                </p:cTn>
+                              </p:par>
+                            </p:childTnLst>
+                          </p:cTn>
+                        </p:par>
+                      </p:childTnLst>
+                    </p:cTn>
+                  </p:par>
+                </p:childTnLst>
+              </p:cTn>
+              <p:prevCondLst>
+                <p:cond evt="onPrev" delay="0">
+                  <p:tgtEl>
+                    <p:sldTgt/>
+                  </p:tgtEl>
+                </p:cond>
+              </p:prevCondLst>
+              <p:nextCondLst>
+                <p:cond evt="onNext" delay="0">
+                  <p:tgtEl>
+                    <p:sldTgt/>
+                  </p:tgtEl>
+                </p:cond>
+              </p:nextCondLst>
+            </p:seq>
+          </p:childTnLst>
+        </p:cTn>
+      </p:par>
+    </p:tnLst>
+    <p:bldLst>
+      <p:bldP spid="11" grpId="0"/>
+    </p:bldLst>
+  </p:timing>
+</p:sld>
+</file>
+
+<file path=ppt/slides/slide33.xml><?xml version="1.0" encoding="utf-8"?>
+<p:sld xmlns:a="http://schemas.openxmlformats.org/drawingml/2006/main" xmlns:r="http://schemas.openxmlformats.org/officeDocument/2006/relationships" xmlns:mc="http://schemas.openxmlformats.org/markup-compatibility/2006" xmlns:mv="urn:schemas-microsoft-com:mac:vml" xmlns:p="http://schemas.openxmlformats.org/presentationml/2006/main" mc:Ignorable="mv" mc:PreserveAttributes="mv:*">
+  <p:cSld>
+    <p:spTree>
+      <p:nvGrpSpPr>
+        <p:cNvPr id="1" name=""/>
+        <p:cNvGrpSpPr/>
+        <p:nvPr/>
+      </p:nvGrpSpPr>
+      <p:grpSpPr>
+        <a:xfrm>
+          <a:off x="0" y="0"/>
+          <a:ext cx="0" cy="0"/>
+          <a:chOff x="0" y="0"/>
+          <a:chExt cx="0" cy="0"/>
+        </a:xfrm>
+      </p:grpSpPr>
+      <p:sp>
+        <p:nvSpPr>
+          <p:cNvPr id="3" name="Content Placeholder 2"/>
+          <p:cNvSpPr>
+            <a:spLocks noGrp="1"/>
+          </p:cNvSpPr>
+          <p:nvPr>
+            <p:ph idx="1"/>
+          </p:nvPr>
+        </p:nvSpPr>
+        <p:spPr>
+          <a:xfrm>
+            <a:off x="228600" y="1143000"/>
+            <a:ext cx="8763000" cy="5181600"/>
+          </a:xfrm>
+        </p:spPr>
+        <p:txBody>
+          <a:bodyPr/>
+          <a:lstStyle/>
+          <a:p>
+            <a:pPr>
+              <a:buNone/>
+            </a:pPr>
+            <a:r>
+              <a:rPr lang="en-US" sz="4000" dirty="0" smtClean="0"/>
+              <a:t>Let </a:t>
+            </a:r>
+            <a:r>
+              <a:rPr lang="en-US" sz="4000" dirty="0" smtClean="0">
+                <a:solidFill>
+                  <a:srgbClr val="0000FF"/>
+                </a:solidFill>
+              </a:rPr>
+              <a:t>e(n)</a:t>
+            </a:r>
+            <a:r>
+              <a:rPr lang="en-US" sz="4000" dirty="0" smtClean="0"/>
+              <a:t> ::= expected #H’s in </a:t>
+            </a:r>
+            <a:r>
+              <a:rPr lang="en-US" sz="4000" dirty="0" smtClean="0">
+                <a:solidFill>
+                  <a:srgbClr val="0000FF"/>
+                </a:solidFill>
+              </a:rPr>
+              <a:t>n</a:t>
+            </a:r>
+            <a:r>
+              <a:rPr lang="en-US" sz="4000" dirty="0" smtClean="0"/>
+              <a:t> flips.</a:t>
+            </a:r>
+          </a:p>
+          <a:p>
+            <a:pPr>
+              <a:buNone/>
+            </a:pPr>
+            <a:r>
+              <a:rPr lang="en-US" sz="4000" dirty="0" smtClean="0"/>
+              <a:t>               = </a:t>
+            </a:r>
+            <a:r>
+              <a:rPr lang="en-US" sz="4000" dirty="0" smtClean="0">
+                <a:solidFill>
+                  <a:srgbClr val="0000FF"/>
+                </a:solidFill>
+              </a:rPr>
+              <a:t>1 + e(n-1) </a:t>
+            </a:r>
+            <a:r>
+              <a:rPr lang="en-US" sz="4000" dirty="0" smtClean="0"/>
+              <a:t>    if 1st flip H</a:t>
+            </a:r>
+          </a:p>
+          <a:p>
+            <a:pPr>
+              <a:buNone/>
+            </a:pPr>
+            <a:r>
+              <a:rPr lang="en-US" sz="4000" dirty="0" smtClean="0"/>
+              <a:t>               = </a:t>
+            </a:r>
+            <a:r>
+              <a:rPr lang="en-US" sz="4000" dirty="0" smtClean="0">
+                <a:solidFill>
+                  <a:srgbClr val="0000FF"/>
+                </a:solidFill>
+              </a:rPr>
+              <a:t>e(n-1) </a:t>
+            </a:r>
+            <a:r>
+              <a:rPr lang="en-US" sz="4000" dirty="0" smtClean="0"/>
+              <a:t>         if 1st flip T</a:t>
+            </a:r>
+          </a:p>
+          <a:p>
+            <a:pPr>
+              <a:buNone/>
+            </a:pPr>
+            <a:r>
+              <a:rPr lang="en-US" sz="4000" dirty="0" smtClean="0"/>
+              <a:t>by Total Expectation:</a:t>
+            </a:r>
+          </a:p>
+          <a:p>
+            <a:pPr>
+              <a:buNone/>
+            </a:pPr>
+            <a:r>
+              <a:rPr lang="en-US" sz="4400" dirty="0" smtClean="0">
+                <a:solidFill>
+                  <a:srgbClr val="0000FF"/>
+                </a:solidFill>
+              </a:rPr>
+              <a:t>    e(n)</a:t>
+            </a:r>
+            <a:r>
+              <a:rPr lang="en-US" sz="4400" dirty="0" smtClean="0"/>
+              <a:t> = </a:t>
+            </a:r>
+            <a:r>
+              <a:rPr lang="en-US" sz="4400" dirty="0" smtClean="0">
+                <a:solidFill>
+                  <a:srgbClr val="0000FF"/>
+                </a:solidFill>
+              </a:rPr>
+              <a:t>[1 + e(n-1)]</a:t>
+            </a:r>
+            <a:r>
+              <a:rPr lang="en-US" sz="4400" dirty="0" smtClean="0">
+                <a:latin typeface="Euclid Symbol" charset="2"/>
+                <a:cs typeface="Euclid Symbol" charset="2"/>
+                <a:sym typeface="Symbol" pitchFamily="18" charset="2"/>
+              </a:rPr>
+              <a:t>⋅</a:t>
+            </a:r>
+            <a:r>
+              <a:rPr lang="en-US" sz="4400" dirty="0" smtClean="0">
+                <a:solidFill>
+                  <a:srgbClr val="0000FF"/>
+                </a:solidFill>
+              </a:rPr>
+              <a:t>p + e(n-1)</a:t>
+            </a:r>
+            <a:r>
+              <a:rPr lang="en-US" sz="4400" dirty="0" smtClean="0">
+                <a:latin typeface="Euclid Symbol" charset="2"/>
+                <a:cs typeface="Euclid Symbol" charset="2"/>
+                <a:sym typeface="Symbol" pitchFamily="18" charset="2"/>
+              </a:rPr>
+              <a:t>⋅</a:t>
+            </a:r>
+            <a:r>
+              <a:rPr lang="en-US" sz="4400" dirty="0" smtClean="0">
+                <a:solidFill>
+                  <a:srgbClr val="0000FF"/>
+                </a:solidFill>
+                <a:sym typeface="Euclid Symbol"/>
+              </a:rPr>
+              <a:t>q</a:t>
+            </a:r>
+          </a:p>
+          <a:p>
+            <a:pPr>
+              <a:buNone/>
+            </a:pPr>
+            <a:r>
+              <a:rPr lang="en-US" sz="4400" dirty="0" smtClean="0">
+                <a:solidFill>
+                  <a:srgbClr val="0000FF"/>
+                </a:solidFill>
+              </a:rPr>
+              <a:t>    e(n)</a:t>
+            </a:r>
+            <a:r>
+              <a:rPr lang="en-US" sz="4400" dirty="0" smtClean="0"/>
+              <a:t> = </a:t>
+            </a:r>
+            <a:r>
+              <a:rPr lang="en-US" sz="4400" dirty="0" smtClean="0">
+                <a:solidFill>
+                  <a:srgbClr val="0000FF"/>
+                </a:solidFill>
+              </a:rPr>
+              <a:t>e(n-1</a:t>
+            </a:r>
+            <a:r>
+              <a:rPr lang="en-US" sz="4400" dirty="0" smtClean="0">
+                <a:solidFill>
+                  <a:srgbClr val="0000FF"/>
+                </a:solidFill>
+              </a:rPr>
+              <a:t>)+p</a:t>
+            </a:r>
+            <a:endParaRPr lang="en-US" sz="4400" dirty="0" smtClean="0">
+              <a:solidFill>
+                <a:srgbClr val="0000FF"/>
+              </a:solidFill>
+            </a:endParaRPr>
+          </a:p>
+          <a:p>
+            <a:pPr algn="ctr">
+              <a:buNone/>
+            </a:pPr>
+            <a:endParaRPr lang="en-US" sz="4400" dirty="0">
+              <a:solidFill>
+                <a:srgbClr val="0000FF"/>
+              </a:solidFill>
+            </a:endParaRPr>
+          </a:p>
+        </p:txBody>
+      </p:sp>
+      <p:sp>
+        <p:nvSpPr>
+          <p:cNvPr id="4" name="Rectangle 2"/>
+          <p:cNvSpPr>
+            <a:spLocks noGrp="1" noChangeArrowheads="1"/>
+          </p:cNvSpPr>
+          <p:nvPr>
+            <p:ph type="title"/>
+          </p:nvPr>
+        </p:nvSpPr>
+        <p:spPr>
+          <a:xfrm>
+            <a:off x="1600200" y="152400"/>
+            <a:ext cx="6019800" cy="1066800"/>
+          </a:xfrm>
+        </p:spPr>
+        <p:txBody>
+          <a:bodyPr/>
+          <a:lstStyle/>
+          <a:p>
+            <a:pPr eaLnBrk="1" hangingPunct="1"/>
+            <a:r>
+              <a:rPr lang="en-US" sz="4400" dirty="0" smtClean="0">
+                <a:solidFill>
+                  <a:schemeClr val="tx1"/>
+                </a:solidFill>
+              </a:rPr>
+              <a:t>Expected #Heads</a:t>
+            </a:r>
+          </a:p>
+        </p:txBody>
+      </p:sp>
+      <p:graphicFrame>
+        <p:nvGraphicFramePr>
+          <p:cNvPr id="5" name="Object 4"/>
+          <p:cNvGraphicFramePr>
+            <a:graphicFrameLocks noChangeAspect="1"/>
+          </p:cNvGraphicFramePr>
+          <p:nvPr/>
+        </p:nvGraphicFramePr>
+        <p:xfrm>
+          <a:off x="4025900" y="3048000"/>
+          <a:ext cx="914400" cy="220663"/>
+        </p:xfrm>
+        <a:graphic>
+          <a:graphicData uri="http://schemas.openxmlformats.org/presentationml/2006/ole">
+            <p:oleObj spid="_x0000_s1026" name="Equation" r:id="rId4" imgW="914400" imgH="220320" progId="Equation.DSMT4">
+              <p:embed/>
+            </p:oleObj>
+          </a:graphicData>
+        </a:graphic>
+      </p:graphicFrame>
+      <p:graphicFrame>
+        <p:nvGraphicFramePr>
+          <p:cNvPr id="189445" name="Object 5"/>
+          <p:cNvGraphicFramePr>
+            <a:graphicFrameLocks noChangeAspect="1"/>
+          </p:cNvGraphicFramePr>
+          <p:nvPr/>
+        </p:nvGraphicFramePr>
+        <p:xfrm>
+          <a:off x="6100363" y="4832628"/>
+          <a:ext cx="2335212" cy="1122362"/>
+        </p:xfrm>
+        <a:graphic>
+          <a:graphicData uri="http://schemas.openxmlformats.org/presentationml/2006/ole">
+            <p:oleObj spid="_x0000_s1027" name="Equation" r:id="rId5" imgW="634680" imgH="304560" progId="Equation.DSMT4">
+              <p:embed/>
+            </p:oleObj>
+          </a:graphicData>
+        </a:graphic>
+      </p:graphicFrame>
+      <p:sp>
+        <p:nvSpPr>
+          <p:cNvPr id="9" name="TextBox 8"/>
+          <p:cNvSpPr txBox="1"/>
+          <p:nvPr/>
+        </p:nvSpPr>
+        <p:spPr>
+          <a:xfrm>
+            <a:off x="4737522" y="4876800"/>
+            <a:ext cx="1292341" cy="830997"/>
+          </a:xfrm>
+          <a:prstGeom prst="rect">
+            <a:avLst/>
+          </a:prstGeom>
+          <a:noFill/>
+        </p:spPr>
+        <p:txBody>
+          <a:bodyPr wrap="none" rtlCol="0">
+            <a:spAutoFit/>
+          </a:bodyPr>
+          <a:lstStyle/>
+          <a:p>
+            <a:r>
+              <a:rPr lang="en-US" sz="4400" i="0" dirty="0" smtClean="0">
+                <a:latin typeface="+mj-lt"/>
+              </a:rPr>
+              <a:t>= </a:t>
+            </a:r>
+            <a:r>
+              <a:rPr lang="en-US" sz="4800" i="0" dirty="0" err="1" smtClean="0">
+                <a:solidFill>
+                  <a:srgbClr val="0000FF"/>
+                </a:solidFill>
+                <a:latin typeface="+mj-lt"/>
+              </a:rPr>
+              <a:t>np</a:t>
+            </a:r>
+            <a:endParaRPr lang="en-US" sz="4800" i="0" dirty="0" smtClean="0">
+              <a:solidFill>
+                <a:srgbClr val="0000FF"/>
+              </a:solidFill>
+              <a:latin typeface="+mj-lt"/>
+            </a:endParaRPr>
+          </a:p>
+        </p:txBody>
+      </p:sp>
+      <p:sp>
+        <p:nvSpPr>
+          <p:cNvPr id="10" name="Rectangle 9"/>
+          <p:cNvSpPr/>
+          <p:nvPr/>
+        </p:nvSpPr>
+        <p:spPr bwMode="auto">
+          <a:xfrm>
+            <a:off x="5118522" y="4724400"/>
+            <a:ext cx="3352800" cy="1295400"/>
+          </a:xfrm>
+          <a:prstGeom prst="rect">
+            <a:avLst/>
+          </a:prstGeom>
+          <a:noFill/>
+          <a:ln w="28575" cap="flat" cmpd="sng" algn="ctr">
+            <a:solidFill>
+              <a:srgbClr val="FF00FF"/>
+            </a:solidFill>
+            <a:prstDash val="solid"/>
+            <a:round/>
+            <a:headEnd type="none" w="med" len="med"/>
+            <a:tailEnd type="arrow" w="lg" len="lg"/>
+          </a:ln>
+          <a:effectLst/>
+        </p:spPr>
+        <p:txBody>
+          <a:bodyPr vert="horz" wrap="square" lIns="91440" tIns="45720" rIns="91440" bIns="45720" numCol="1" rtlCol="0" anchor="t" anchorCtr="0" compatLnSpc="1">
+            <a:prstTxWarp prst="textNoShape">
+              <a:avLst/>
+            </a:prstTxWarp>
+          </a:bodyPr>
+          <a:lstStyle/>
+          <a:p>
+            <a:pPr marL="0" marR="0" indent="0" algn="l" defTabSz="914400" rtl="0" eaLnBrk="1" fontAlgn="base" latinLnBrk="0" hangingPunct="1">
+              <a:lnSpc>
+                <a:spcPct val="100000"/>
+              </a:lnSpc>
+              <a:spcBef>
+                <a:spcPct val="0"/>
+              </a:spcBef>
+              <a:spcAft>
+                <a:spcPct val="0"/>
+              </a:spcAft>
+              <a:buClrTx/>
+              <a:buSzTx/>
+              <a:buFontTx/>
+              <a:buNone/>
+              <a:tabLst/>
+            </a:pPr>
+            <a:endParaRPr kumimoji="0" lang="en-US" sz="3600" b="0" i="1" u="none" strike="noStrike" cap="none" normalizeH="0" baseline="0" smtClean="0">
+              <a:ln>
+                <a:noFill/>
+              </a:ln>
+              <a:solidFill>
+                <a:schemeClr val="tx1"/>
+              </a:solidFill>
+              <a:effectLst/>
+              <a:latin typeface="Times New Roman" pitchFamily="18" charset="0"/>
+            </a:endParaRPr>
+          </a:p>
+        </p:txBody>
+      </p:sp>
+      <p:sp>
+        <p:nvSpPr>
+          <p:cNvPr id="8" name="Slide Number Placeholder 3"/>
+          <p:cNvSpPr>
+            <a:spLocks noGrp="1"/>
+          </p:cNvSpPr>
+          <p:nvPr>
+            <p:ph type="sldNum" sz="quarter" idx="4294967295"/>
+          </p:nvPr>
+        </p:nvSpPr>
+        <p:spPr>
+          <a:xfrm>
+            <a:off x="7554913" y="6577965"/>
+            <a:ext cx="1527175" cy="244475"/>
+          </a:xfrm>
+          <a:prstGeom prst="rect">
+            <a:avLst/>
+          </a:prstGeom>
+        </p:spPr>
+        <p:txBody>
+          <a:bodyPr/>
+          <a:lstStyle/>
+          <a:p>
+            <a:pPr>
+              <a:defRPr/>
+            </a:pPr>
+            <a:r>
+              <a:rPr lang="en-US" sz="1200" dirty="0" err="1">
+                <a:latin typeface="Comic Sans MS"/>
+                <a:cs typeface="Comic Sans MS"/>
+              </a:rPr>
+              <a:t>lec</a:t>
+            </a:r>
+            <a:r>
+              <a:rPr lang="en-US" sz="1200" dirty="0" smtClean="0">
+                <a:latin typeface="Comic Sans MS"/>
+                <a:cs typeface="Comic Sans MS"/>
+              </a:rPr>
+              <a:t> 12F.</a:t>
+            </a:r>
+            <a:fld id="{93DA0692-DAF7-4AFE-9BE7-E02439D3694A}" type="slidenum">
+              <a:rPr lang="en-US" sz="1200" smtClean="0">
+                <a:latin typeface="Comic Sans MS"/>
+                <a:cs typeface="Comic Sans MS"/>
+              </a:rPr>
+              <a:pPr>
+                <a:defRPr/>
+              </a:pPr>
+              <a:t>33</a:t>
+            </a:fld>
+            <a:endParaRPr lang="en-US" sz="1200" dirty="0">
+              <a:latin typeface="Comic Sans MS"/>
+              <a:cs typeface="Comic Sans MS"/>
+            </a:endParaRPr>
+          </a:p>
+        </p:txBody>
+      </p:sp>
+    </p:spTree>
+  </p:cSld>
+  <p:clrMapOvr>
+    <a:masterClrMapping/>
+  </p:clrMapOvr>
+  <p:transition/>
+  <p:timing>
+    <p:tnLst>
+      <p:par>
+        <p:cTn id="1" dur="indefinite" restart="never" nodeType="tmRoot">
+          <p:childTnLst>
+            <p:seq concurrent="1" nextAc="seek">
+              <p:cTn id="2" dur="indefinite" nodeType="mainSeq">
+                <p:childTnLst>
+                  <p:par>
+                    <p:cTn id="3" fill="hold">
+                      <p:stCondLst>
+                        <p:cond delay="indefinite"/>
+                        <p:cond evt="onBegin" delay="0">
+                          <p:tn val="2"/>
+                        </p:cond>
+                      </p:stCondLst>
+                      <p:childTnLst>
+                        <p:par>
+                          <p:cTn id="4" fill="hold">
+                            <p:stCondLst>
+                              <p:cond delay="0"/>
+                            </p:stCondLst>
+                            <p:childTnLst>
+                              <p:par>
+                                <p:cTn id="5" presetID="15" presetClass="entr" presetSubtype="0" fill="hold" nodeType="withEffect">
+                                  <p:stCondLst>
+                                    <p:cond delay="0"/>
+                                  </p:stCondLst>
+                                  <p:childTnLst>
+                                    <p:set>
+                                      <p:cBhvr>
+                                        <p:cTn id="6" dur="1" fill="hold">
                                           <p:stCondLst>
                                             <p:cond delay="0"/>
                                           </p:stCondLst>
@@ -17874,7 +18484,7 @@
                                     </p:set>
                                     <p:anim calcmode="lin" valueType="num">
                                       <p:cBhvr>
-                                        <p:cTn id="31" dur="1000" fill="hold"/>
+                                        <p:cTn id="7" dur="1000" fill="hold"/>
                                         <p:tgtEl>
                                           <p:spTgt spid="9">
                                             <p:txEl>
@@ -17901,7 +18511,7 @@
                                     </p:anim>
                                     <p:anim calcmode="lin" valueType="num">
                                       <p:cBhvr>
-                                        <p:cTn id="32" dur="1000" fill="hold"/>
+                                        <p:cTn id="8" dur="1000" fill="hold"/>
                                         <p:tgtEl>
                                           <p:spTgt spid="9">
                                             <p:txEl>
@@ -17928,7 +18538,7 @@
                                     </p:anim>
                                     <p:anim calcmode="lin" valueType="num">
                                       <p:cBhvr>
-                                        <p:cTn id="33" dur="1000" fill="hold"/>
+                                        <p:cTn id="9" dur="1000" fill="hold"/>
                                         <p:tgtEl>
                                           <p:spTgt spid="9">
                                             <p:txEl>
@@ -17955,7 +18565,7 @@
                                     </p:anim>
                                     <p:anim calcmode="lin" valueType="num">
                                       <p:cBhvr>
-                                        <p:cTn id="34" dur="1000" fill="hold"/>
+                                        <p:cTn id="10" dur="1000" fill="hold"/>
                                         <p:tgtEl>
                                           <p:spTgt spid="9">
                                             <p:txEl>
@@ -17990,26 +18600,26 @@
                     </p:cTn>
                   </p:par>
                   <p:par>
-                    <p:cTn id="35" fill="hold">
+                    <p:cTn id="11" fill="hold">
                       <p:stCondLst>
                         <p:cond delay="indefinite"/>
                       </p:stCondLst>
                       <p:childTnLst>
                         <p:par>
-                          <p:cTn id="36" fill="hold">
+                          <p:cTn id="12" fill="hold">
                             <p:stCondLst>
                               <p:cond delay="0"/>
                             </p:stCondLst>
                             <p:childTnLst>
                               <p:par>
-                                <p:cTn id="37" presetID="1" presetClass="entr" presetSubtype="0" fill="hold" nodeType="clickEffect">
+                                <p:cTn id="13" presetID="1" presetClass="entr" presetSubtype="0" fill="hold" nodeType="clickEffect">
                                   <p:stCondLst>
                                     <p:cond delay="0"/>
                                   </p:stCondLst>
                                   <p:childTnLst>
                                     <p:set>
                                       <p:cBhvr>
-                                        <p:cTn id="38" dur="1" fill="hold">
+                                        <p:cTn id="14" dur="1" fill="hold">
                                           <p:stCondLst>
                                             <p:cond delay="0"/>
                                           </p:stCondLst>
@@ -18032,20 +18642,20 @@
                           </p:cTn>
                         </p:par>
                         <p:par>
-                          <p:cTn id="39" fill="hold">
+                          <p:cTn id="15" fill="hold">
                             <p:stCondLst>
                               <p:cond delay="0"/>
                             </p:stCondLst>
                             <p:childTnLst>
                               <p:par>
-                                <p:cTn id="40" presetID="9" presetClass="entr" presetSubtype="0" fill="hold" grpId="0" nodeType="afterEffect">
+                                <p:cTn id="16" presetID="9" presetClass="entr" presetSubtype="0" fill="hold" grpId="0" nodeType="afterEffect">
                                   <p:stCondLst>
                                     <p:cond delay="0"/>
                                   </p:stCondLst>
                                   <p:childTnLst>
                                     <p:set>
                                       <p:cBhvr>
-                                        <p:cTn id="41" dur="1" fill="hold">
+                                        <p:cTn id="17" dur="1" fill="hold">
                                           <p:stCondLst>
                                             <p:cond delay="0"/>
                                           </p:stCondLst>
@@ -18063,7 +18673,7 @@
                                     </p:set>
                                     <p:animEffect transition="in" filter="dissolve">
                                       <p:cBhvr>
-                                        <p:cTn id="42" dur="500"/>
+                                        <p:cTn id="18" dur="500"/>
                                         <p:tgtEl>
                                           <p:spTgt spid="10"/>
                                         </p:tgtEl>
@@ -18106,7 +18716,7 @@
 </p:sld>
 </file>
 
-<file path=ppt/slides/slide33.xml><?xml version="1.0" encoding="utf-8"?>
+<file path=ppt/slides/slide34.xml><?xml version="1.0" encoding="utf-8"?>
 <p:sld xmlns:a="http://schemas.openxmlformats.org/drawingml/2006/main" xmlns:r="http://schemas.openxmlformats.org/officeDocument/2006/relationships" xmlns:mc="http://schemas.openxmlformats.org/markup-compatibility/2006" xmlns:mv="urn:schemas-microsoft-com:mac:vml" xmlns:p="http://schemas.openxmlformats.org/presentationml/2006/main" mc:Ignorable="mv" mc:PreserveAttributes="mv:*" show="0">
   <p:cSld>
     <p:spTree>
@@ -18468,7 +19078,7 @@
               <a:pPr>
                 <a:defRPr/>
               </a:pPr>
-              <a:t>33</a:t>
+              <a:t>34</a:t>
             </a:fld>
             <a:endParaRPr lang="en-US" sz="1200" dirty="0">
               <a:latin typeface="Comic Sans MS"/>
@@ -18483,7 +19093,7 @@
     <a:masterClrMapping/>
   </p:clrMapOvr>
   <p:transition>
-    <p:fade thruBlk="1"/>
+    <p:fade/>
   </p:transition>
   <p:timing>
     <p:tnLst>
@@ -18809,7 +19419,7 @@
 </p:sld>
 </file>
 
-<file path=ppt/slides/slide34.xml><?xml version="1.0" encoding="utf-8"?>
+<file path=ppt/slides/slide35.xml><?xml version="1.0" encoding="utf-8"?>
 <p:sld xmlns:a="http://schemas.openxmlformats.org/drawingml/2006/main" xmlns:r="http://schemas.openxmlformats.org/officeDocument/2006/relationships" xmlns:mc="http://schemas.openxmlformats.org/markup-compatibility/2006" xmlns:mv="urn:schemas-microsoft-com:mac:vml" xmlns:p="http://schemas.openxmlformats.org/presentationml/2006/main" mc:Ignorable="mv" mc:PreserveAttributes="mv:*" show="0">
   <p:cSld>
     <p:spTree>
@@ -19162,7 +19772,7 @@
             <a:fld id="{93DA0692-DAF7-4AFE-9BE7-E02439D3694A}" type="slidenum">
               <a:rPr lang="en-US" smtClean="0"/>
               <a:pPr/>
-              <a:t>34</a:t>
+              <a:t>35</a:t>
             </a:fld>
             <a:endParaRPr lang="en-US" dirty="0"/>
           </a:p>
@@ -19353,7 +19963,9 @@
   <p:clrMapOvr>
     <a:masterClrMapping/>
   </p:clrMapOvr>
-  <p:transition/>
+  <p:transition>
+    <p:fade/>
+  </p:transition>
   <p:timing>
     <p:tnLst>
       <p:par>
@@ -19679,7 +20291,7 @@
 </p:sld>
 </file>
 
-<file path=ppt/slides/slide35.xml><?xml version="1.0" encoding="utf-8"?>
+<file path=ppt/slides/slide36.xml><?xml version="1.0" encoding="utf-8"?>
 <p:sld xmlns:a="http://schemas.openxmlformats.org/drawingml/2006/main" xmlns:r="http://schemas.openxmlformats.org/officeDocument/2006/relationships" xmlns:mc="http://schemas.openxmlformats.org/markup-compatibility/2006" xmlns:mv="urn:schemas-microsoft-com:mac:vml" xmlns:p="http://schemas.openxmlformats.org/presentationml/2006/main" mc:Ignorable="mv" mc:PreserveAttributes="mv:*">
   <p:cSld>
     <p:spTree>
@@ -20518,7 +21130,7 @@
               <a:pPr>
                 <a:defRPr/>
               </a:pPr>
-              <a:t>35</a:t>
+              <a:t>36</a:t>
             </a:fld>
             <a:endParaRPr lang="en-US" sz="1200" dirty="0">
               <a:latin typeface="Comic Sans MS"/>
@@ -20532,8 +21144,8 @@
   <p:clrMapOvr>
     <a:masterClrMapping/>
   </p:clrMapOvr>
-  <p:transition spd="slow">
-    <p:fade thruBlk="1"/>
+  <p:transition>
+    <p:fade/>
   </p:transition>
   <p:timing>
     <p:tnLst>
@@ -20899,7 +21511,7 @@
 </p:sld>
 </file>
 
-<file path=ppt/slides/slide36.xml><?xml version="1.0" encoding="utf-8"?>
+<file path=ppt/slides/slide37.xml><?xml version="1.0" encoding="utf-8"?>
 <p:sld xmlns:a="http://schemas.openxmlformats.org/drawingml/2006/main" xmlns:r="http://schemas.openxmlformats.org/officeDocument/2006/relationships" xmlns:mc="http://schemas.openxmlformats.org/markup-compatibility/2006" xmlns:mv="urn:schemas-microsoft-com:mac:vml" xmlns:p="http://schemas.openxmlformats.org/presentationml/2006/main" mc:Ignorable="mv" mc:PreserveAttributes="mv:*">
   <p:cSld>
     <p:spTree>
@@ -21564,7 +22176,7 @@
               <a:pPr>
                 <a:defRPr/>
               </a:pPr>
-              <a:t>36</a:t>
+              <a:t>37</a:t>
             </a:fld>
             <a:endParaRPr lang="en-US" sz="1200" dirty="0">
               <a:latin typeface="Comic Sans MS"/>
@@ -21578,7 +22190,7 @@
   <p:clrMapOvr>
     <a:masterClrMapping/>
   </p:clrMapOvr>
-  <p:transition spd="slow">
+  <p:transition>
     <p:fade/>
   </p:transition>
   <p:timing>
@@ -21662,7 +22274,7 @@
 </p:sld>
 </file>
 
-<file path=ppt/slides/slide37.xml><?xml version="1.0" encoding="utf-8"?>
+<file path=ppt/slides/slide38.xml><?xml version="1.0" encoding="utf-8"?>
 <p:sld xmlns:a="http://schemas.openxmlformats.org/drawingml/2006/main" xmlns:r="http://schemas.openxmlformats.org/officeDocument/2006/relationships" xmlns:mc="http://schemas.openxmlformats.org/markup-compatibility/2006" xmlns:mv="urn:schemas-microsoft-com:mac:vml" xmlns:p="http://schemas.openxmlformats.org/presentationml/2006/main" mc:Ignorable="mv" mc:PreserveAttributes="mv:*">
   <p:cSld>
     <p:spTree>
@@ -22731,7 +23343,7 @@
               <a:pPr>
                 <a:defRPr/>
               </a:pPr>
-              <a:t>37</a:t>
+              <a:t>38</a:t>
             </a:fld>
             <a:endParaRPr lang="en-US" sz="1200" dirty="0">
               <a:latin typeface="Comic Sans MS"/>
@@ -23121,7 +23733,7 @@
 </p:sld>
 </file>
 
-<file path=ppt/slides/slide38.xml><?xml version="1.0" encoding="utf-8"?>
+<file path=ppt/slides/slide39.xml><?xml version="1.0" encoding="utf-8"?>
 <p:sld xmlns:a="http://schemas.openxmlformats.org/drawingml/2006/main" xmlns:r="http://schemas.openxmlformats.org/officeDocument/2006/relationships" xmlns:mc="http://schemas.openxmlformats.org/markup-compatibility/2006" xmlns:mv="urn:schemas-microsoft-com:mac:vml" xmlns:p="http://schemas.openxmlformats.org/presentationml/2006/main" mc:Ignorable="mv" mc:PreserveAttributes="mv:*">
   <p:cSld>
     <p:spTree>
@@ -23906,7 +24518,7 @@
               <a:pPr>
                 <a:defRPr/>
               </a:pPr>
-              <a:t>38</a:t>
+              <a:t>39</a:t>
             </a:fld>
             <a:endParaRPr lang="en-US" sz="1200" dirty="0">
               <a:latin typeface="Comic Sans MS"/>
@@ -23969,7 +24581,7 @@
   <p:clrMapOvr>
     <a:masterClrMapping/>
   </p:clrMapOvr>
-  <p:transition spd="slow">
+  <p:transition>
     <p:fade/>
   </p:transition>
   <p:timing>
@@ -24061,217 +24673,6 @@
 </p:sld>
 </file>
 
-<file path=ppt/slides/slide39.xml><?xml version="1.0" encoding="utf-8"?>
-<p:sld xmlns:a="http://schemas.openxmlformats.org/drawingml/2006/main" xmlns:r="http://schemas.openxmlformats.org/officeDocument/2006/relationships" xmlns:mc="http://schemas.openxmlformats.org/markup-compatibility/2006" xmlns:mv="urn:schemas-microsoft-com:mac:vml" xmlns:p="http://schemas.openxmlformats.org/presentationml/2006/main" mc:Ignorable="mv" mc:PreserveAttributes="mv:*">
-  <p:cSld>
-    <p:spTree>
-      <p:nvGrpSpPr>
-        <p:cNvPr id="1" name=""/>
-        <p:cNvGrpSpPr/>
-        <p:nvPr/>
-      </p:nvGrpSpPr>
-      <p:grpSpPr>
-        <a:xfrm>
-          <a:off x="0" y="0"/>
-          <a:ext cx="0" cy="0"/>
-          <a:chOff x="0" y="0"/>
-          <a:chExt cx="0" cy="0"/>
-        </a:xfrm>
-      </p:grpSpPr>
-      <p:sp>
-        <p:nvSpPr>
-          <p:cNvPr id="25602" name="Rectangle 2"/>
-          <p:cNvSpPr>
-            <a:spLocks noGrp="1" noChangeArrowheads="1"/>
-          </p:cNvSpPr>
-          <p:nvPr>
-            <p:ph type="title"/>
-          </p:nvPr>
-        </p:nvSpPr>
-        <p:spPr>
-          <a:xfrm>
-            <a:off x="1600200" y="152400"/>
-            <a:ext cx="5943600" cy="1066800"/>
-          </a:xfrm>
-        </p:spPr>
-        <p:txBody>
-          <a:bodyPr/>
-          <a:lstStyle/>
-          <a:p>
-            <a:pPr eaLnBrk="1" hangingPunct="1"/>
-            <a:r>
-              <a:rPr lang="en-US" dirty="0" smtClean="0"/>
-              <a:t>Mean Time to “Failure”</a:t>
-            </a:r>
-          </a:p>
-        </p:txBody>
-      </p:sp>
-      <p:sp>
-        <p:nvSpPr>
-          <p:cNvPr id="628752" name="Rectangle 16"/>
-          <p:cNvSpPr>
-            <a:spLocks noChangeArrowheads="1"/>
-          </p:cNvSpPr>
-          <p:nvPr/>
-        </p:nvSpPr>
-        <p:spPr bwMode="auto">
-          <a:xfrm>
-            <a:off x="713630" y="1226403"/>
-            <a:ext cx="7774885" cy="830997"/>
-          </a:xfrm>
-          <a:prstGeom prst="rect">
-            <a:avLst/>
-          </a:prstGeom>
-          <a:noFill/>
-          <a:ln w="28575">
-            <a:noFill/>
-            <a:miter lim="800000"/>
-            <a:headEnd/>
-            <a:tailEnd type="none" w="lg" len="lg"/>
-          </a:ln>
-        </p:spPr>
-        <p:txBody>
-          <a:bodyPr wrap="none">
-            <a:spAutoFit/>
-          </a:bodyPr>
-          <a:lstStyle/>
-          <a:p>
-            <a:pPr algn="ctr">
-              <a:spcBef>
-                <a:spcPts val="1200"/>
-              </a:spcBef>
-            </a:pPr>
-            <a:r>
-              <a:rPr lang="en-US" sz="4800" i="0" dirty="0">
-                <a:solidFill>
-                  <a:srgbClr val="0000FF"/>
-                </a:solidFill>
-                <a:latin typeface="Comic Sans MS" pitchFamily="66" charset="0"/>
-              </a:rPr>
-              <a:t>E[</a:t>
-            </a:r>
-            <a:r>
-              <a:rPr lang="en-US" sz="4800" i="0" dirty="0">
-                <a:solidFill>
-                  <a:srgbClr val="008000"/>
-                </a:solidFill>
-                <a:latin typeface="Comic Sans MS" pitchFamily="66" charset="0"/>
-              </a:rPr>
-              <a:t># flips until first head</a:t>
-            </a:r>
-            <a:r>
-              <a:rPr lang="en-US" sz="4800" i="0" dirty="0" smtClean="0">
-                <a:solidFill>
-                  <a:srgbClr val="0000FF"/>
-                </a:solidFill>
-                <a:latin typeface="Comic Sans MS" pitchFamily="66" charset="0"/>
-              </a:rPr>
-              <a:t>] </a:t>
-            </a:r>
-            <a:endParaRPr lang="en-US" sz="6000" i="0" dirty="0">
-              <a:solidFill>
-                <a:srgbClr val="008000"/>
-              </a:solidFill>
-              <a:latin typeface="Comic Sans MS" pitchFamily="66" charset="0"/>
-            </a:endParaRPr>
-          </a:p>
-        </p:txBody>
-      </p:sp>
-      <p:graphicFrame>
-        <p:nvGraphicFramePr>
-          <p:cNvPr id="194563" name="Object 3"/>
-          <p:cNvGraphicFramePr>
-            <a:graphicFrameLocks noChangeAspect="1"/>
-          </p:cNvGraphicFramePr>
-          <p:nvPr/>
-        </p:nvGraphicFramePr>
-        <p:xfrm>
-          <a:off x="3733800" y="2286000"/>
-          <a:ext cx="1725613" cy="2824162"/>
-        </p:xfrm>
-        <a:graphic>
-          <a:graphicData uri="http://schemas.openxmlformats.org/presentationml/2006/ole">
-            <p:oleObj spid="_x0000_s227330" name="Equation" r:id="rId4" imgW="279360" imgH="457200" progId="Equation.DSMT4">
-              <p:embed/>
-            </p:oleObj>
-          </a:graphicData>
-        </a:graphic>
-      </p:graphicFrame>
-      <p:sp>
-        <p:nvSpPr>
-          <p:cNvPr id="5" name="Slide Number Placeholder 3"/>
-          <p:cNvSpPr>
-            <a:spLocks noGrp="1"/>
-          </p:cNvSpPr>
-          <p:nvPr>
-            <p:ph type="sldNum" sz="quarter" idx="4294967295"/>
-          </p:nvPr>
-        </p:nvSpPr>
-        <p:spPr>
-          <a:xfrm>
-            <a:off x="7554913" y="6577965"/>
-            <a:ext cx="1527175" cy="244475"/>
-          </a:xfrm>
-          <a:prstGeom prst="rect">
-            <a:avLst/>
-          </a:prstGeom>
-        </p:spPr>
-        <p:txBody>
-          <a:bodyPr/>
-          <a:lstStyle/>
-          <a:p>
-            <a:pPr>
-              <a:defRPr/>
-            </a:pPr>
-            <a:r>
-              <a:rPr lang="en-US" sz="1200" dirty="0" err="1">
-                <a:latin typeface="Comic Sans MS"/>
-                <a:cs typeface="Comic Sans MS"/>
-              </a:rPr>
-              <a:t>lec</a:t>
-            </a:r>
-            <a:r>
-              <a:rPr lang="en-US" sz="1200" dirty="0" smtClean="0">
-                <a:latin typeface="Comic Sans MS"/>
-                <a:cs typeface="Comic Sans MS"/>
-              </a:rPr>
-              <a:t> 12F.</a:t>
-            </a:r>
-            <a:fld id="{93DA0692-DAF7-4AFE-9BE7-E02439D3694A}" type="slidenum">
-              <a:rPr lang="en-US" sz="1200" smtClean="0">
-                <a:latin typeface="Comic Sans MS"/>
-                <a:cs typeface="Comic Sans MS"/>
-              </a:rPr>
-              <a:pPr>
-                <a:defRPr/>
-              </a:pPr>
-              <a:t>39</a:t>
-            </a:fld>
-            <a:endParaRPr lang="en-US" sz="1200" dirty="0">
-              <a:latin typeface="Comic Sans MS"/>
-              <a:cs typeface="Comic Sans MS"/>
-            </a:endParaRPr>
-          </a:p>
-        </p:txBody>
-      </p:sp>
-    </p:spTree>
-  </p:cSld>
-  <p:clrMapOvr>
-    <a:masterClrMapping/>
-  </p:clrMapOvr>
-  <p:transition spd="slow">
-    <p:fade/>
-  </p:transition>
-  <p:timing>
-    <p:tnLst>
-      <p:par>
-        <p:cTn id="1" dur="indefinite" restart="never" nodeType="tmRoot"/>
-      </p:par>
-    </p:tnLst>
-  </p:timing>
-</p:sld>
-</file>
-
 <file path=ppt/slides/slide4.xml><?xml version="1.0" encoding="utf-8"?>
 <p:sld xmlns:a="http://schemas.openxmlformats.org/drawingml/2006/main" xmlns:r="http://schemas.openxmlformats.org/officeDocument/2006/relationships" xmlns:mc="http://schemas.openxmlformats.org/markup-compatibility/2006" xmlns:mv="urn:schemas-microsoft-com:mac:vml" xmlns:p="http://schemas.openxmlformats.org/presentationml/2006/main" mc:Ignorable="mv" mc:PreserveAttributes="mv:*" show="0">
   <p:cSld>
@@ -24541,7 +24942,9 @@
   <p:clrMapOvr>
     <a:masterClrMapping/>
   </p:clrMapOvr>
-  <p:transition/>
+  <p:transition>
+    <p:fade/>
+  </p:transition>
   <p:timing>
     <p:tnLst>
       <p:par>
@@ -24553,6 +24956,217 @@
 </file>
 
 <file path=ppt/slides/slide40.xml><?xml version="1.0" encoding="utf-8"?>
+<p:sld xmlns:a="http://schemas.openxmlformats.org/drawingml/2006/main" xmlns:r="http://schemas.openxmlformats.org/officeDocument/2006/relationships" xmlns:mc="http://schemas.openxmlformats.org/markup-compatibility/2006" xmlns:mv="urn:schemas-microsoft-com:mac:vml" xmlns:p="http://schemas.openxmlformats.org/presentationml/2006/main" mc:Ignorable="mv" mc:PreserveAttributes="mv:*">
+  <p:cSld>
+    <p:spTree>
+      <p:nvGrpSpPr>
+        <p:cNvPr id="1" name=""/>
+        <p:cNvGrpSpPr/>
+        <p:nvPr/>
+      </p:nvGrpSpPr>
+      <p:grpSpPr>
+        <a:xfrm>
+          <a:off x="0" y="0"/>
+          <a:ext cx="0" cy="0"/>
+          <a:chOff x="0" y="0"/>
+          <a:chExt cx="0" cy="0"/>
+        </a:xfrm>
+      </p:grpSpPr>
+      <p:sp>
+        <p:nvSpPr>
+          <p:cNvPr id="25602" name="Rectangle 2"/>
+          <p:cNvSpPr>
+            <a:spLocks noGrp="1" noChangeArrowheads="1"/>
+          </p:cNvSpPr>
+          <p:nvPr>
+            <p:ph type="title"/>
+          </p:nvPr>
+        </p:nvSpPr>
+        <p:spPr>
+          <a:xfrm>
+            <a:off x="1600200" y="152400"/>
+            <a:ext cx="5943600" cy="1066800"/>
+          </a:xfrm>
+        </p:spPr>
+        <p:txBody>
+          <a:bodyPr/>
+          <a:lstStyle/>
+          <a:p>
+            <a:pPr eaLnBrk="1" hangingPunct="1"/>
+            <a:r>
+              <a:rPr lang="en-US" dirty="0" smtClean="0"/>
+              <a:t>Mean Time to “Failure”</a:t>
+            </a:r>
+          </a:p>
+        </p:txBody>
+      </p:sp>
+      <p:sp>
+        <p:nvSpPr>
+          <p:cNvPr id="628752" name="Rectangle 16"/>
+          <p:cNvSpPr>
+            <a:spLocks noChangeArrowheads="1"/>
+          </p:cNvSpPr>
+          <p:nvPr/>
+        </p:nvSpPr>
+        <p:spPr bwMode="auto">
+          <a:xfrm>
+            <a:off x="713630" y="1226403"/>
+            <a:ext cx="7774885" cy="830997"/>
+          </a:xfrm>
+          <a:prstGeom prst="rect">
+            <a:avLst/>
+          </a:prstGeom>
+          <a:noFill/>
+          <a:ln w="28575">
+            <a:noFill/>
+            <a:miter lim="800000"/>
+            <a:headEnd/>
+            <a:tailEnd type="none" w="lg" len="lg"/>
+          </a:ln>
+        </p:spPr>
+        <p:txBody>
+          <a:bodyPr wrap="none">
+            <a:spAutoFit/>
+          </a:bodyPr>
+          <a:lstStyle/>
+          <a:p>
+            <a:pPr algn="ctr">
+              <a:spcBef>
+                <a:spcPts val="1200"/>
+              </a:spcBef>
+            </a:pPr>
+            <a:r>
+              <a:rPr lang="en-US" sz="4800" i="0" dirty="0">
+                <a:solidFill>
+                  <a:srgbClr val="0000FF"/>
+                </a:solidFill>
+                <a:latin typeface="Comic Sans MS" pitchFamily="66" charset="0"/>
+              </a:rPr>
+              <a:t>E[</a:t>
+            </a:r>
+            <a:r>
+              <a:rPr lang="en-US" sz="4800" i="0" dirty="0">
+                <a:solidFill>
+                  <a:srgbClr val="008000"/>
+                </a:solidFill>
+                <a:latin typeface="Comic Sans MS" pitchFamily="66" charset="0"/>
+              </a:rPr>
+              <a:t># flips until first head</a:t>
+            </a:r>
+            <a:r>
+              <a:rPr lang="en-US" sz="4800" i="0" dirty="0" smtClean="0">
+                <a:solidFill>
+                  <a:srgbClr val="0000FF"/>
+                </a:solidFill>
+                <a:latin typeface="Comic Sans MS" pitchFamily="66" charset="0"/>
+              </a:rPr>
+              <a:t>] </a:t>
+            </a:r>
+            <a:endParaRPr lang="en-US" sz="6000" i="0" dirty="0">
+              <a:solidFill>
+                <a:srgbClr val="008000"/>
+              </a:solidFill>
+              <a:latin typeface="Comic Sans MS" pitchFamily="66" charset="0"/>
+            </a:endParaRPr>
+          </a:p>
+        </p:txBody>
+      </p:sp>
+      <p:graphicFrame>
+        <p:nvGraphicFramePr>
+          <p:cNvPr id="194563" name="Object 3"/>
+          <p:cNvGraphicFramePr>
+            <a:graphicFrameLocks noChangeAspect="1"/>
+          </p:cNvGraphicFramePr>
+          <p:nvPr/>
+        </p:nvGraphicFramePr>
+        <p:xfrm>
+          <a:off x="3733800" y="2286000"/>
+          <a:ext cx="1725613" cy="2824162"/>
+        </p:xfrm>
+        <a:graphic>
+          <a:graphicData uri="http://schemas.openxmlformats.org/presentationml/2006/ole">
+            <p:oleObj spid="_x0000_s227330" name="Equation" r:id="rId4" imgW="279360" imgH="457200" progId="Equation.DSMT4">
+              <p:embed/>
+            </p:oleObj>
+          </a:graphicData>
+        </a:graphic>
+      </p:graphicFrame>
+      <p:sp>
+        <p:nvSpPr>
+          <p:cNvPr id="5" name="Slide Number Placeholder 3"/>
+          <p:cNvSpPr>
+            <a:spLocks noGrp="1"/>
+          </p:cNvSpPr>
+          <p:nvPr>
+            <p:ph type="sldNum" sz="quarter" idx="4294967295"/>
+          </p:nvPr>
+        </p:nvSpPr>
+        <p:spPr>
+          <a:xfrm>
+            <a:off x="7554913" y="6577965"/>
+            <a:ext cx="1527175" cy="244475"/>
+          </a:xfrm>
+          <a:prstGeom prst="rect">
+            <a:avLst/>
+          </a:prstGeom>
+        </p:spPr>
+        <p:txBody>
+          <a:bodyPr/>
+          <a:lstStyle/>
+          <a:p>
+            <a:pPr>
+              <a:defRPr/>
+            </a:pPr>
+            <a:r>
+              <a:rPr lang="en-US" sz="1200" dirty="0" err="1">
+                <a:latin typeface="Comic Sans MS"/>
+                <a:cs typeface="Comic Sans MS"/>
+              </a:rPr>
+              <a:t>lec</a:t>
+            </a:r>
+            <a:r>
+              <a:rPr lang="en-US" sz="1200" dirty="0" smtClean="0">
+                <a:latin typeface="Comic Sans MS"/>
+                <a:cs typeface="Comic Sans MS"/>
+              </a:rPr>
+              <a:t> 12F.</a:t>
+            </a:r>
+            <a:fld id="{93DA0692-DAF7-4AFE-9BE7-E02439D3694A}" type="slidenum">
+              <a:rPr lang="en-US" sz="1200" smtClean="0">
+                <a:latin typeface="Comic Sans MS"/>
+                <a:cs typeface="Comic Sans MS"/>
+              </a:rPr>
+              <a:pPr>
+                <a:defRPr/>
+              </a:pPr>
+              <a:t>40</a:t>
+            </a:fld>
+            <a:endParaRPr lang="en-US" sz="1200" dirty="0">
+              <a:latin typeface="Comic Sans MS"/>
+              <a:cs typeface="Comic Sans MS"/>
+            </a:endParaRPr>
+          </a:p>
+        </p:txBody>
+      </p:sp>
+    </p:spTree>
+  </p:cSld>
+  <p:clrMapOvr>
+    <a:masterClrMapping/>
+  </p:clrMapOvr>
+  <p:transition>
+    <p:fade/>
+  </p:transition>
+  <p:timing>
+    <p:tnLst>
+      <p:par>
+        <p:cTn id="1" dur="indefinite" restart="never" nodeType="tmRoot"/>
+      </p:par>
+    </p:tnLst>
+  </p:timing>
+</p:sld>
+</file>
+
+<file path=ppt/slides/slide41.xml><?xml version="1.0" encoding="utf-8"?>
 <p:sld xmlns:a="http://schemas.openxmlformats.org/drawingml/2006/main" xmlns:r="http://schemas.openxmlformats.org/officeDocument/2006/relationships" xmlns:mc="http://schemas.openxmlformats.org/markup-compatibility/2006" xmlns:mv="urn:schemas-microsoft-com:mac:vml" xmlns:p="http://schemas.openxmlformats.org/presentationml/2006/main" mc:Ignorable="mv" mc:PreserveAttributes="mv:*">
   <p:cSld>
     <p:spTree>
@@ -24856,7 +25470,7 @@
               <a:pPr>
                 <a:defRPr/>
               </a:pPr>
-              <a:t>40</a:t>
+              <a:t>41</a:t>
             </a:fld>
             <a:endParaRPr lang="en-US" sz="1200" dirty="0">
               <a:latin typeface="Comic Sans MS"/>
@@ -24870,7 +25484,9 @@
   <p:clrMapOvr>
     <a:masterClrMapping/>
   </p:clrMapOvr>
-  <p:transition/>
+  <p:transition>
+    <p:fade/>
+  </p:transition>
   <p:timing>
     <p:tnLst>
       <p:par>
@@ -25052,7 +25668,7 @@
                             </p:stCondLst>
                             <p:childTnLst>
                               <p:par>
-                                <p:cTn id="17" presetID="1" presetClass="entr" presetSubtype="0" fill="hold" nodeType="clickEffect">
+                                <p:cTn id="17" presetID="9" presetClass="entr" presetSubtype="0" fill="hold" nodeType="clickEffect">
                                   <p:stCondLst>
                                     <p:cond delay="0"/>
                                   </p:stCondLst>
@@ -25079,6 +25695,18 @@
                                         <p:strVal val="visible"/>
                                       </p:to>
                                     </p:set>
+                                    <p:animEffect transition="in" filter="dissolve">
+                                      <p:cBhvr>
+                                        <p:cTn id="19" dur="500"/>
+                                        <p:tgtEl>
+                                          <p:spTgt spid="626691">
+                                            <p:txEl>
+                                              <p:pRg st="5" end="5"/>
+                                            </p:txEl>
+                                          </p:spTgt>
+                                        </p:tgtEl>
+                                      </p:cBhvr>
+                                    </p:animEffect>
                                   </p:childTnLst>
                                 </p:cTn>
                               </p:par>
@@ -25113,7 +25741,7 @@
 </p:sld>
 </file>
 
-<file path=ppt/slides/slide41.xml><?xml version="1.0" encoding="utf-8"?>
+<file path=ppt/slides/slide42.xml><?xml version="1.0" encoding="utf-8"?>
 <p:sld xmlns:a="http://schemas.openxmlformats.org/drawingml/2006/main" xmlns:r="http://schemas.openxmlformats.org/officeDocument/2006/relationships" xmlns:mc="http://schemas.openxmlformats.org/markup-compatibility/2006" xmlns:mv="urn:schemas-microsoft-com:mac:vml" xmlns:p="http://schemas.openxmlformats.org/presentationml/2006/main" mc:Ignorable="mv" mc:PreserveAttributes="mv:*" show="0">
   <p:cSld>
     <p:spTree>
@@ -25489,7 +26117,7 @@
               <a:pPr>
                 <a:defRPr/>
               </a:pPr>
-              <a:t>41</a:t>
+              <a:t>42</a:t>
             </a:fld>
             <a:endParaRPr lang="en-US" sz="1200" dirty="0">
               <a:latin typeface="Comic Sans MS"/>
@@ -25503,7 +26131,9 @@
   <p:clrMapOvr>
     <a:masterClrMapping/>
   </p:clrMapOvr>
-  <p:transition/>
+  <p:transition>
+    <p:fade/>
+  </p:transition>
   <p:timing>
     <p:tnLst>
       <p:par>
@@ -25949,7 +26579,7 @@
 </p:sld>
 </file>
 
-<file path=ppt/slides/slide42.xml><?xml version="1.0" encoding="utf-8"?>
+<file path=ppt/slides/slide43.xml><?xml version="1.0" encoding="utf-8"?>
 <p:sld xmlns:a="http://schemas.openxmlformats.org/drawingml/2006/main" xmlns:r="http://schemas.openxmlformats.org/officeDocument/2006/relationships" xmlns:mc="http://schemas.openxmlformats.org/markup-compatibility/2006" xmlns:mv="urn:schemas-microsoft-com:mac:vml" xmlns:p="http://schemas.openxmlformats.org/presentationml/2006/main" mc:Ignorable="mv" mc:PreserveAttributes="mv:*" show="0">
   <p:cSld>
     <p:spTree>
@@ -26223,7 +26853,7 @@
               <a:pPr>
                 <a:defRPr/>
               </a:pPr>
-              <a:t>42</a:t>
+              <a:t>43</a:t>
             </a:fld>
             <a:endParaRPr lang="en-US" sz="1200" dirty="0">
               <a:latin typeface="Comic Sans MS"/>
@@ -26237,7 +26867,9 @@
   <p:clrMapOvr>
     <a:masterClrMapping/>
   </p:clrMapOvr>
-  <p:transition/>
+  <p:transition>
+    <p:fade/>
+  </p:transition>
   <p:timing>
     <p:tnLst>
       <p:par>
@@ -26428,7 +27060,7 @@
 </p:sld>
 </file>
 
-<file path=ppt/slides/slide43.xml><?xml version="1.0" encoding="utf-8"?>
+<file path=ppt/slides/slide44.xml><?xml version="1.0" encoding="utf-8"?>
 <p:sld xmlns:a="http://schemas.openxmlformats.org/drawingml/2006/main" xmlns:r="http://schemas.openxmlformats.org/officeDocument/2006/relationships" xmlns:mc="http://schemas.openxmlformats.org/markup-compatibility/2006" xmlns:mv="urn:schemas-microsoft-com:mac:vml" xmlns:p="http://schemas.openxmlformats.org/presentationml/2006/main" mc:Ignorable="mv" mc:PreserveAttributes="mv:*">
   <p:cSld>
     <p:spTree>
@@ -26813,7 +27445,7 @@
               <a:pPr>
                 <a:defRPr/>
               </a:pPr>
-              <a:t>43</a:t>
+              <a:t>44</a:t>
             </a:fld>
             <a:endParaRPr lang="en-US" sz="1200" dirty="0">
               <a:latin typeface="Comic Sans MS"/>
@@ -27145,7 +27777,7 @@
 </p:sld>
 </file>
 
-<file path=ppt/slides/slide44.xml><?xml version="1.0" encoding="utf-8"?>
+<file path=ppt/slides/slide45.xml><?xml version="1.0" encoding="utf-8"?>
 <p:sld xmlns:a="http://schemas.openxmlformats.org/drawingml/2006/main" xmlns:r="http://schemas.openxmlformats.org/officeDocument/2006/relationships" xmlns:mc="http://schemas.openxmlformats.org/markup-compatibility/2006" xmlns:mv="urn:schemas-microsoft-com:mac:vml" xmlns:p="http://schemas.openxmlformats.org/presentationml/2006/main" mc:Ignorable="mv" mc:PreserveAttributes="mv:*" show="0">
   <p:cSld>
     <p:spTree>
@@ -27925,7 +28557,7 @@
               <a:pPr>
                 <a:defRPr/>
               </a:pPr>
-              <a:t>44</a:t>
+              <a:t>45</a:t>
             </a:fld>
             <a:endParaRPr lang="en-US" sz="1200" dirty="0">
               <a:latin typeface="Comic Sans MS"/>
@@ -28219,7 +28851,7 @@
 </p:sld>
 </file>
 
-<file path=ppt/slides/slide45.xml><?xml version="1.0" encoding="utf-8"?>
+<file path=ppt/slides/slide46.xml><?xml version="1.0" encoding="utf-8"?>
 <p:sld xmlns:a="http://schemas.openxmlformats.org/drawingml/2006/main" xmlns:r="http://schemas.openxmlformats.org/officeDocument/2006/relationships" xmlns:mc="http://schemas.openxmlformats.org/markup-compatibility/2006" xmlns:mv="urn:schemas-microsoft-com:mac:vml" xmlns:p="http://schemas.openxmlformats.org/presentationml/2006/main" mc:Ignorable="mv" mc:PreserveAttributes="mv:*">
   <p:cSld>
     <p:spTree>
@@ -28435,7 +29067,7 @@
               <a:pPr>
                 <a:defRPr/>
               </a:pPr>
-              <a:t>45</a:t>
+              <a:t>46</a:t>
             </a:fld>
             <a:endParaRPr lang="en-US" sz="1200" dirty="0">
               <a:latin typeface="Comic Sans MS"/>
@@ -28450,7 +29082,7 @@
     <a:masterClrMapping/>
   </p:clrMapOvr>
   <p:transition>
-    <p:fade thruBlk="1"/>
+    <p:fade/>
   </p:transition>
   <p:timing>
     <p:tnLst>
@@ -28633,7 +29265,7 @@
 </p:sld>
 </file>
 
-<file path=ppt/slides/slide46.xml><?xml version="1.0" encoding="utf-8"?>
+<file path=ppt/slides/slide47.xml><?xml version="1.0" encoding="utf-8"?>
 <p:sld xmlns:a="http://schemas.openxmlformats.org/drawingml/2006/main" xmlns:r="http://schemas.openxmlformats.org/officeDocument/2006/relationships" xmlns:mc="http://schemas.openxmlformats.org/markup-compatibility/2006" xmlns:mv="urn:schemas-microsoft-com:mac:vml" xmlns:p="http://schemas.openxmlformats.org/presentationml/2006/main" mc:Ignorable="mv" mc:PreserveAttributes="mv:*">
   <p:cSld>
     <p:spTree>
@@ -28942,7 +29574,7 @@
               <a:pPr>
                 <a:defRPr/>
               </a:pPr>
-              <a:t>46</a:t>
+              <a:t>47</a:t>
             </a:fld>
             <a:endParaRPr lang="en-US" sz="1200" dirty="0">
               <a:latin typeface="Comic Sans MS"/>
@@ -29062,30 +29694,21 @@
                             </p:childTnLst>
                           </p:cTn>
                         </p:par>
-                      </p:childTnLst>
-                    </p:cTn>
-                  </p:par>
-                  <p:par>
-                    <p:cTn id="12" fill="hold">
-                      <p:stCondLst>
-                        <p:cond delay="indefinite"/>
-                      </p:stCondLst>
-                      <p:childTnLst>
                         <p:par>
-                          <p:cTn id="13" fill="hold">
+                          <p:cTn id="12" fill="hold">
                             <p:stCondLst>
-                              <p:cond delay="0"/>
+                              <p:cond delay="1000"/>
                             </p:stCondLst>
                             <p:childTnLst>
                               <p:par>
-                                <p:cTn id="14" presetID="15" presetClass="entr" presetSubtype="0" fill="hold" nodeType="clickEffect">
+                                <p:cTn id="13" presetID="15" presetClass="entr" presetSubtype="0" fill="hold" nodeType="afterEffect">
                                   <p:stCondLst>
                                     <p:cond delay="0"/>
                                   </p:stCondLst>
                                   <p:childTnLst>
                                     <p:set>
                                       <p:cBhvr>
-                                        <p:cTn id="15" dur="1" fill="hold">
+                                        <p:cTn id="14" dur="1" fill="hold">
                                           <p:stCondLst>
                                             <p:cond delay="0"/>
                                           </p:stCondLst>
@@ -29103,7 +29726,7 @@
                                     </p:set>
                                     <p:anim calcmode="lin" valueType="num">
                                       <p:cBhvr>
-                                        <p:cTn id="16" dur="1000" fill="hold"/>
+                                        <p:cTn id="15" dur="1000" fill="hold"/>
                                         <p:tgtEl>
                                           <p:spTgt spid="12"/>
                                         </p:tgtEl>
@@ -29126,7 +29749,7 @@
                                     </p:anim>
                                     <p:anim calcmode="lin" valueType="num">
                                       <p:cBhvr>
-                                        <p:cTn id="17" dur="1000" fill="hold"/>
+                                        <p:cTn id="16" dur="1000" fill="hold"/>
                                         <p:tgtEl>
                                           <p:spTgt spid="12"/>
                                         </p:tgtEl>
@@ -29149,7 +29772,7 @@
                                     </p:anim>
                                     <p:anim calcmode="lin" valueType="num">
                                       <p:cBhvr>
-                                        <p:cTn id="18" dur="1000" fill="hold"/>
+                                        <p:cTn id="17" dur="1000" fill="hold"/>
                                         <p:tgtEl>
                                           <p:spTgt spid="12"/>
                                         </p:tgtEl>
@@ -29172,7 +29795,7 @@
                                     </p:anim>
                                     <p:anim calcmode="lin" valueType="num">
                                       <p:cBhvr>
-                                        <p:cTn id="19" dur="1000" fill="hold"/>
+                                        <p:cTn id="18" dur="1000" fill="hold"/>
                                         <p:tgtEl>
                                           <p:spTgt spid="12"/>
                                         </p:tgtEl>
@@ -29230,7 +29853,7 @@
 </p:sld>
 </file>
 
-<file path=ppt/slides/slide47.xml><?xml version="1.0" encoding="utf-8"?>
+<file path=ppt/slides/slide48.xml><?xml version="1.0" encoding="utf-8"?>
 <p:sld xmlns:a="http://schemas.openxmlformats.org/drawingml/2006/main" xmlns:r="http://schemas.openxmlformats.org/officeDocument/2006/relationships" xmlns:mc="http://schemas.openxmlformats.org/markup-compatibility/2006" xmlns:mv="urn:schemas-microsoft-com:mac:vml" xmlns:p="http://schemas.openxmlformats.org/presentationml/2006/main" mc:Ignorable="mv" mc:PreserveAttributes="mv:*">
   <p:cSld>
     <p:spTree>
@@ -29423,7 +30046,7 @@
               <a:pPr>
                 <a:defRPr/>
               </a:pPr>
-              <a:t>47</a:t>
+              <a:t>48</a:t>
             </a:fld>
             <a:endParaRPr lang="en-US" sz="1200" dirty="0">
               <a:latin typeface="Comic Sans MS"/>
@@ -29437,7 +30060,7 @@
   <p:clrMapOvr>
     <a:masterClrMapping/>
   </p:clrMapOvr>
-  <p:transition>
+  <p:transition spd="slow">
     <p:fade thruBlk="1"/>
   </p:transition>
   <p:timing>
@@ -29450,7 +30073,7 @@
 </p:sld>
 </file>
 
-<file path=ppt/slides/slide48.xml><?xml version="1.0" encoding="utf-8"?>
+<file path=ppt/slides/slide49.xml><?xml version="1.0" encoding="utf-8"?>
 <p:sld xmlns:a="http://schemas.openxmlformats.org/drawingml/2006/main" xmlns:r="http://schemas.openxmlformats.org/officeDocument/2006/relationships" xmlns:mc="http://schemas.openxmlformats.org/markup-compatibility/2006" xmlns:mv="urn:schemas-microsoft-com:mac:vml" xmlns:p="http://schemas.openxmlformats.org/presentationml/2006/main" mc:Ignorable="mv" mc:PreserveAttributes="mv:*">
   <p:cSld>
     <p:spTree>
@@ -29763,7 +30386,7 @@
               <a:pPr>
                 <a:defRPr/>
               </a:pPr>
-              <a:t>48</a:t>
+              <a:t>49</a:t>
             </a:fld>
             <a:endParaRPr lang="en-US" sz="1200" dirty="0">
               <a:latin typeface="Comic Sans MS"/>
@@ -29905,7 +30528,398 @@
 </p:sld>
 </file>
 
-<file path=ppt/slides/slide49.xml><?xml version="1.0" encoding="utf-8"?>
+<file path=ppt/slides/slide5.xml><?xml version="1.0" encoding="utf-8"?>
+<p:sld xmlns:a="http://schemas.openxmlformats.org/drawingml/2006/main" xmlns:r="http://schemas.openxmlformats.org/officeDocument/2006/relationships" xmlns:mc="http://schemas.openxmlformats.org/markup-compatibility/2006" xmlns:mv="urn:schemas-microsoft-com:mac:vml" xmlns:p="http://schemas.openxmlformats.org/presentationml/2006/main" mc:Ignorable="mv" mc:PreserveAttributes="mv:*">
+  <p:cSld>
+    <p:spTree>
+      <p:nvGrpSpPr>
+        <p:cNvPr id="1" name=""/>
+        <p:cNvGrpSpPr/>
+        <p:nvPr/>
+      </p:nvGrpSpPr>
+      <p:grpSpPr>
+        <a:xfrm>
+          <a:off x="0" y="0"/>
+          <a:ext cx="0" cy="0"/>
+          <a:chOff x="0" y="0"/>
+          <a:chExt cx="0" cy="0"/>
+        </a:xfrm>
+      </p:grpSpPr>
+      <p:sp>
+        <p:nvSpPr>
+          <p:cNvPr id="7170" name="Rectangle 2"/>
+          <p:cNvSpPr>
+            <a:spLocks noGrp="1" noChangeArrowheads="1"/>
+          </p:cNvSpPr>
+          <p:nvPr>
+            <p:ph type="title"/>
+          </p:nvPr>
+        </p:nvSpPr>
+        <p:spPr/>
+        <p:txBody>
+          <a:bodyPr/>
+          <a:lstStyle/>
+          <a:p>
+            <a:pPr eaLnBrk="1" hangingPunct="1"/>
+            <a:r>
+              <a:rPr lang="en-US" sz="4400" dirty="0" smtClean="0"/>
+              <a:t>Carnival Dice</a:t>
+            </a:r>
+          </a:p>
+        </p:txBody>
+      </p:sp>
+      <p:sp>
+        <p:nvSpPr>
+          <p:cNvPr id="589827" name="Rectangle 3"/>
+          <p:cNvSpPr>
+            <a:spLocks noGrp="1" noChangeArrowheads="1"/>
+          </p:cNvSpPr>
+          <p:nvPr>
+            <p:ph type="body" idx="1"/>
+          </p:nvPr>
+        </p:nvSpPr>
+        <p:spPr>
+          <a:xfrm>
+            <a:off x="304800" y="1676400"/>
+            <a:ext cx="8534400" cy="4038600"/>
+          </a:xfrm>
+        </p:spPr>
+        <p:txBody>
+          <a:bodyPr/>
+          <a:lstStyle/>
+          <a:p>
+            <a:pPr eaLnBrk="1" hangingPunct="1">
+              <a:buFontTx/>
+              <a:buNone/>
+            </a:pPr>
+            <a:r>
+              <a:rPr lang="en-US" sz="4800" dirty="0" smtClean="0"/>
+              <a:t>choose a number from 1 to 6,</a:t>
+            </a:r>
+          </a:p>
+          <a:p>
+            <a:pPr eaLnBrk="1" hangingPunct="1">
+              <a:buFontTx/>
+              <a:buNone/>
+            </a:pPr>
+            <a:r>
+              <a:rPr lang="en-US" sz="4800" dirty="0" smtClean="0"/>
+              <a:t>then roll 3 fair dice:</a:t>
+            </a:r>
+          </a:p>
+          <a:p>
+            <a:pPr eaLnBrk="1" hangingPunct="1">
+              <a:buFontTx/>
+              <a:buNone/>
+            </a:pPr>
+            <a:r>
+              <a:rPr lang="en-US" sz="4800" dirty="0" smtClean="0">
+                <a:solidFill>
+                  <a:srgbClr val="008000"/>
+                </a:solidFill>
+              </a:rPr>
+              <a:t> </a:t>
+            </a:r>
+            <a:r>
+              <a:rPr lang="en-US" sz="6000" dirty="0" smtClean="0">
+                <a:solidFill>
+                  <a:srgbClr val="008000"/>
+                </a:solidFill>
+              </a:rPr>
+              <a:t>win </a:t>
+            </a:r>
+            <a:r>
+              <a:rPr lang="en-US" sz="6000" dirty="0" smtClean="0"/>
+              <a:t>$1 for </a:t>
+            </a:r>
+            <a:r>
+              <a:rPr lang="en-US" sz="6000" dirty="0" smtClean="0">
+                <a:solidFill>
+                  <a:srgbClr val="FF00FF"/>
+                </a:solidFill>
+              </a:rPr>
+              <a:t>each</a:t>
+            </a:r>
+            <a:r>
+              <a:rPr lang="en-US" sz="6000" dirty="0" smtClean="0"/>
+              <a:t> match</a:t>
+            </a:r>
+            <a:endParaRPr lang="en-US" sz="4800" dirty="0" smtClean="0"/>
+          </a:p>
+          <a:p>
+            <a:pPr eaLnBrk="1" hangingPunct="1">
+              <a:buFontTx/>
+              <a:buNone/>
+            </a:pPr>
+            <a:r>
+              <a:rPr lang="en-US" sz="4800" dirty="0" smtClean="0">
+                <a:solidFill>
+                  <a:schemeClr val="accent2"/>
+                </a:solidFill>
+              </a:rPr>
+              <a:t> </a:t>
+            </a:r>
+            <a:r>
+              <a:rPr lang="en-US" sz="6000" dirty="0" smtClean="0">
+                <a:solidFill>
+                  <a:schemeClr val="accent2"/>
+                </a:solidFill>
+              </a:rPr>
+              <a:t>lose </a:t>
+            </a:r>
+            <a:r>
+              <a:rPr lang="en-US" sz="6000" dirty="0" smtClean="0"/>
+              <a:t>$1 if no match</a:t>
+            </a:r>
+            <a:endParaRPr lang="en-US" sz="6600" dirty="0" smtClean="0">
+              <a:solidFill>
+                <a:srgbClr val="008000"/>
+              </a:solidFill>
+            </a:endParaRPr>
+          </a:p>
+        </p:txBody>
+      </p:sp>
+      <p:pic>
+        <p:nvPicPr>
+          <p:cNvPr id="7172" name="Picture 4" descr="j0258752[1]"/>
+          <p:cNvPicPr>
+            <a:picLocks noChangeAspect="1" noChangeArrowheads="1"/>
+          </p:cNvPicPr>
+          <p:nvPr/>
+        </p:nvPicPr>
+        <p:blipFill>
+          <a:blip r:embed="rId3" cstate="print"/>
+          <a:srcRect/>
+          <a:stretch>
+            <a:fillRect/>
+          </a:stretch>
+        </p:blipFill>
+        <p:spPr bwMode="auto">
+          <a:xfrm>
+            <a:off x="5791200" y="76200"/>
+            <a:ext cx="2133600" cy="1639888"/>
+          </a:xfrm>
+          <a:prstGeom prst="rect">
+            <a:avLst/>
+          </a:prstGeom>
+          <a:noFill/>
+          <a:ln w="9525">
+            <a:noFill/>
+            <a:miter lim="800000"/>
+            <a:headEnd/>
+            <a:tailEnd/>
+          </a:ln>
+        </p:spPr>
+      </p:pic>
+      <p:sp>
+        <p:nvSpPr>
+          <p:cNvPr id="5" name="Slide Number Placeholder 3"/>
+          <p:cNvSpPr>
+            <a:spLocks noGrp="1"/>
+          </p:cNvSpPr>
+          <p:nvPr>
+            <p:ph type="sldNum" sz="quarter" idx="4294967295"/>
+          </p:nvPr>
+        </p:nvSpPr>
+        <p:spPr>
+          <a:xfrm>
+            <a:off x="7554913" y="6577965"/>
+            <a:ext cx="1527175" cy="244475"/>
+          </a:xfrm>
+          <a:prstGeom prst="rect">
+            <a:avLst/>
+          </a:prstGeom>
+        </p:spPr>
+        <p:txBody>
+          <a:bodyPr/>
+          <a:lstStyle/>
+          <a:p>
+            <a:pPr>
+              <a:defRPr/>
+            </a:pPr>
+            <a:r>
+              <a:rPr lang="en-US" sz="1200" dirty="0" err="1">
+                <a:latin typeface="Comic Sans MS"/>
+                <a:cs typeface="Comic Sans MS"/>
+              </a:rPr>
+              <a:t>lec</a:t>
+            </a:r>
+            <a:r>
+              <a:rPr lang="en-US" sz="1200" dirty="0" smtClean="0">
+                <a:latin typeface="Comic Sans MS"/>
+                <a:cs typeface="Comic Sans MS"/>
+              </a:rPr>
+              <a:t> 12F.</a:t>
+            </a:r>
+            <a:fld id="{93DA0692-DAF7-4AFE-9BE7-E02439D3694A}" type="slidenum">
+              <a:rPr lang="en-US" sz="1200" smtClean="0">
+                <a:latin typeface="Comic Sans MS"/>
+                <a:cs typeface="Comic Sans MS"/>
+              </a:rPr>
+              <a:pPr>
+                <a:defRPr/>
+              </a:pPr>
+              <a:t>5</a:t>
+            </a:fld>
+            <a:endParaRPr lang="en-US" sz="1200" dirty="0">
+              <a:latin typeface="Comic Sans MS"/>
+              <a:cs typeface="Comic Sans MS"/>
+            </a:endParaRPr>
+          </a:p>
+        </p:txBody>
+      </p:sp>
+    </p:spTree>
+  </p:cSld>
+  <p:clrMapOvr>
+    <a:masterClrMapping/>
+  </p:clrMapOvr>
+  <p:transition>
+    <p:fade/>
+  </p:transition>
+  <p:timing>
+    <p:tnLst>
+      <p:par>
+        <p:cTn id="1" dur="indefinite" restart="never" nodeType="tmRoot">
+          <p:childTnLst>
+            <p:seq concurrent="1" nextAc="seek">
+              <p:cTn id="2" dur="indefinite" nodeType="mainSeq">
+                <p:childTnLst>
+                  <p:par>
+                    <p:cTn id="3" fill="hold">
+                      <p:stCondLst>
+                        <p:cond delay="indefinite"/>
+                      </p:stCondLst>
+                      <p:childTnLst>
+                        <p:par>
+                          <p:cTn id="4" fill="hold">
+                            <p:stCondLst>
+                              <p:cond delay="0"/>
+                            </p:stCondLst>
+                            <p:childTnLst>
+                              <p:par>
+                                <p:cTn id="5" presetID="9" presetClass="entr" presetSubtype="0" fill="hold" nodeType="clickEffect">
+                                  <p:stCondLst>
+                                    <p:cond delay="0"/>
+                                  </p:stCondLst>
+                                  <p:childTnLst>
+                                    <p:set>
+                                      <p:cBhvr>
+                                        <p:cTn id="6" dur="1" fill="hold">
+                                          <p:stCondLst>
+                                            <p:cond delay="0"/>
+                                          </p:stCondLst>
+                                        </p:cTn>
+                                        <p:tgtEl>
+                                          <p:spTgt spid="589827">
+                                            <p:txEl>
+                                              <p:pRg st="2" end="2"/>
+                                            </p:txEl>
+                                          </p:spTgt>
+                                        </p:tgtEl>
+                                        <p:attrNameLst>
+                                          <p:attrName>style.visibility</p:attrName>
+                                        </p:attrNameLst>
+                                      </p:cBhvr>
+                                      <p:to>
+                                        <p:strVal val="visible"/>
+                                      </p:to>
+                                    </p:set>
+                                    <p:animEffect transition="in" filter="dissolve">
+                                      <p:cBhvr>
+                                        <p:cTn id="7" dur="500"/>
+                                        <p:tgtEl>
+                                          <p:spTgt spid="589827">
+                                            <p:txEl>
+                                              <p:pRg st="2" end="2"/>
+                                            </p:txEl>
+                                          </p:spTgt>
+                                        </p:tgtEl>
+                                      </p:cBhvr>
+                                    </p:animEffect>
+                                  </p:childTnLst>
+                                </p:cTn>
+                              </p:par>
+                            </p:childTnLst>
+                          </p:cTn>
+                        </p:par>
+                      </p:childTnLst>
+                    </p:cTn>
+                  </p:par>
+                  <p:par>
+                    <p:cTn id="8" fill="hold">
+                      <p:stCondLst>
+                        <p:cond delay="indefinite"/>
+                      </p:stCondLst>
+                      <p:childTnLst>
+                        <p:par>
+                          <p:cTn id="9" fill="hold">
+                            <p:stCondLst>
+                              <p:cond delay="0"/>
+                            </p:stCondLst>
+                            <p:childTnLst>
+                              <p:par>
+                                <p:cTn id="10" presetID="1" presetClass="entr" presetSubtype="0" fill="hold" nodeType="clickEffect">
+                                  <p:stCondLst>
+                                    <p:cond delay="0"/>
+                                  </p:stCondLst>
+                                  <p:childTnLst>
+                                    <p:set>
+                                      <p:cBhvr>
+                                        <p:cTn id="11" dur="1" fill="hold">
+                                          <p:stCondLst>
+                                            <p:cond delay="0"/>
+                                          </p:stCondLst>
+                                        </p:cTn>
+                                        <p:tgtEl>
+                                          <p:spTgt spid="589827">
+                                            <p:txEl>
+                                              <p:pRg st="3" end="3"/>
+                                            </p:txEl>
+                                          </p:spTgt>
+                                        </p:tgtEl>
+                                        <p:attrNameLst>
+                                          <p:attrName>style.visibility</p:attrName>
+                                        </p:attrNameLst>
+                                      </p:cBhvr>
+                                      <p:to>
+                                        <p:strVal val="visible"/>
+                                      </p:to>
+                                    </p:set>
+                                  </p:childTnLst>
+                                </p:cTn>
+                              </p:par>
+                            </p:childTnLst>
+                          </p:cTn>
+                        </p:par>
+                      </p:childTnLst>
+                    </p:cTn>
+                  </p:par>
+                </p:childTnLst>
+              </p:cTn>
+              <p:prevCondLst>
+                <p:cond evt="onPrev" delay="0">
+                  <p:tgtEl>
+                    <p:sldTgt/>
+                  </p:tgtEl>
+                </p:cond>
+              </p:prevCondLst>
+              <p:nextCondLst>
+                <p:cond evt="onNext" delay="0">
+                  <p:tgtEl>
+                    <p:sldTgt/>
+                  </p:tgtEl>
+                </p:cond>
+              </p:nextCondLst>
+            </p:seq>
+          </p:childTnLst>
+        </p:cTn>
+      </p:par>
+    </p:tnLst>
+  </p:timing>
+</p:sld>
+</file>
+
+<file path=ppt/slides/slide50.xml><?xml version="1.0" encoding="utf-8"?>
 <p:sld xmlns:a="http://schemas.openxmlformats.org/drawingml/2006/main" xmlns:r="http://schemas.openxmlformats.org/officeDocument/2006/relationships" xmlns:mc="http://schemas.openxmlformats.org/markup-compatibility/2006" xmlns:mv="urn:schemas-microsoft-com:mac:vml" xmlns:p="http://schemas.openxmlformats.org/presentationml/2006/main" mc:Ignorable="mv" mc:PreserveAttributes="mv:*">
   <p:cSld>
     <p:spTree>
@@ -30462,7 +31476,7 @@
               <a:pPr>
                 <a:defRPr/>
               </a:pPr>
-              <a:t>49</a:t>
+              <a:t>50</a:t>
             </a:fld>
             <a:endParaRPr lang="en-US" sz="1200" dirty="0">
               <a:latin typeface="Comic Sans MS"/>
@@ -30504,7 +31518,9 @@
   <p:clrMapOvr>
     <a:masterClrMapping/>
   </p:clrMapOvr>
-  <p:transition/>
+  <p:transition>
+    <p:fade/>
+  </p:transition>
   <p:timing>
     <p:tnLst>
       <p:par>
@@ -30776,395 +31792,7 @@
 </p:sld>
 </file>
 
-<file path=ppt/slides/slide5.xml><?xml version="1.0" encoding="utf-8"?>
-<p:sld xmlns:a="http://schemas.openxmlformats.org/drawingml/2006/main" xmlns:r="http://schemas.openxmlformats.org/officeDocument/2006/relationships" xmlns:mc="http://schemas.openxmlformats.org/markup-compatibility/2006" xmlns:mv="urn:schemas-microsoft-com:mac:vml" xmlns:p="http://schemas.openxmlformats.org/presentationml/2006/main" mc:Ignorable="mv" mc:PreserveAttributes="mv:*">
-  <p:cSld>
-    <p:spTree>
-      <p:nvGrpSpPr>
-        <p:cNvPr id="1" name=""/>
-        <p:cNvGrpSpPr/>
-        <p:nvPr/>
-      </p:nvGrpSpPr>
-      <p:grpSpPr>
-        <a:xfrm>
-          <a:off x="0" y="0"/>
-          <a:ext cx="0" cy="0"/>
-          <a:chOff x="0" y="0"/>
-          <a:chExt cx="0" cy="0"/>
-        </a:xfrm>
-      </p:grpSpPr>
-      <p:sp>
-        <p:nvSpPr>
-          <p:cNvPr id="7170" name="Rectangle 2"/>
-          <p:cNvSpPr>
-            <a:spLocks noGrp="1" noChangeArrowheads="1"/>
-          </p:cNvSpPr>
-          <p:nvPr>
-            <p:ph type="title"/>
-          </p:nvPr>
-        </p:nvSpPr>
-        <p:spPr/>
-        <p:txBody>
-          <a:bodyPr/>
-          <a:lstStyle/>
-          <a:p>
-            <a:pPr eaLnBrk="1" hangingPunct="1"/>
-            <a:r>
-              <a:rPr lang="en-US" sz="4400" dirty="0" smtClean="0"/>
-              <a:t>Carnival Dice</a:t>
-            </a:r>
-          </a:p>
-        </p:txBody>
-      </p:sp>
-      <p:sp>
-        <p:nvSpPr>
-          <p:cNvPr id="589827" name="Rectangle 3"/>
-          <p:cNvSpPr>
-            <a:spLocks noGrp="1" noChangeArrowheads="1"/>
-          </p:cNvSpPr>
-          <p:nvPr>
-            <p:ph type="body" idx="1"/>
-          </p:nvPr>
-        </p:nvSpPr>
-        <p:spPr>
-          <a:xfrm>
-            <a:off x="304800" y="1676400"/>
-            <a:ext cx="8534400" cy="4038600"/>
-          </a:xfrm>
-        </p:spPr>
-        <p:txBody>
-          <a:bodyPr/>
-          <a:lstStyle/>
-          <a:p>
-            <a:pPr eaLnBrk="1" hangingPunct="1">
-              <a:buFontTx/>
-              <a:buNone/>
-            </a:pPr>
-            <a:r>
-              <a:rPr lang="en-US" sz="4800" dirty="0" smtClean="0"/>
-              <a:t>choose a number from 1 to 6,</a:t>
-            </a:r>
-          </a:p>
-          <a:p>
-            <a:pPr eaLnBrk="1" hangingPunct="1">
-              <a:buFontTx/>
-              <a:buNone/>
-            </a:pPr>
-            <a:r>
-              <a:rPr lang="en-US" sz="4800" dirty="0" smtClean="0"/>
-              <a:t>then roll 3 fair dice:</a:t>
-            </a:r>
-          </a:p>
-          <a:p>
-            <a:pPr eaLnBrk="1" hangingPunct="1">
-              <a:buFontTx/>
-              <a:buNone/>
-            </a:pPr>
-            <a:r>
-              <a:rPr lang="en-US" sz="4800" dirty="0" smtClean="0">
-                <a:solidFill>
-                  <a:srgbClr val="008000"/>
-                </a:solidFill>
-              </a:rPr>
-              <a:t> </a:t>
-            </a:r>
-            <a:r>
-              <a:rPr lang="en-US" sz="6000" dirty="0" smtClean="0">
-                <a:solidFill>
-                  <a:srgbClr val="008000"/>
-                </a:solidFill>
-              </a:rPr>
-              <a:t>win </a:t>
-            </a:r>
-            <a:r>
-              <a:rPr lang="en-US" sz="6000" dirty="0" smtClean="0"/>
-              <a:t>$1 for </a:t>
-            </a:r>
-            <a:r>
-              <a:rPr lang="en-US" sz="6000" dirty="0" smtClean="0">
-                <a:solidFill>
-                  <a:srgbClr val="FF00FF"/>
-                </a:solidFill>
-              </a:rPr>
-              <a:t>each</a:t>
-            </a:r>
-            <a:r>
-              <a:rPr lang="en-US" sz="6000" dirty="0" smtClean="0"/>
-              <a:t> match</a:t>
-            </a:r>
-            <a:endParaRPr lang="en-US" sz="4800" dirty="0" smtClean="0"/>
-          </a:p>
-          <a:p>
-            <a:pPr eaLnBrk="1" hangingPunct="1">
-              <a:buFontTx/>
-              <a:buNone/>
-            </a:pPr>
-            <a:r>
-              <a:rPr lang="en-US" sz="4800" dirty="0" smtClean="0">
-                <a:solidFill>
-                  <a:schemeClr val="accent2"/>
-                </a:solidFill>
-              </a:rPr>
-              <a:t> </a:t>
-            </a:r>
-            <a:r>
-              <a:rPr lang="en-US" sz="6000" dirty="0" smtClean="0">
-                <a:solidFill>
-                  <a:schemeClr val="accent2"/>
-                </a:solidFill>
-              </a:rPr>
-              <a:t>lose </a:t>
-            </a:r>
-            <a:r>
-              <a:rPr lang="en-US" sz="6000" dirty="0" smtClean="0"/>
-              <a:t>$1 if no match</a:t>
-            </a:r>
-            <a:endParaRPr lang="en-US" sz="6600" dirty="0" smtClean="0">
-              <a:solidFill>
-                <a:srgbClr val="008000"/>
-              </a:solidFill>
-            </a:endParaRPr>
-          </a:p>
-        </p:txBody>
-      </p:sp>
-      <p:pic>
-        <p:nvPicPr>
-          <p:cNvPr id="7172" name="Picture 4" descr="j0258752[1]"/>
-          <p:cNvPicPr>
-            <a:picLocks noChangeAspect="1" noChangeArrowheads="1"/>
-          </p:cNvPicPr>
-          <p:nvPr/>
-        </p:nvPicPr>
-        <p:blipFill>
-          <a:blip r:embed="rId3" cstate="print"/>
-          <a:srcRect/>
-          <a:stretch>
-            <a:fillRect/>
-          </a:stretch>
-        </p:blipFill>
-        <p:spPr bwMode="auto">
-          <a:xfrm>
-            <a:off x="5791200" y="76200"/>
-            <a:ext cx="2133600" cy="1639888"/>
-          </a:xfrm>
-          <a:prstGeom prst="rect">
-            <a:avLst/>
-          </a:prstGeom>
-          <a:noFill/>
-          <a:ln w="9525">
-            <a:noFill/>
-            <a:miter lim="800000"/>
-            <a:headEnd/>
-            <a:tailEnd/>
-          </a:ln>
-        </p:spPr>
-      </p:pic>
-      <p:sp>
-        <p:nvSpPr>
-          <p:cNvPr id="5" name="Slide Number Placeholder 3"/>
-          <p:cNvSpPr>
-            <a:spLocks noGrp="1"/>
-          </p:cNvSpPr>
-          <p:nvPr>
-            <p:ph type="sldNum" sz="quarter" idx="4294967295"/>
-          </p:nvPr>
-        </p:nvSpPr>
-        <p:spPr>
-          <a:xfrm>
-            <a:off x="7554913" y="6577965"/>
-            <a:ext cx="1527175" cy="244475"/>
-          </a:xfrm>
-          <a:prstGeom prst="rect">
-            <a:avLst/>
-          </a:prstGeom>
-        </p:spPr>
-        <p:txBody>
-          <a:bodyPr/>
-          <a:lstStyle/>
-          <a:p>
-            <a:pPr>
-              <a:defRPr/>
-            </a:pPr>
-            <a:r>
-              <a:rPr lang="en-US" sz="1200" dirty="0" err="1">
-                <a:latin typeface="Comic Sans MS"/>
-                <a:cs typeface="Comic Sans MS"/>
-              </a:rPr>
-              <a:t>lec</a:t>
-            </a:r>
-            <a:r>
-              <a:rPr lang="en-US" sz="1200" dirty="0" smtClean="0">
-                <a:latin typeface="Comic Sans MS"/>
-                <a:cs typeface="Comic Sans MS"/>
-              </a:rPr>
-              <a:t> 12F.</a:t>
-            </a:r>
-            <a:fld id="{93DA0692-DAF7-4AFE-9BE7-E02439D3694A}" type="slidenum">
-              <a:rPr lang="en-US" sz="1200" smtClean="0">
-                <a:latin typeface="Comic Sans MS"/>
-                <a:cs typeface="Comic Sans MS"/>
-              </a:rPr>
-              <a:pPr>
-                <a:defRPr/>
-              </a:pPr>
-              <a:t>5</a:t>
-            </a:fld>
-            <a:endParaRPr lang="en-US" sz="1200" dirty="0">
-              <a:latin typeface="Comic Sans MS"/>
-              <a:cs typeface="Comic Sans MS"/>
-            </a:endParaRPr>
-          </a:p>
-        </p:txBody>
-      </p:sp>
-    </p:spTree>
-  </p:cSld>
-  <p:clrMapOvr>
-    <a:masterClrMapping/>
-  </p:clrMapOvr>
-  <p:timing>
-    <p:tnLst>
-      <p:par>
-        <p:cTn id="1" dur="indefinite" restart="never" nodeType="tmRoot">
-          <p:childTnLst>
-            <p:seq concurrent="1" nextAc="seek">
-              <p:cTn id="2" dur="indefinite" nodeType="mainSeq">
-                <p:childTnLst>
-                  <p:par>
-                    <p:cTn id="3" fill="hold">
-                      <p:stCondLst>
-                        <p:cond delay="indefinite"/>
-                      </p:stCondLst>
-                      <p:childTnLst>
-                        <p:par>
-                          <p:cTn id="4" fill="hold">
-                            <p:stCondLst>
-                              <p:cond delay="0"/>
-                            </p:stCondLst>
-                            <p:childTnLst>
-                              <p:par>
-                                <p:cTn id="5" presetID="9" presetClass="entr" presetSubtype="0" fill="hold" nodeType="clickEffect">
-                                  <p:stCondLst>
-                                    <p:cond delay="0"/>
-                                  </p:stCondLst>
-                                  <p:childTnLst>
-                                    <p:set>
-                                      <p:cBhvr>
-                                        <p:cTn id="6" dur="1" fill="hold">
-                                          <p:stCondLst>
-                                            <p:cond delay="0"/>
-                                          </p:stCondLst>
-                                        </p:cTn>
-                                        <p:tgtEl>
-                                          <p:spTgt spid="589827">
-                                            <p:txEl>
-                                              <p:pRg st="2" end="2"/>
-                                            </p:txEl>
-                                          </p:spTgt>
-                                        </p:tgtEl>
-                                        <p:attrNameLst>
-                                          <p:attrName>style.visibility</p:attrName>
-                                        </p:attrNameLst>
-                                      </p:cBhvr>
-                                      <p:to>
-                                        <p:strVal val="visible"/>
-                                      </p:to>
-                                    </p:set>
-                                    <p:animEffect transition="in" filter="dissolve">
-                                      <p:cBhvr>
-                                        <p:cTn id="7" dur="500"/>
-                                        <p:tgtEl>
-                                          <p:spTgt spid="589827">
-                                            <p:txEl>
-                                              <p:pRg st="2" end="2"/>
-                                            </p:txEl>
-                                          </p:spTgt>
-                                        </p:tgtEl>
-                                      </p:cBhvr>
-                                    </p:animEffect>
-                                  </p:childTnLst>
-                                </p:cTn>
-                              </p:par>
-                            </p:childTnLst>
-                          </p:cTn>
-                        </p:par>
-                      </p:childTnLst>
-                    </p:cTn>
-                  </p:par>
-                  <p:par>
-                    <p:cTn id="8" fill="hold">
-                      <p:stCondLst>
-                        <p:cond delay="indefinite"/>
-                      </p:stCondLst>
-                      <p:childTnLst>
-                        <p:par>
-                          <p:cTn id="9" fill="hold">
-                            <p:stCondLst>
-                              <p:cond delay="0"/>
-                            </p:stCondLst>
-                            <p:childTnLst>
-                              <p:par>
-                                <p:cTn id="10" presetID="1" presetClass="entr" presetSubtype="0" fill="hold" nodeType="clickEffect">
-                                  <p:stCondLst>
-                                    <p:cond delay="0"/>
-                                  </p:stCondLst>
-                                  <p:childTnLst>
-                                    <p:set>
-                                      <p:cBhvr>
-                                        <p:cTn id="11" dur="1" fill="hold">
-                                          <p:stCondLst>
-                                            <p:cond delay="0"/>
-                                          </p:stCondLst>
-                                        </p:cTn>
-                                        <p:tgtEl>
-                                          <p:spTgt spid="589827">
-                                            <p:txEl>
-                                              <p:pRg st="3" end="3"/>
-                                            </p:txEl>
-                                          </p:spTgt>
-                                        </p:tgtEl>
-                                        <p:attrNameLst>
-                                          <p:attrName>style.visibility</p:attrName>
-                                        </p:attrNameLst>
-                                      </p:cBhvr>
-                                      <p:to>
-                                        <p:strVal val="visible"/>
-                                      </p:to>
-                                    </p:set>
-                                  </p:childTnLst>
-                                </p:cTn>
-                              </p:par>
-                            </p:childTnLst>
-                          </p:cTn>
-                        </p:par>
-                      </p:childTnLst>
-                    </p:cTn>
-                  </p:par>
-                </p:childTnLst>
-              </p:cTn>
-              <p:prevCondLst>
-                <p:cond evt="onPrev" delay="0">
-                  <p:tgtEl>
-                    <p:sldTgt/>
-                  </p:tgtEl>
-                </p:cond>
-              </p:prevCondLst>
-              <p:nextCondLst>
-                <p:cond evt="onNext" delay="0">
-                  <p:tgtEl>
-                    <p:sldTgt/>
-                  </p:tgtEl>
-                </p:cond>
-              </p:nextCondLst>
-            </p:seq>
-          </p:childTnLst>
-        </p:cTn>
-      </p:par>
-    </p:tnLst>
-  </p:timing>
-</p:sld>
-</file>
-
-<file path=ppt/slides/slide50.xml><?xml version="1.0" encoding="utf-8"?>
+<file path=ppt/slides/slide51.xml><?xml version="1.0" encoding="utf-8"?>
 <p:sld xmlns:a="http://schemas.openxmlformats.org/drawingml/2006/main" xmlns:r="http://schemas.openxmlformats.org/officeDocument/2006/relationships" xmlns:mc="http://schemas.openxmlformats.org/markup-compatibility/2006" xmlns:mv="urn:schemas-microsoft-com:mac:vml" xmlns:p="http://schemas.openxmlformats.org/presentationml/2006/main" mc:Ignorable="mv" mc:PreserveAttributes="mv:*" show="0">
   <p:cSld>
     <p:spTree>
@@ -31413,7 +32041,7 @@
               <a:pPr>
                 <a:defRPr/>
               </a:pPr>
-              <a:t>50</a:t>
+              <a:t>51</a:t>
             </a:fld>
             <a:endParaRPr lang="en-US" sz="1200" dirty="0">
               <a:latin typeface="Comic Sans MS"/>
@@ -31428,7 +32056,7 @@
     <a:masterClrMapping/>
   </p:clrMapOvr>
   <p:transition>
-    <p:fade thruBlk="1"/>
+    <p:fade/>
   </p:transition>
   <p:timing>
     <p:tnLst>
@@ -31646,7 +32274,7 @@
 </p:sld>
 </file>
 
-<file path=ppt/slides/slide51.xml><?xml version="1.0" encoding="utf-8"?>
+<file path=ppt/slides/slide52.xml><?xml version="1.0" encoding="utf-8"?>
 <p:sld xmlns:a="http://schemas.openxmlformats.org/drawingml/2006/main" xmlns:r="http://schemas.openxmlformats.org/officeDocument/2006/relationships" xmlns:mc="http://schemas.openxmlformats.org/markup-compatibility/2006" xmlns:mv="urn:schemas-microsoft-com:mac:vml" xmlns:p="http://schemas.openxmlformats.org/presentationml/2006/main" mc:Ignorable="mv" mc:PreserveAttributes="mv:*" show="0">
   <p:cSld>
     <p:spTree>
@@ -32128,7 +32756,7 @@
               <a:pPr>
                 <a:defRPr/>
               </a:pPr>
-              <a:t>51</a:t>
+              <a:t>52</a:t>
             </a:fld>
             <a:endParaRPr lang="en-US" sz="1200" dirty="0">
               <a:latin typeface="Comic Sans MS"/>
@@ -32142,7 +32770,9 @@
   <p:clrMapOvr>
     <a:masterClrMapping/>
   </p:clrMapOvr>
-  <p:transition/>
+  <p:transition>
+    <p:fade/>
+  </p:transition>
   <p:timing>
     <p:tnLst>
       <p:par>
@@ -32293,7 +32923,7 @@
 </p:sld>
 </file>
 
-<file path=ppt/slides/slide52.xml><?xml version="1.0" encoding="utf-8"?>
+<file path=ppt/slides/slide53.xml><?xml version="1.0" encoding="utf-8"?>
 <p:sld xmlns:a="http://schemas.openxmlformats.org/drawingml/2006/main" xmlns:r="http://schemas.openxmlformats.org/officeDocument/2006/relationships" xmlns:mc="http://schemas.openxmlformats.org/markup-compatibility/2006" xmlns:mv="urn:schemas-microsoft-com:mac:vml" xmlns:p="http://schemas.openxmlformats.org/presentationml/2006/main" mc:Ignorable="mv" mc:PreserveAttributes="mv:*" show="0">
   <p:cSld>
     <p:spTree>
@@ -32765,7 +33395,7 @@
               <a:pPr>
                 <a:defRPr/>
               </a:pPr>
-              <a:t>52</a:t>
+              <a:t>53</a:t>
             </a:fld>
             <a:endParaRPr lang="en-US" sz="1200" dirty="0">
               <a:latin typeface="Comic Sans MS"/>
@@ -32779,7 +33409,9 @@
   <p:clrMapOvr>
     <a:masterClrMapping/>
   </p:clrMapOvr>
-  <p:transition/>
+  <p:transition>
+    <p:fade/>
+  </p:transition>
   <p:timing>
     <p:tnLst>
       <p:par>
@@ -32987,7 +33619,7 @@
 </p:sld>
 </file>
 
-<file path=ppt/slides/slide53.xml><?xml version="1.0" encoding="utf-8"?>
+<file path=ppt/slides/slide54.xml><?xml version="1.0" encoding="utf-8"?>
 <p:sld xmlns:a="http://schemas.openxmlformats.org/drawingml/2006/main" xmlns:r="http://schemas.openxmlformats.org/officeDocument/2006/relationships" xmlns:mc="http://schemas.openxmlformats.org/markup-compatibility/2006" xmlns:mv="urn:schemas-microsoft-com:mac:vml" xmlns:p="http://schemas.openxmlformats.org/presentationml/2006/main" mc:Ignorable="mv" mc:PreserveAttributes="mv:*" show="0">
   <p:cSld>
     <p:spTree>
@@ -33248,7 +33880,7 @@
               <a:pPr>
                 <a:defRPr/>
               </a:pPr>
-              <a:t>53</a:t>
+              <a:t>54</a:t>
             </a:fld>
             <a:endParaRPr lang="en-US" sz="1200" dirty="0">
               <a:latin typeface="Comic Sans MS"/>
@@ -33396,7 +34028,7 @@
 </p:sld>
 </file>
 
-<file path=ppt/slides/slide54.xml><?xml version="1.0" encoding="utf-8"?>
+<file path=ppt/slides/slide55.xml><?xml version="1.0" encoding="utf-8"?>
 <p:sld xmlns:a="http://schemas.openxmlformats.org/drawingml/2006/main" xmlns:r="http://schemas.openxmlformats.org/officeDocument/2006/relationships" xmlns:mc="http://schemas.openxmlformats.org/markup-compatibility/2006" xmlns:mv="urn:schemas-microsoft-com:mac:vml" xmlns:p="http://schemas.openxmlformats.org/presentationml/2006/main" mc:Ignorable="mv" mc:PreserveAttributes="mv:*">
   <p:cSld>
     <p:spTree>
@@ -33748,7 +34380,7 @@
               <a:pPr>
                 <a:defRPr/>
               </a:pPr>
-              <a:t>54</a:t>
+              <a:t>55</a:t>
             </a:fld>
             <a:endParaRPr lang="en-US" sz="1200" dirty="0">
               <a:latin typeface="Comic Sans MS"/>
@@ -33987,7 +34619,7 @@
 </p:sld>
 </file>
 
-<file path=ppt/slides/slide55.xml><?xml version="1.0" encoding="utf-8"?>
+<file path=ppt/slides/slide56.xml><?xml version="1.0" encoding="utf-8"?>
 <p:sld xmlns:a="http://schemas.openxmlformats.org/drawingml/2006/main" xmlns:r="http://schemas.openxmlformats.org/officeDocument/2006/relationships" xmlns:mc="http://schemas.openxmlformats.org/markup-compatibility/2006" xmlns:mv="urn:schemas-microsoft-com:mac:vml" xmlns:p="http://schemas.openxmlformats.org/presentationml/2006/main" mc:Ignorable="mv" mc:PreserveAttributes="mv:*" show="0">
   <p:cSld>
     <p:spTree>
@@ -34971,7 +35603,7 @@
               <a:pPr>
                 <a:defRPr/>
               </a:pPr>
-              <a:t>55</a:t>
+              <a:t>56</a:t>
             </a:fld>
             <a:endParaRPr lang="en-US" sz="1200" dirty="0">
               <a:latin typeface="Comic Sans MS"/>
@@ -34985,7 +35617,9 @@
   <p:clrMapOvr>
     <a:masterClrMapping/>
   </p:clrMapOvr>
-  <p:transition/>
+  <p:transition>
+    <p:fade/>
+  </p:transition>
   <p:timing>
     <p:tnLst>
       <p:par>
@@ -35522,7 +36156,7 @@
 </p:sld>
 </file>
 
-<file path=ppt/slides/slide56.xml><?xml version="1.0" encoding="utf-8"?>
+<file path=ppt/slides/slide57.xml><?xml version="1.0" encoding="utf-8"?>
 <p:sld xmlns:a="http://schemas.openxmlformats.org/drawingml/2006/main" xmlns:r="http://schemas.openxmlformats.org/officeDocument/2006/relationships" xmlns:mc="http://schemas.openxmlformats.org/markup-compatibility/2006" xmlns:mv="urn:schemas-microsoft-com:mac:vml" xmlns:p="http://schemas.openxmlformats.org/presentationml/2006/main" mc:Ignorable="mv" mc:PreserveAttributes="mv:*">
   <p:cSld>
     <p:spTree>
@@ -35570,7 +36204,7 @@
               <a:pPr>
                 <a:defRPr/>
               </a:pPr>
-              <a:t>56</a:t>
+              <a:t>57</a:t>
             </a:fld>
             <a:endParaRPr lang="en-US" dirty="0"/>
           </a:p>
@@ -35654,7 +36288,9 @@
   <p:clrMapOvr>
     <a:masterClrMapping/>
   </p:clrMapOvr>
-  <p:transition/>
+  <p:transition>
+    <p:fade/>
+  </p:transition>
   <p:timing>
     <p:tnLst>
       <p:par>
@@ -36042,6 +36678,9 @@
   <p:clrMapOvr>
     <a:masterClrMapping/>
   </p:clrMapOvr>
+  <p:transition>
+    <p:fade/>
+  </p:transition>
   <p:timing>
     <p:tnLst>
       <p:par>
@@ -36632,7 +37271,9 @@
   <p:clrMapOvr>
     <a:masterClrMapping/>
   </p:clrMapOvr>
-  <p:transition/>
+  <p:transition>
+    <p:fade/>
+  </p:transition>
   <p:timing>
     <p:tnLst>
       <p:par>
@@ -37504,7 +38145,7 @@
   <p:clrMapOvr>
     <a:masterClrMapping/>
   </p:clrMapOvr>
-  <p:transition spd="med">
+  <p:transition>
     <p:fade/>
   </p:transition>
   <p:timing>

--- a/spring11/slides11/slides12f.pptx
+++ b/spring11/slides11/slides12f.pptx
@@ -58,9 +58,9 @@
     <p:sldId id="343" r:id="rId46"/>
     <p:sldId id="345" r:id="rId47"/>
     <p:sldId id="346" r:id="rId48"/>
-    <p:sldId id="347" r:id="rId49"/>
+    <p:sldId id="367" r:id="rId49"/>
     <p:sldId id="348" r:id="rId50"/>
-    <p:sldId id="361" r:id="rId51"/>
+    <p:sldId id="368" r:id="rId51"/>
     <p:sldId id="349" r:id="rId52"/>
     <p:sldId id="350" r:id="rId53"/>
     <p:sldId id="352" r:id="rId54"/>
@@ -12961,11 +12961,7 @@
             </a:r>
             <a:r>
               <a:rPr lang="en-US" sz="6000" dirty="0" smtClean="0"/>
-              <a:t>]</a:t>
-            </a:r>
-            <a:r>
-              <a:rPr lang="en-US" sz="6000" dirty="0" smtClean="0"/>
-              <a:t> ::= </a:t>
+              <a:t>] ::= </a:t>
             </a:r>
             <a:r>
               <a:rPr lang="en-US" sz="6000" dirty="0" smtClean="0">
@@ -13041,16 +13037,7 @@
                 </a:solidFill>
                 <a:sym typeface="Euclid Symbol"/>
               </a:rPr>
-              <a:t>           </a:t>
-            </a:r>
-            <a:r>
-              <a:rPr lang="en-US" sz="6000" dirty="0" smtClean="0">
-                <a:solidFill>
-                  <a:srgbClr val="0000FF"/>
-                </a:solidFill>
-                <a:sym typeface="Euclid Symbol"/>
-              </a:rPr>
-              <a:t>   0</a:t>
+              <a:t>              0</a:t>
             </a:r>
             <a:r>
               <a:rPr lang="en-US" sz="6000" dirty="0" smtClean="0">
@@ -14825,19 +14812,7 @@
               <a:rPr lang="en-US" sz="4400" dirty="0" smtClean="0">
                 <a:latin typeface="+mj-lt"/>
               </a:rPr>
-              <a:t>g</a:t>
-            </a:r>
-            <a:r>
-              <a:rPr lang="en-US" sz="4400" dirty="0" smtClean="0">
-                <a:latin typeface="+mj-lt"/>
-              </a:rPr>
-              <a:t>ives </a:t>
-            </a:r>
-            <a:r>
-              <a:rPr lang="en-US" sz="4400" dirty="0" smtClean="0">
-                <a:latin typeface="+mj-lt"/>
-              </a:rPr>
-              <a:t>a closed </a:t>
+              <a:t>gives a closed </a:t>
             </a:r>
             <a:r>
               <a:rPr lang="en-US" sz="4400" i="0" dirty="0" smtClean="0">
@@ -17278,21 +17253,8 @@
                   <a:srgbClr val="0000FF"/>
                 </a:solidFill>
               </a:rPr>
-              <a:t>e(n-1</a:t>
-            </a:r>
-            <a:r>
-              <a:rPr lang="en-US" sz="4400" dirty="0" smtClean="0">
-                <a:solidFill>
-                  <a:srgbClr val="0000FF"/>
-                </a:solidFill>
-              </a:rPr>
-              <a:t>)+p</a:t>
-            </a:r>
-            <a:endParaRPr lang="en-US" sz="4400" dirty="0" smtClean="0">
-              <a:solidFill>
-                <a:srgbClr val="0000FF"/>
-              </a:solidFill>
-            </a:endParaRPr>
+              <a:t>e(n-1)+p</a:t>
+            </a:r>
           </a:p>
           <a:p>
             <a:pPr algn="ctr">
@@ -17384,29 +17346,17 @@
               <a:rPr lang="en-US" sz="4400" i="0" dirty="0" smtClean="0">
                 <a:latin typeface="+mj-lt"/>
               </a:rPr>
-              <a:t>=</a:t>
+              <a:t>= </a:t>
             </a:r>
             <a:r>
               <a:rPr lang="en-US" sz="4400" i="0" dirty="0" smtClean="0">
+                <a:solidFill>
+                  <a:srgbClr val="0000FF"/>
+                </a:solidFill>
                 <a:latin typeface="+mj-lt"/>
               </a:rPr>
-              <a:t> </a:t>
-            </a:r>
-            <a:r>
-              <a:rPr lang="en-US" sz="4400" i="0" dirty="0" smtClean="0">
-                <a:solidFill>
-                  <a:srgbClr val="0000FF"/>
-                </a:solidFill>
-                <a:latin typeface="+mj-lt"/>
-              </a:rPr>
               <a:t>e(n-2)+2p</a:t>
             </a:r>
-            <a:endParaRPr lang="en-US" sz="4400" i="0" dirty="0" smtClean="0">
-              <a:solidFill>
-                <a:srgbClr val="0000FF"/>
-              </a:solidFill>
-              <a:latin typeface="+mj-lt"/>
-            </a:endParaRPr>
           </a:p>
         </p:txBody>
       </p:sp>
@@ -18159,21 +18109,8 @@
                   <a:srgbClr val="0000FF"/>
                 </a:solidFill>
               </a:rPr>
-              <a:t>e(n-1</a:t>
-            </a:r>
-            <a:r>
-              <a:rPr lang="en-US" sz="4400" dirty="0" smtClean="0">
-                <a:solidFill>
-                  <a:srgbClr val="0000FF"/>
-                </a:solidFill>
-              </a:rPr>
-              <a:t>)+p</a:t>
-            </a:r>
-            <a:endParaRPr lang="en-US" sz="4400" dirty="0" smtClean="0">
-              <a:solidFill>
-                <a:srgbClr val="0000FF"/>
-              </a:solidFill>
-            </a:endParaRPr>
+              <a:t>e(n-1)+p</a:t>
+            </a:r>
           </a:p>
           <a:p>
             <a:pPr algn="ctr">
@@ -29942,8 +29879,8 @@
         </p:nvSpPr>
         <p:spPr bwMode="auto">
           <a:xfrm>
-            <a:off x="228600" y="1219200"/>
-            <a:ext cx="8610600" cy="4648200"/>
+            <a:off x="266700" y="990435"/>
+            <a:ext cx="8877300" cy="4728674"/>
           </a:xfrm>
           <a:prstGeom prst="rect">
             <a:avLst/>
@@ -29961,35 +29898,159 @@
           <a:lstStyle/>
           <a:p>
             <a:r>
+              <a:rPr lang="en-US" sz="4800" i="0" dirty="0" err="1" smtClean="0">
+                <a:solidFill>
+                  <a:srgbClr val="0000FF"/>
+                </a:solidFill>
+                <a:latin typeface="Comic Sans MS" pitchFamily="66" charset="0"/>
+                <a:sym typeface="Symbol" pitchFamily="18" charset="2"/>
+              </a:rPr>
+              <a:t>n</a:t>
+            </a:r>
+            <a:r>
               <a:rPr lang="en-US" sz="4800" i="0" dirty="0" smtClean="0">
                 <a:latin typeface="Comic Sans MS" pitchFamily="66" charset="0"/>
                 <a:sym typeface="Symbol" pitchFamily="18" charset="2"/>
               </a:rPr>
-              <a:t>Say </a:t>
-            </a:r>
-            <a:r>
-              <a:rPr lang="en-US" sz="4800" i="0" dirty="0">
+              <a:t> men each check </a:t>
+            </a:r>
+            <a:r>
+              <a:rPr lang="en-US" sz="4800" dirty="0" smtClean="0">
+                <a:latin typeface="Comic Sans MS" pitchFamily="66" charset="0"/>
+                <a:sym typeface="Symbol" pitchFamily="18" charset="2"/>
+              </a:rPr>
+              <a:t>their</a:t>
+            </a:r>
+            <a:r>
+              <a:rPr lang="en-US" sz="4800" i="0" dirty="0" smtClean="0">
+                <a:latin typeface="Comic Sans MS" pitchFamily="66" charset="0"/>
+                <a:sym typeface="Symbol" pitchFamily="18" charset="2"/>
+              </a:rPr>
+              <a:t> hat. Hats get </a:t>
+            </a:r>
+            <a:r>
+              <a:rPr lang="en-US" sz="4800" i="0" dirty="0" smtClean="0">
+                <a:latin typeface="Comic Sans MS" pitchFamily="66" charset="0"/>
+                <a:sym typeface="Symbol" pitchFamily="18" charset="2"/>
+              </a:rPr>
+              <a:t>scrambled</a:t>
+            </a:r>
+            <a:r>
+              <a:rPr lang="en-US" sz="4800" i="0" dirty="0" smtClean="0">
+                <a:latin typeface="Comic Sans MS" pitchFamily="66" charset="0"/>
+                <a:sym typeface="Symbol" pitchFamily="18" charset="2"/>
+              </a:rPr>
+              <a:t> </a:t>
+            </a:r>
+            <a:r>
+              <a:rPr lang="en-US" sz="4800" dirty="0" smtClean="0">
+                <a:latin typeface="Comic Sans MS" pitchFamily="66" charset="0"/>
+                <a:sym typeface="Symbol" pitchFamily="18" charset="2"/>
+              </a:rPr>
+              <a:t>so</a:t>
+            </a:r>
+          </a:p>
+          <a:p>
+            <a:pPr algn="ctr"/>
+            <a:r>
+              <a:rPr lang="en-US" sz="4800" dirty="0" err="1" smtClean="0">
+                <a:latin typeface="Comic Sans MS" pitchFamily="66" charset="0"/>
+                <a:sym typeface="Symbol" pitchFamily="18" charset="2"/>
+              </a:rPr>
+              <a:t>pr{man</a:t>
+            </a:r>
+            <a:r>
+              <a:rPr lang="en-US" sz="4800" dirty="0" smtClean="0">
+                <a:latin typeface="Comic Sans MS" pitchFamily="66" charset="0"/>
+                <a:sym typeface="Symbol" pitchFamily="18" charset="2"/>
+              </a:rPr>
+              <a:t> #</a:t>
+            </a:r>
+            <a:r>
+              <a:rPr lang="en-US" sz="4800" dirty="0" err="1" smtClean="0">
                 <a:solidFill>
                   <a:srgbClr val="0000FF"/>
                 </a:solidFill>
                 <a:latin typeface="Comic Sans MS" pitchFamily="66" charset="0"/>
                 <a:sym typeface="Symbol" pitchFamily="18" charset="2"/>
               </a:rPr>
-              <a:t>n</a:t>
-            </a:r>
-            <a:r>
-              <a:rPr lang="en-US" sz="4800" i="0" dirty="0">
+              <a:t>i</a:t>
+            </a:r>
+            <a:r>
+              <a:rPr lang="en-US" sz="4800" dirty="0" smtClean="0">
                 <a:latin typeface="Comic Sans MS" pitchFamily="66" charset="0"/>
                 <a:sym typeface="Symbol" pitchFamily="18" charset="2"/>
               </a:rPr>
+              <a:t> gets own hat back} </a:t>
+            </a:r>
+            <a:r>
+              <a:rPr lang="en-US" sz="6600" b="1" dirty="0" smtClean="0">
+                <a:latin typeface="Euclid Symbol" charset="2"/>
+                <a:cs typeface="Euclid Symbol" charset="2"/>
+                <a:sym typeface="Symbol" pitchFamily="18" charset="2"/>
+              </a:rPr>
+              <a:t>=</a:t>
+            </a:r>
+            <a:r>
+              <a:rPr lang="en-US" sz="6600" dirty="0" smtClean="0">
+                <a:latin typeface="Comic Sans MS" pitchFamily="66" charset="0"/>
+                <a:sym typeface="Symbol" pitchFamily="18" charset="2"/>
+              </a:rPr>
               <a:t> </a:t>
             </a:r>
             <a:r>
+              <a:rPr lang="en-US" sz="6600" dirty="0" smtClean="0">
+                <a:solidFill>
+                  <a:srgbClr val="0000FF"/>
+                </a:solidFill>
+                <a:latin typeface="Comic Sans MS" pitchFamily="66" charset="0"/>
+                <a:sym typeface="Symbol" pitchFamily="18" charset="2"/>
+              </a:rPr>
+              <a:t>1/n </a:t>
+            </a:r>
+            <a:endParaRPr lang="en-US" sz="4800" dirty="0" smtClean="0">
+              <a:solidFill>
+                <a:srgbClr val="0000FF"/>
+              </a:solidFill>
+              <a:latin typeface="Comic Sans MS" pitchFamily="66" charset="0"/>
+              <a:sym typeface="Symbol" pitchFamily="18" charset="2"/>
+            </a:endParaRPr>
+          </a:p>
+          <a:p>
+            <a:r>
               <a:rPr lang="en-US" sz="4800" i="0" dirty="0" smtClean="0">
                 <a:latin typeface="Comic Sans MS" pitchFamily="66" charset="0"/>
                 <a:sym typeface="Symbol" pitchFamily="18" charset="2"/>
               </a:rPr>
-              <a:t>people with hats leave their hats at a hat-check station.  The hats get totally scrambled randomly.  How many hats do we expect will be returned to their owners?</a:t>
+              <a:t>How </a:t>
+            </a:r>
+            <a:r>
+              <a:rPr lang="en-US" sz="4800" i="0" dirty="0" smtClean="0">
+                <a:latin typeface="Comic Sans MS" pitchFamily="66" charset="0"/>
+                <a:sym typeface="Symbol" pitchFamily="18" charset="2"/>
+              </a:rPr>
+              <a:t>many</a:t>
+            </a:r>
+            <a:r>
+              <a:rPr lang="en-US" sz="4800" i="0" dirty="0" smtClean="0">
+                <a:latin typeface="Comic Sans MS" pitchFamily="66" charset="0"/>
+                <a:sym typeface="Symbol" pitchFamily="18" charset="2"/>
+              </a:rPr>
+              <a:t> men </a:t>
+            </a:r>
+            <a:r>
+              <a:rPr lang="en-US" sz="4800" i="0" dirty="0" smtClean="0">
+                <a:latin typeface="Comic Sans MS" pitchFamily="66" charset="0"/>
+                <a:sym typeface="Symbol" pitchFamily="18" charset="2"/>
+              </a:rPr>
+              <a:t>do we expect will</a:t>
+            </a:r>
+            <a:r>
+              <a:rPr lang="en-US" sz="4800" i="0" dirty="0" smtClean="0">
+                <a:latin typeface="Comic Sans MS" pitchFamily="66" charset="0"/>
+                <a:sym typeface="Symbol" pitchFamily="18" charset="2"/>
+              </a:rPr>
+              <a:t> get their hat back?</a:t>
             </a:r>
             <a:endParaRPr lang="en-US" sz="4800" i="0" dirty="0">
               <a:latin typeface="Comic Sans MS" pitchFamily="66" charset="0"/>
@@ -30135,7 +30196,7 @@
         <p:spPr bwMode="auto">
           <a:xfrm>
             <a:off x="228600" y="1143000"/>
-            <a:ext cx="8686800" cy="3581400"/>
+            <a:ext cx="8684680" cy="2714440"/>
           </a:xfrm>
           <a:prstGeom prst="rect">
             <a:avLst/>
@@ -30183,7 +30244,14 @@
                 <a:latin typeface="Comic Sans MS" pitchFamily="66" charset="0"/>
                 <a:sym typeface="Symbol" pitchFamily="18" charset="2"/>
               </a:rPr>
-              <a:t> be indicator for </a:t>
+              <a:t> be indicator for</a:t>
+            </a:r>
+            <a:r>
+              <a:rPr lang="en-US" sz="4800" i="0" dirty="0" smtClean="0">
+                <a:latin typeface="Comic Sans MS" pitchFamily="66" charset="0"/>
+                <a:sym typeface="Symbol" pitchFamily="18" charset="2"/>
+              </a:rPr>
+              <a:t> man #</a:t>
             </a:r>
             <a:r>
               <a:rPr lang="en-US" sz="4800" i="0" dirty="0" err="1" smtClean="0">
@@ -30196,31 +30264,14 @@
               <a:t>i</a:t>
             </a:r>
             <a:r>
-              <a:rPr lang="en-US" sz="4800" i="0" dirty="0" err="1" smtClean="0">
+              <a:rPr lang="en-US" sz="4800" i="0" dirty="0" smtClean="0">
                 <a:latin typeface="Comic Sans MS" pitchFamily="66" charset="0"/>
                 <a:sym typeface="Symbol" pitchFamily="18" charset="2"/>
               </a:rPr>
-              <a:t>th</a:t>
-            </a:r>
-            <a:r>
-              <a:rPr lang="en-US" sz="4800" i="0" dirty="0" smtClean="0">
-                <a:latin typeface="Comic Sans MS" pitchFamily="66" charset="0"/>
-                <a:sym typeface="Symbol" pitchFamily="18" charset="2"/>
-              </a:rPr>
-              <a:t> hat being returned to its owner</a:t>
-            </a:r>
-          </a:p>
-          <a:p>
-            <a:endParaRPr lang="en-US" sz="4800" dirty="0" smtClean="0">
-              <a:solidFill>
-                <a:srgbClr val="0000FF"/>
-              </a:solidFill>
-              <a:latin typeface="Comic Sans MS" pitchFamily="66" charset="0"/>
-              <a:sym typeface="Symbol" pitchFamily="18" charset="2"/>
-            </a:endParaRPr>
-          </a:p>
-          <a:p>
-            <a:pPr algn="ctr"/>
+              <a:t> getting his own hat back.</a:t>
+            </a:r>
+          </a:p>
+          <a:p>
             <a:r>
               <a:rPr lang="en-US" sz="4800" dirty="0" err="1" smtClean="0">
                 <a:solidFill>
@@ -30452,7 +30503,7 @@
                             </p:stCondLst>
                             <p:childTnLst>
                               <p:par>
-                                <p:cTn id="5" presetID="10" presetClass="entr" presetSubtype="0" fill="hold" grpId="0" nodeType="clickEffect">
+                                <p:cTn id="5" presetID="1" presetClass="entr" presetSubtype="0" fill="hold" grpId="0" nodeType="clickEffect">
                                   <p:stCondLst>
                                     <p:cond delay="0"/>
                                   </p:stCondLst>
@@ -30467,7 +30518,7 @@
                                         <p:tgtEl>
                                           <p:spTgt spid="31748">
                                             <p:txEl>
-                                              <p:pRg st="2" end="2"/>
+                                              <p:pRg st="1" end="1"/>
                                             </p:txEl>
                                           </p:spTgt>
                                         </p:tgtEl>
@@ -30479,18 +30530,6 @@
                                         <p:strVal val="visible"/>
                                       </p:to>
                                     </p:set>
-                                    <p:animEffect transition="in" filter="fade">
-                                      <p:cBhvr>
-                                        <p:cTn id="7" dur="1000"/>
-                                        <p:tgtEl>
-                                          <p:spTgt spid="31748">
-                                            <p:txEl>
-                                              <p:pRg st="2" end="2"/>
-                                            </p:txEl>
-                                          </p:spTgt>
-                                        </p:tgtEl>
-                                      </p:cBhvr>
-                                    </p:animEffect>
                                   </p:childTnLst>
                                 </p:cTn>
                               </p:par>
@@ -30981,7 +31020,7 @@
         <p:spPr bwMode="auto">
           <a:xfrm>
             <a:off x="228600" y="1143000"/>
-            <a:ext cx="8686800" cy="3581400"/>
+            <a:ext cx="8684680" cy="2714440"/>
           </a:xfrm>
           <a:prstGeom prst="rect">
             <a:avLst/>
@@ -31029,7 +31068,14 @@
                 <a:latin typeface="Comic Sans MS" pitchFamily="66" charset="0"/>
                 <a:sym typeface="Symbol" pitchFamily="18" charset="2"/>
               </a:rPr>
-              <a:t> be indicator for </a:t>
+              <a:t> be indicator for</a:t>
+            </a:r>
+            <a:r>
+              <a:rPr lang="en-US" sz="4800" i="0" dirty="0" smtClean="0">
+                <a:latin typeface="Comic Sans MS" pitchFamily="66" charset="0"/>
+                <a:sym typeface="Symbol" pitchFamily="18" charset="2"/>
+              </a:rPr>
+              <a:t> man #</a:t>
             </a:r>
             <a:r>
               <a:rPr lang="en-US" sz="4800" i="0" dirty="0" err="1" smtClean="0">
@@ -31042,131 +31088,241 @@
               <a:t>i</a:t>
             </a:r>
             <a:r>
-              <a:rPr lang="en-US" sz="4800" i="0" dirty="0" err="1" smtClean="0">
+              <a:rPr lang="en-US" sz="4800" i="0" dirty="0" smtClean="0">
                 <a:latin typeface="Comic Sans MS" pitchFamily="66" charset="0"/>
                 <a:sym typeface="Symbol" pitchFamily="18" charset="2"/>
               </a:rPr>
-              <a:t>th</a:t>
-            </a:r>
-            <a:r>
-              <a:rPr lang="en-US" sz="4800" i="0" dirty="0" smtClean="0">
+              <a:t> getting his own hat </a:t>
+            </a:r>
+            <a:r>
+              <a:rPr lang="en-US" sz="4800" dirty="0" smtClean="0">
                 <a:latin typeface="Comic Sans MS" pitchFamily="66" charset="0"/>
                 <a:sym typeface="Symbol" pitchFamily="18" charset="2"/>
               </a:rPr>
-              <a:t> hat being returned to its owner</a:t>
-            </a:r>
-            <a:endParaRPr lang="en-US" sz="4800" i="0" dirty="0">
+              <a:t>back</a:t>
+            </a:r>
+            <a:r>
+              <a:rPr lang="en-US" sz="4800" dirty="0" smtClean="0">
+                <a:latin typeface="Comic Sans MS" pitchFamily="66" charset="0"/>
+                <a:sym typeface="Symbol" pitchFamily="18" charset="2"/>
+              </a:rPr>
+              <a:t>. </a:t>
+            </a:r>
+          </a:p>
+          <a:p>
+            <a:r>
+              <a:rPr lang="en-US" sz="4800" dirty="0" smtClean="0">
+                <a:solidFill>
+                  <a:schemeClr val="tx2"/>
+                </a:solidFill>
+                <a:latin typeface="Comic Sans MS" pitchFamily="66" charset="0"/>
+                <a:sym typeface="Symbol" pitchFamily="18" charset="2"/>
+              </a:rPr>
+              <a:t>But</a:t>
+            </a:r>
+            <a:r>
+              <a:rPr lang="en-US" sz="4800" dirty="0" smtClean="0">
+                <a:solidFill>
+                  <a:srgbClr val="0000FF"/>
+                </a:solidFill>
+                <a:latin typeface="Comic Sans MS" pitchFamily="66" charset="0"/>
+                <a:sym typeface="Symbol" pitchFamily="18" charset="2"/>
+              </a:rPr>
+              <a:t> E</a:t>
+            </a:r>
+            <a:r>
+              <a:rPr lang="en-US" sz="4800" dirty="0" smtClean="0">
+                <a:solidFill>
+                  <a:srgbClr val="0000FF"/>
+                </a:solidFill>
+                <a:latin typeface="Comic Sans MS" pitchFamily="66" charset="0"/>
+                <a:sym typeface="Symbol" pitchFamily="18" charset="2"/>
+              </a:rPr>
+              <a:t>[# hats returned] </a:t>
+            </a:r>
+            <a:r>
+              <a:rPr lang="en-US" sz="4800" dirty="0" smtClean="0">
+                <a:latin typeface="Comic Sans MS" pitchFamily="66" charset="0"/>
+                <a:sym typeface="Symbol" pitchFamily="18" charset="2"/>
+              </a:rPr>
+              <a:t>=</a:t>
+            </a:r>
+          </a:p>
+          <a:p>
+            <a:r>
+              <a:rPr lang="en-US" sz="4800" dirty="0" smtClean="0">
+                <a:solidFill>
+                  <a:srgbClr val="0000FF"/>
+                </a:solidFill>
+                <a:latin typeface="Comic Sans MS" pitchFamily="66" charset="0"/>
+              </a:rPr>
+              <a:t>  </a:t>
+            </a:r>
+            <a:r>
+              <a:rPr lang="en-US" sz="6000" dirty="0" smtClean="0">
+                <a:solidFill>
+                  <a:srgbClr val="0000FF"/>
+                </a:solidFill>
+                <a:latin typeface="Comic Sans MS" pitchFamily="66" charset="0"/>
+              </a:rPr>
+              <a:t> </a:t>
+            </a:r>
+            <a:r>
+              <a:rPr lang="en-US" sz="6000" dirty="0" err="1" smtClean="0">
+                <a:solidFill>
+                  <a:srgbClr val="0000FF"/>
+                </a:solidFill>
+                <a:latin typeface="Comic Sans MS" pitchFamily="66" charset="0"/>
+              </a:rPr>
+              <a:t>E[∑</a:t>
+            </a:r>
+            <a:r>
+              <a:rPr lang="en-US" sz="6000" baseline="-25000" dirty="0" err="1" smtClean="0">
+                <a:solidFill>
+                  <a:srgbClr val="0000FF"/>
+                </a:solidFill>
+                <a:latin typeface="Comic Sans MS" pitchFamily="66" charset="0"/>
+              </a:rPr>
+              <a:t>i</a:t>
+            </a:r>
+            <a:r>
+              <a:rPr lang="en-US" sz="6000" dirty="0" smtClean="0">
+                <a:solidFill>
+                  <a:srgbClr val="0000FF"/>
+                </a:solidFill>
+                <a:latin typeface="Comic Sans MS" pitchFamily="66" charset="0"/>
+              </a:rPr>
+              <a:t> </a:t>
+            </a:r>
+            <a:r>
+              <a:rPr lang="en-US" sz="6000" dirty="0" err="1" smtClean="0">
+                <a:solidFill>
+                  <a:srgbClr val="0000FF"/>
+                </a:solidFill>
+                <a:latin typeface="Comic Sans MS" pitchFamily="66" charset="0"/>
+                <a:sym typeface="Symbol" pitchFamily="18" charset="2"/>
+              </a:rPr>
+              <a:t>R</a:t>
+            </a:r>
+            <a:r>
+              <a:rPr lang="en-US" sz="6000" baseline="-25000" dirty="0" err="1" smtClean="0">
+                <a:solidFill>
+                  <a:srgbClr val="0000FF"/>
+                </a:solidFill>
+                <a:latin typeface="Comic Sans MS" pitchFamily="66" charset="0"/>
+              </a:rPr>
+              <a:t>i</a:t>
+            </a:r>
+            <a:r>
+              <a:rPr lang="en-US" sz="6000" dirty="0" smtClean="0">
+                <a:solidFill>
+                  <a:srgbClr val="0000FF"/>
+                </a:solidFill>
+                <a:latin typeface="Comic Sans MS" pitchFamily="66" charset="0"/>
+              </a:rPr>
+              <a:t>]</a:t>
+            </a:r>
+            <a:endParaRPr lang="en-US" sz="4800" i="0" dirty="0" smtClean="0">
               <a:latin typeface="Comic Sans MS" pitchFamily="66" charset="0"/>
               <a:sym typeface="Symbol" pitchFamily="18" charset="2"/>
             </a:endParaRPr>
           </a:p>
           <a:p>
-            <a:r>
-              <a:rPr lang="en-US" sz="4800" i="0" dirty="0">
-                <a:latin typeface="Comic Sans MS" pitchFamily="66" charset="0"/>
-                <a:sym typeface="Symbol" pitchFamily="18" charset="2"/>
-              </a:rPr>
-              <a:t>Then </a:t>
-            </a:r>
-            <a:r>
-              <a:rPr lang="en-US" sz="4800" i="0" dirty="0" smtClean="0">
-                <a:solidFill>
-                  <a:srgbClr val="0000FF"/>
-                </a:solidFill>
-                <a:latin typeface="Comic Sans MS" pitchFamily="66" charset="0"/>
-                <a:sym typeface="Symbol" pitchFamily="18" charset="2"/>
-              </a:rPr>
-              <a:t>E[# hats returned] </a:t>
-            </a:r>
-            <a:r>
-              <a:rPr lang="en-US" sz="4800" i="0" dirty="0" smtClean="0">
-                <a:latin typeface="Comic Sans MS" pitchFamily="66" charset="0"/>
-                <a:sym typeface="Symbol" pitchFamily="18" charset="2"/>
-              </a:rPr>
-              <a:t>=</a:t>
-            </a:r>
-            <a:endParaRPr lang="en-US" sz="4800" i="0" dirty="0">
+            <a:endParaRPr lang="en-US" sz="4800" dirty="0" smtClean="0">
               <a:latin typeface="Comic Sans MS" pitchFamily="66" charset="0"/>
               <a:sym typeface="Symbol" pitchFamily="18" charset="2"/>
             </a:endParaRPr>
           </a:p>
-          <a:p>
-            <a:r>
-              <a:rPr lang="en-US" sz="4800" i="0" dirty="0" smtClean="0">
-                <a:solidFill>
-                  <a:srgbClr val="0000FF"/>
-                </a:solidFill>
-                <a:latin typeface="Comic Sans MS" pitchFamily="66" charset="0"/>
-              </a:rPr>
-              <a:t>  </a:t>
-            </a:r>
-            <a:r>
-              <a:rPr lang="en-US" sz="6000" i="0" dirty="0" smtClean="0">
-                <a:solidFill>
-                  <a:srgbClr val="0000FF"/>
-                </a:solidFill>
-                <a:latin typeface="Comic Sans MS" pitchFamily="66" charset="0"/>
-              </a:rPr>
-              <a:t> E[∑</a:t>
-            </a:r>
-            <a:r>
-              <a:rPr lang="en-US" sz="6000" i="0" baseline="-25000" dirty="0" err="1" smtClean="0">
-                <a:solidFill>
-                  <a:srgbClr val="0000FF"/>
-                </a:solidFill>
-                <a:latin typeface="Comic Sans MS" pitchFamily="66" charset="0"/>
-              </a:rPr>
-              <a:t>i</a:t>
-            </a:r>
-            <a:r>
-              <a:rPr lang="en-US" sz="6000" i="0" dirty="0" smtClean="0">
-                <a:solidFill>
-                  <a:srgbClr val="0000FF"/>
-                </a:solidFill>
-                <a:latin typeface="Comic Sans MS" pitchFamily="66" charset="0"/>
-              </a:rPr>
-              <a:t> </a:t>
-            </a:r>
-            <a:r>
-              <a:rPr lang="en-US" sz="6000" i="0" dirty="0" err="1" smtClean="0">
-                <a:solidFill>
-                  <a:srgbClr val="0000FF"/>
-                </a:solidFill>
-                <a:latin typeface="Comic Sans MS" pitchFamily="66" charset="0"/>
-                <a:sym typeface="Symbol" pitchFamily="18" charset="2"/>
-              </a:rPr>
-              <a:t>R</a:t>
-            </a:r>
-            <a:r>
-              <a:rPr lang="en-US" sz="6000" i="0" baseline="-25000" dirty="0" err="1" smtClean="0">
-                <a:solidFill>
-                  <a:srgbClr val="0000FF"/>
-                </a:solidFill>
-                <a:latin typeface="Comic Sans MS" pitchFamily="66" charset="0"/>
-              </a:rPr>
-              <a:t>i</a:t>
-            </a:r>
-            <a:r>
-              <a:rPr lang="en-US" sz="6000" i="0" dirty="0" smtClean="0">
-                <a:solidFill>
-                  <a:srgbClr val="0000FF"/>
-                </a:solidFill>
-                <a:latin typeface="Comic Sans MS" pitchFamily="66" charset="0"/>
-              </a:rPr>
-              <a:t>]</a:t>
-            </a:r>
-            <a:endParaRPr lang="en-US" sz="6000" i="0" dirty="0">
-              <a:solidFill>
-                <a:srgbClr val="0000FF"/>
-              </a:solidFill>
-              <a:latin typeface="Comic Sans MS" pitchFamily="66" charset="0"/>
+        </p:txBody>
+      </p:sp>
+      <p:sp>
+        <p:nvSpPr>
+          <p:cNvPr id="6" name="Slide Number Placeholder 3"/>
+          <p:cNvSpPr>
+            <a:spLocks noGrp="1"/>
+          </p:cNvSpPr>
+          <p:nvPr>
+            <p:ph type="sldNum" sz="quarter" idx="4294967295"/>
+          </p:nvPr>
+        </p:nvSpPr>
+        <p:spPr>
+          <a:xfrm>
+            <a:off x="7554913" y="6577965"/>
+            <a:ext cx="1527175" cy="244475"/>
+          </a:xfrm>
+          <a:prstGeom prst="rect">
+            <a:avLst/>
+          </a:prstGeom>
+        </p:spPr>
+        <p:txBody>
+          <a:bodyPr/>
+          <a:lstStyle/>
+          <a:p>
+            <a:pPr>
+              <a:defRPr/>
+            </a:pPr>
+            <a:r>
+              <a:rPr lang="en-US" sz="1200" dirty="0" err="1">
+                <a:latin typeface="Comic Sans MS"/>
+                <a:cs typeface="Comic Sans MS"/>
+              </a:rPr>
+              <a:t>lec</a:t>
+            </a:r>
+            <a:r>
+              <a:rPr lang="en-US" sz="1200" dirty="0" smtClean="0">
+                <a:latin typeface="Comic Sans MS"/>
+                <a:cs typeface="Comic Sans MS"/>
+              </a:rPr>
+              <a:t> 12F.</a:t>
+            </a:r>
+            <a:fld id="{93DA0692-DAF7-4AFE-9BE7-E02439D3694A}" type="slidenum">
+              <a:rPr lang="en-US" sz="1200" smtClean="0">
+                <a:latin typeface="Comic Sans MS"/>
+                <a:cs typeface="Comic Sans MS"/>
+              </a:rPr>
+              <a:pPr>
+                <a:defRPr/>
+              </a:pPr>
+              <a:t>50</a:t>
+            </a:fld>
+            <a:endParaRPr lang="en-US" sz="1200" dirty="0">
+              <a:latin typeface="Comic Sans MS"/>
+              <a:cs typeface="Comic Sans MS"/>
             </a:endParaRPr>
           </a:p>
         </p:txBody>
       </p:sp>
       <p:sp>
         <p:nvSpPr>
-          <p:cNvPr id="5" name="TextBox 4"/>
+          <p:cNvPr id="8" name="Rectangle 2"/>
+          <p:cNvSpPr>
+            <a:spLocks noGrp="1" noChangeArrowheads="1"/>
+          </p:cNvSpPr>
+          <p:nvPr>
+            <p:ph type="title"/>
+          </p:nvPr>
+        </p:nvSpPr>
+        <p:spPr>
+          <a:xfrm>
+            <a:off x="1039295" y="225425"/>
+            <a:ext cx="7270750" cy="684213"/>
+          </a:xfrm>
+        </p:spPr>
+        <p:txBody>
+          <a:bodyPr/>
+          <a:lstStyle/>
+          <a:p>
+            <a:pPr eaLnBrk="1" hangingPunct="1"/>
+            <a:r>
+              <a:rPr lang="en-US" sz="4000" dirty="0" smtClean="0"/>
+              <a:t>Expected #hats returned </a:t>
+            </a:r>
+          </a:p>
+        </p:txBody>
+      </p:sp>
+      <p:sp>
+        <p:nvSpPr>
+          <p:cNvPr id="9" name="TextBox 8"/>
           <p:cNvSpPr txBox="1"/>
           <p:nvPr/>
         </p:nvSpPr>
@@ -31425,91 +31581,6 @@
             <a:endParaRPr lang="en-US" sz="5400" i="0" dirty="0" smtClean="0">
               <a:latin typeface="+mj-lt"/>
             </a:endParaRPr>
-          </a:p>
-        </p:txBody>
-      </p:sp>
-      <p:sp>
-        <p:nvSpPr>
-          <p:cNvPr id="6" name="Slide Number Placeholder 3"/>
-          <p:cNvSpPr>
-            <a:spLocks noGrp="1"/>
-          </p:cNvSpPr>
-          <p:nvPr>
-            <p:ph type="sldNum" sz="quarter" idx="4294967295"/>
-          </p:nvPr>
-        </p:nvSpPr>
-        <p:spPr>
-          <a:xfrm>
-            <a:off x="7554913" y="6577965"/>
-            <a:ext cx="1527175" cy="244475"/>
-          </a:xfrm>
-          <a:prstGeom prst="rect">
-            <a:avLst/>
-          </a:prstGeom>
-        </p:spPr>
-        <p:txBody>
-          <a:bodyPr/>
-          <a:lstStyle/>
-          <a:p>
-            <a:pPr>
-              <a:defRPr/>
-            </a:pPr>
-            <a:r>
-              <a:rPr lang="en-US" sz="1200" dirty="0" err="1">
-                <a:latin typeface="Comic Sans MS"/>
-                <a:cs typeface="Comic Sans MS"/>
-              </a:rPr>
-              <a:t>lec</a:t>
-            </a:r>
-            <a:r>
-              <a:rPr lang="en-US" sz="1200" dirty="0" smtClean="0">
-                <a:latin typeface="Comic Sans MS"/>
-                <a:cs typeface="Comic Sans MS"/>
-              </a:rPr>
-              <a:t> 12F.</a:t>
-            </a:r>
-            <a:fld id="{93DA0692-DAF7-4AFE-9BE7-E02439D3694A}" type="slidenum">
-              <a:rPr lang="en-US" sz="1200" smtClean="0">
-                <a:latin typeface="Comic Sans MS"/>
-                <a:cs typeface="Comic Sans MS"/>
-              </a:rPr>
-              <a:pPr>
-                <a:defRPr/>
-              </a:pPr>
-              <a:t>50</a:t>
-            </a:fld>
-            <a:endParaRPr lang="en-US" sz="1200" dirty="0">
-              <a:latin typeface="Comic Sans MS"/>
-              <a:cs typeface="Comic Sans MS"/>
-            </a:endParaRPr>
-          </a:p>
-        </p:txBody>
-      </p:sp>
-      <p:sp>
-        <p:nvSpPr>
-          <p:cNvPr id="8" name="Rectangle 2"/>
-          <p:cNvSpPr>
-            <a:spLocks noGrp="1" noChangeArrowheads="1"/>
-          </p:cNvSpPr>
-          <p:nvPr>
-            <p:ph type="title"/>
-          </p:nvPr>
-        </p:nvSpPr>
-        <p:spPr>
-          <a:xfrm>
-            <a:off x="1039295" y="225425"/>
-            <a:ext cx="7270750" cy="684213"/>
-          </a:xfrm>
-        </p:spPr>
-        <p:txBody>
-          <a:bodyPr/>
-          <a:lstStyle/>
-          <a:p>
-            <a:pPr eaLnBrk="1" hangingPunct="1"/>
-            <a:r>
-              <a:rPr lang="en-US" sz="4000" dirty="0" smtClean="0"/>
-              <a:t>Expected #hats returned </a:t>
-            </a:r>
           </a:p>
         </p:txBody>
       </p:sp>
@@ -31533,9 +31604,6 @@
                     <p:cTn id="3" fill="hold">
                       <p:stCondLst>
                         <p:cond delay="indefinite"/>
-                        <p:cond evt="onBegin" delay="0">
-                          <p:tn val="2"/>
-                        </p:cond>
                       </p:stCondLst>
                       <p:childTnLst>
                         <p:par>
@@ -31545,7 +31613,7 @@
                             </p:stCondLst>
                             <p:childTnLst>
                               <p:par>
-                                <p:cTn id="5" presetID="22" presetClass="entr" presetSubtype="8" fill="hold" nodeType="afterEffect">
+                                <p:cTn id="5" presetID="22" presetClass="entr" presetSubtype="8" fill="hold" nodeType="clickEffect">
                                   <p:stCondLst>
                                     <p:cond delay="0"/>
                                   </p:stCondLst>
@@ -31558,9 +31626,9 @@
                                           </p:stCondLst>
                                         </p:cTn>
                                         <p:tgtEl>
-                                          <p:spTgt spid="31748">
+                                          <p:spTgt spid="9">
                                             <p:txEl>
-                                              <p:pRg st="2" end="2"/>
+                                              <p:pRg st="0" end="0"/>
                                             </p:txEl>
                                           </p:spTgt>
                                         </p:tgtEl>
@@ -31576,9 +31644,9 @@
                                       <p:cBhvr>
                                         <p:cTn id="7" dur="1000"/>
                                         <p:tgtEl>
-                                          <p:spTgt spid="31748">
+                                          <p:spTgt spid="9">
                                             <p:txEl>
-                                              <p:pRg st="2" end="2"/>
+                                              <p:pRg st="0" end="0"/>
                                             </p:txEl>
                                           </p:spTgt>
                                         </p:tgtEl>
@@ -31619,9 +31687,9 @@
                                           </p:stCondLst>
                                         </p:cTn>
                                         <p:tgtEl>
-                                          <p:spTgt spid="5">
+                                          <p:spTgt spid="9">
                                             <p:txEl>
-                                              <p:pRg st="0" end="0"/>
+                                              <p:pRg st="1" end="1"/>
                                             </p:txEl>
                                           </p:spTgt>
                                         </p:tgtEl>
@@ -31637,68 +31705,7 @@
                                       <p:cBhvr>
                                         <p:cTn id="12" dur="1000"/>
                                         <p:tgtEl>
-                                          <p:spTgt spid="5">
-                                            <p:txEl>
-                                              <p:pRg st="0" end="0"/>
-                                            </p:txEl>
-                                          </p:spTgt>
-                                        </p:tgtEl>
-                                      </p:cBhvr>
-                                    </p:animEffect>
-                                  </p:childTnLst>
-                                </p:cTn>
-                              </p:par>
-                            </p:childTnLst>
-                          </p:cTn>
-                        </p:par>
-                      </p:childTnLst>
-                    </p:cTn>
-                  </p:par>
-                  <p:par>
-                    <p:cTn id="13" fill="hold">
-                      <p:stCondLst>
-                        <p:cond delay="indefinite"/>
-                      </p:stCondLst>
-                      <p:childTnLst>
-                        <p:par>
-                          <p:cTn id="14" fill="hold">
-                            <p:stCondLst>
-                              <p:cond delay="0"/>
-                            </p:stCondLst>
-                            <p:childTnLst>
-                              <p:par>
-                                <p:cTn id="15" presetID="22" presetClass="entr" presetSubtype="8" fill="hold" nodeType="clickEffect">
-                                  <p:stCondLst>
-                                    <p:cond delay="0"/>
-                                  </p:stCondLst>
-                                  <p:childTnLst>
-                                    <p:set>
-                                      <p:cBhvr>
-                                        <p:cTn id="16" dur="1" fill="hold">
-                                          <p:stCondLst>
-                                            <p:cond delay="0"/>
-                                          </p:stCondLst>
-                                        </p:cTn>
-                                        <p:tgtEl>
-                                          <p:spTgt spid="5">
-                                            <p:txEl>
-                                              <p:pRg st="1" end="1"/>
-                                            </p:txEl>
-                                          </p:spTgt>
-                                        </p:tgtEl>
-                                        <p:attrNameLst>
-                                          <p:attrName>style.visibility</p:attrName>
-                                        </p:attrNameLst>
-                                      </p:cBhvr>
-                                      <p:to>
-                                        <p:strVal val="visible"/>
-                                      </p:to>
-                                    </p:set>
-                                    <p:animEffect transition="in" filter="wipe(left)">
-                                      <p:cBhvr>
-                                        <p:cTn id="17" dur="1000"/>
-                                        <p:tgtEl>
-                                          <p:spTgt spid="5">
+                                          <p:spTgt spid="9">
                                             <p:txEl>
                                               <p:pRg st="1" end="1"/>
                                             </p:txEl>
@@ -31713,26 +31720,26 @@
                           </p:cTn>
                         </p:par>
                         <p:par>
-                          <p:cTn id="18" fill="hold">
+                          <p:cTn id="13" fill="hold">
                             <p:stCondLst>
                               <p:cond delay="1000"/>
                             </p:stCondLst>
                             <p:childTnLst>
                               <p:par>
-                                <p:cTn id="19" presetID="22" presetClass="entr" presetSubtype="8" fill="hold" nodeType="afterEffect">
+                                <p:cTn id="14" presetID="22" presetClass="entr" presetSubtype="8" fill="hold" nodeType="afterEffect">
                                   <p:stCondLst>
                                     <p:cond delay="0"/>
                                   </p:stCondLst>
                                   <p:childTnLst>
                                     <p:set>
                                       <p:cBhvr>
-                                        <p:cTn id="20" dur="1" fill="hold">
+                                        <p:cTn id="15" dur="1" fill="hold">
                                           <p:stCondLst>
                                             <p:cond delay="0"/>
                                           </p:stCondLst>
                                         </p:cTn>
                                         <p:tgtEl>
-                                          <p:spTgt spid="5">
+                                          <p:spTgt spid="9">
                                             <p:txEl>
                                               <p:pRg st="2" end="2"/>
                                             </p:txEl>
@@ -31748,9 +31755,9 @@
                                     </p:set>
                                     <p:animEffect transition="in" filter="wipe(left)">
                                       <p:cBhvr>
-                                        <p:cTn id="21" dur="1000"/>
+                                        <p:cTn id="16" dur="1000"/>
                                         <p:tgtEl>
-                                          <p:spTgt spid="5">
+                                          <p:spTgt spid="9">
                                             <p:txEl>
                                               <p:pRg st="2" end="2"/>
                                             </p:txEl>
